--- a/Jenkins/Jenkins.pptx
+++ b/Jenkins/Jenkins.pptx
@@ -5,34 +5,37 @@
     <p:sldMasterId id="2147483660" r:id="rId1"/>
   </p:sldMasterIdLst>
   <p:notesMasterIdLst>
-    <p:notesMasterId r:id="rId24"/>
+    <p:notesMasterId r:id="rId27"/>
   </p:notesMasterIdLst>
   <p:handoutMasterIdLst>
-    <p:handoutMasterId r:id="rId25"/>
+    <p:handoutMasterId r:id="rId28"/>
   </p:handoutMasterIdLst>
   <p:sldIdLst>
-    <p:sldId id="279" r:id="rId2"/>
-    <p:sldId id="281" r:id="rId3"/>
-    <p:sldId id="256" r:id="rId4"/>
-    <p:sldId id="272" r:id="rId5"/>
-    <p:sldId id="282" r:id="rId6"/>
-    <p:sldId id="267" r:id="rId7"/>
-    <p:sldId id="274" r:id="rId8"/>
-    <p:sldId id="275" r:id="rId9"/>
-    <p:sldId id="276" r:id="rId10"/>
-    <p:sldId id="257" r:id="rId11"/>
-    <p:sldId id="258" r:id="rId12"/>
-    <p:sldId id="259" r:id="rId13"/>
-    <p:sldId id="260" r:id="rId14"/>
-    <p:sldId id="261" r:id="rId15"/>
-    <p:sldId id="262" r:id="rId16"/>
-    <p:sldId id="263" r:id="rId17"/>
-    <p:sldId id="264" r:id="rId18"/>
-    <p:sldId id="265" r:id="rId19"/>
-    <p:sldId id="266" r:id="rId20"/>
-    <p:sldId id="268" r:id="rId21"/>
-    <p:sldId id="269" r:id="rId22"/>
-    <p:sldId id="270" r:id="rId23"/>
+    <p:sldId id="256" r:id="rId2"/>
+    <p:sldId id="272" r:id="rId3"/>
+    <p:sldId id="282" r:id="rId4"/>
+    <p:sldId id="283" r:id="rId5"/>
+    <p:sldId id="284" r:id="rId6"/>
+    <p:sldId id="285" r:id="rId7"/>
+    <p:sldId id="286" r:id="rId8"/>
+    <p:sldId id="287" r:id="rId9"/>
+    <p:sldId id="267" r:id="rId10"/>
+    <p:sldId id="274" r:id="rId11"/>
+    <p:sldId id="275" r:id="rId12"/>
+    <p:sldId id="276" r:id="rId13"/>
+    <p:sldId id="257" r:id="rId14"/>
+    <p:sldId id="258" r:id="rId15"/>
+    <p:sldId id="259" r:id="rId16"/>
+    <p:sldId id="260" r:id="rId17"/>
+    <p:sldId id="261" r:id="rId18"/>
+    <p:sldId id="262" r:id="rId19"/>
+    <p:sldId id="263" r:id="rId20"/>
+    <p:sldId id="264" r:id="rId21"/>
+    <p:sldId id="265" r:id="rId22"/>
+    <p:sldId id="266" r:id="rId23"/>
+    <p:sldId id="268" r:id="rId24"/>
+    <p:sldId id="269" r:id="rId25"/>
+    <p:sldId id="270" r:id="rId26"/>
   </p:sldIdLst>
   <p:sldSz cx="9144000" cy="6858000" type="screen4x3"/>
   <p:notesSz cx="6858000" cy="9144000"/>
@@ -131,6 +134,36 @@
       </a:defRPr>
     </a:lvl9pPr>
   </p:defaultTextStyle>
+  <p:extLst>
+    <p:ext uri="{EFAFB233-063F-42B5-8137-9DF3F51BA10A}">
+      <p15:sldGuideLst xmlns:p15="http://schemas.microsoft.com/office/powerpoint/2012/main">
+        <p15:guide id="1" orient="horz" pos="2160">
+          <p15:clr>
+            <a:srgbClr val="A4A3A4"/>
+          </p15:clr>
+        </p15:guide>
+        <p15:guide id="2" pos="2880">
+          <p15:clr>
+            <a:srgbClr val="A4A3A4"/>
+          </p15:clr>
+        </p15:guide>
+      </p15:sldGuideLst>
+    </p:ext>
+    <p:ext uri="{2D200454-40CA-4A62-9FC3-DE9A4176ACB9}">
+      <p15:notesGuideLst xmlns:p15="http://schemas.microsoft.com/office/powerpoint/2012/main">
+        <p15:guide id="1" orient="horz" pos="2880">
+          <p15:clr>
+            <a:srgbClr val="A4A3A4"/>
+          </p15:clr>
+        </p15:guide>
+        <p15:guide id="2" pos="2160">
+          <p15:clr>
+            <a:srgbClr val="A4A3A4"/>
+          </p15:clr>
+        </p15:guide>
+      </p15:notesGuideLst>
+    </p:ext>
+  </p:extLst>
 </p:presentation>
 </file>
 
@@ -223,7 +256,7 @@
             <a:fld id="{1DD5F747-CBD4-481C-9122-2B2864730950}" type="datetimeFigureOut">
               <a:rPr lang="en-US" smtClean="0"/>
               <a:pPr/>
-              <a:t>10/18/2021</a:t>
+              <a:t>5/7/2025</a:t>
             </a:fld>
             <a:endParaRPr lang="en-US"/>
           </a:p>
@@ -257,10 +290,9 @@
           </a:lstStyle>
           <a:p>
             <a:r>
-              <a:rPr lang="en-US" smtClean="0"/>
+              <a:rPr lang="en-US"/>
               <a:t>Presented by Santhosh Parsi</a:t>
             </a:r>
-            <a:endParaRPr lang="en-US"/>
           </a:p>
         </p:txBody>
       </p:sp>
@@ -395,7 +427,7 @@
             <a:fld id="{7F00FF7B-209F-45C5-B72F-CCFE0E145990}" type="datetimeFigureOut">
               <a:rPr lang="en-US" smtClean="0"/>
               <a:pPr/>
-              <a:t>10/18/2021</a:t>
+              <a:t>5/7/2025</a:t>
             </a:fld>
             <a:endParaRPr lang="en-US"/>
           </a:p>
@@ -459,38 +491,37 @@
           <a:p>
             <a:pPr lvl="0"/>
             <a:r>
-              <a:rPr lang="en-US" smtClean="0"/>
+              <a:rPr lang="en-US"/>
               <a:t>Click to edit Master text styles</a:t>
             </a:r>
           </a:p>
           <a:p>
             <a:pPr lvl="1"/>
             <a:r>
-              <a:rPr lang="en-US" smtClean="0"/>
+              <a:rPr lang="en-US"/>
               <a:t>Second level</a:t>
             </a:r>
           </a:p>
           <a:p>
             <a:pPr lvl="2"/>
             <a:r>
-              <a:rPr lang="en-US" smtClean="0"/>
+              <a:rPr lang="en-US"/>
               <a:t>Third level</a:t>
             </a:r>
           </a:p>
           <a:p>
             <a:pPr lvl="3"/>
             <a:r>
-              <a:rPr lang="en-US" smtClean="0"/>
+              <a:rPr lang="en-US"/>
               <a:t>Fourth level</a:t>
             </a:r>
           </a:p>
           <a:p>
             <a:pPr lvl="4"/>
             <a:r>
-              <a:rPr lang="en-US" smtClean="0"/>
+              <a:rPr lang="en-US"/>
               <a:t>Fifth level</a:t>
             </a:r>
-            <a:endParaRPr lang="en-US"/>
           </a:p>
         </p:txBody>
       </p:sp>
@@ -522,10 +553,9 @@
           </a:lstStyle>
           <a:p>
             <a:r>
-              <a:rPr lang="en-US" smtClean="0"/>
+              <a:rPr lang="en-US"/>
               <a:t>Presented by Santhosh Parsi</a:t>
             </a:r>
-            <a:endParaRPr lang="en-US"/>
           </a:p>
         </p:txBody>
       </p:sp>
@@ -713,7 +743,7 @@
           <a:bodyPr/>
           <a:lstStyle/>
           <a:p>
-            <a:endParaRPr lang="en-US" dirty="0"/>
+            <a:endParaRPr lang="en-US"/>
           </a:p>
         </p:txBody>
       </p:sp>
@@ -737,7 +767,7 @@
               <a:pPr/>
               <a:t>1</a:t>
             </a:fld>
-            <a:endParaRPr lang="en-US" dirty="0"/>
+            <a:endParaRPr lang="en-US"/>
           </a:p>
         </p:txBody>
       </p:sp>
@@ -757,18 +787,9 @@
           <a:lstStyle/>
           <a:p>
             <a:r>
-              <a:rPr lang="en-US" dirty="0" smtClean="0"/>
-              <a:t>Presented by </a:t>
-            </a:r>
-            <a:r>
-              <a:rPr lang="en-US" dirty="0" err="1" smtClean="0"/>
-              <a:t>Santhosh</a:t>
-            </a:r>
-            <a:r>
-              <a:rPr lang="en-US" smtClean="0"/>
-              <a:t> Parsi</a:t>
-            </a:r>
-            <a:endParaRPr lang="en-US"/>
+              <a:rPr lang="en-US"/>
+              <a:t>Presented by Santhosh Parsi</a:t>
+            </a:r>
           </a:p>
         </p:txBody>
       </p:sp>
@@ -873,10 +894,9 @@
           <a:lstStyle/>
           <a:p>
             <a:r>
-              <a:rPr lang="en-US" smtClean="0"/>
+              <a:rPr lang="en-US"/>
               <a:t>Presented by Santhosh Parsi</a:t>
             </a:r>
-            <a:endParaRPr lang="en-US"/>
           </a:p>
         </p:txBody>
       </p:sp>
@@ -981,10 +1001,9 @@
           <a:lstStyle/>
           <a:p>
             <a:r>
-              <a:rPr lang="en-US" smtClean="0"/>
+              <a:rPr lang="en-US"/>
               <a:t>Presented by Santhosh Parsi</a:t>
             </a:r>
-            <a:endParaRPr lang="en-US"/>
           </a:p>
         </p:txBody>
       </p:sp>
@@ -1089,10 +1108,9 @@
           <a:lstStyle/>
           <a:p>
             <a:r>
-              <a:rPr lang="en-US" smtClean="0"/>
+              <a:rPr lang="en-US"/>
               <a:t>Presented by Santhosh Parsi</a:t>
             </a:r>
-            <a:endParaRPr lang="en-US"/>
           </a:p>
         </p:txBody>
       </p:sp>
@@ -1197,10 +1215,9 @@
           <a:lstStyle/>
           <a:p>
             <a:r>
-              <a:rPr lang="en-US" smtClean="0"/>
+              <a:rPr lang="en-US"/>
               <a:t>Presented by Santhosh Parsi</a:t>
             </a:r>
-            <a:endParaRPr lang="en-US"/>
           </a:p>
         </p:txBody>
       </p:sp>
@@ -1305,10 +1322,9 @@
           <a:lstStyle/>
           <a:p>
             <a:r>
-              <a:rPr lang="en-US" smtClean="0"/>
+              <a:rPr lang="en-US"/>
               <a:t>Presented by Santhosh Parsi</a:t>
             </a:r>
-            <a:endParaRPr lang="en-US"/>
           </a:p>
         </p:txBody>
       </p:sp>
@@ -1413,10 +1429,9 @@
           <a:lstStyle/>
           <a:p>
             <a:r>
-              <a:rPr lang="en-US" smtClean="0"/>
+              <a:rPr lang="en-US"/>
               <a:t>Presented by Santhosh Parsi</a:t>
             </a:r>
-            <a:endParaRPr lang="en-US"/>
           </a:p>
         </p:txBody>
       </p:sp>
@@ -1521,10 +1536,9 @@
           <a:lstStyle/>
           <a:p>
             <a:r>
-              <a:rPr lang="en-US" smtClean="0"/>
+              <a:rPr lang="en-US"/>
               <a:t>Presented by Santhosh Parsi</a:t>
             </a:r>
-            <a:endParaRPr lang="en-US"/>
           </a:p>
         </p:txBody>
       </p:sp>
@@ -1629,10 +1643,9 @@
           <a:lstStyle/>
           <a:p>
             <a:r>
-              <a:rPr lang="en-US" smtClean="0"/>
+              <a:rPr lang="en-US"/>
               <a:t>Presented by Santhosh Parsi</a:t>
             </a:r>
-            <a:endParaRPr lang="en-US"/>
           </a:p>
         </p:txBody>
       </p:sp>
@@ -1737,10 +1750,9 @@
           <a:lstStyle/>
           <a:p>
             <a:r>
-              <a:rPr lang="en-US" smtClean="0"/>
+              <a:rPr lang="en-US"/>
               <a:t>Presented by Santhosh Parsi</a:t>
             </a:r>
-            <a:endParaRPr lang="en-US"/>
           </a:p>
         </p:txBody>
       </p:sp>
@@ -1845,10 +1857,9 @@
           <a:lstStyle/>
           <a:p>
             <a:r>
-              <a:rPr lang="en-US" smtClean="0"/>
+              <a:rPr lang="en-US"/>
               <a:t>Presented by Santhosh Parsi</a:t>
             </a:r>
-            <a:endParaRPr lang="en-US"/>
           </a:p>
         </p:txBody>
       </p:sp>
@@ -1909,7 +1920,7 @@
           <a:bodyPr/>
           <a:lstStyle/>
           <a:p>
-            <a:endParaRPr lang="en-US"/>
+            <a:endParaRPr lang="en-US" dirty="0"/>
           </a:p>
         </p:txBody>
       </p:sp>
@@ -1933,7 +1944,7 @@
               <a:pPr/>
               <a:t>2</a:t>
             </a:fld>
-            <a:endParaRPr lang="en-US"/>
+            <a:endParaRPr lang="en-US" dirty="0"/>
           </a:p>
         </p:txBody>
       </p:sp>
@@ -1953,10 +1964,22 @@
           <a:lstStyle/>
           <a:p>
             <a:r>
-              <a:rPr lang="en-US" smtClean="0"/>
-              <a:t>Presented by Santhosh Parsi</a:t>
-            </a:r>
-            <a:endParaRPr lang="en-US"/>
+              <a:rPr lang="en-US" dirty="0"/>
+              <a:t>Presented by </a:t>
+            </a:r>
+            <a:r>
+              <a:rPr lang="en-US" dirty="0" err="1"/>
+              <a:t>Santhosh</a:t>
+            </a:r>
+            <a:r>
+              <a:rPr lang="en-US" dirty="0"/>
+              <a:t> </a:t>
+            </a:r>
+            <a:r>
+              <a:rPr lang="en-US" dirty="0" err="1"/>
+              <a:t>Parsi</a:t>
+            </a:r>
+            <a:endParaRPr lang="en-US" dirty="0"/>
           </a:p>
         </p:txBody>
       </p:sp>
@@ -2061,10 +2084,9 @@
           <a:lstStyle/>
           <a:p>
             <a:r>
-              <a:rPr lang="en-US" smtClean="0"/>
+              <a:rPr lang="en-US"/>
               <a:t>Presented by Santhosh Parsi</a:t>
             </a:r>
-            <a:endParaRPr lang="en-US"/>
           </a:p>
         </p:txBody>
       </p:sp>
@@ -2169,10 +2191,9 @@
           <a:lstStyle/>
           <a:p>
             <a:r>
-              <a:rPr lang="en-US" smtClean="0"/>
+              <a:rPr lang="en-US"/>
               <a:t>Presented by Santhosh Parsi</a:t>
             </a:r>
-            <a:endParaRPr lang="en-US"/>
           </a:p>
         </p:txBody>
       </p:sp>
@@ -2277,10 +2298,330 @@
           <a:lstStyle/>
           <a:p>
             <a:r>
+              <a:rPr lang="en-US"/>
+              <a:t>Presented by Santhosh Parsi</a:t>
+            </a:r>
+          </a:p>
+        </p:txBody>
+      </p:sp>
+    </p:spTree>
+    <p:extLst>
+      <p:ext uri="{BB962C8B-B14F-4D97-AF65-F5344CB8AC3E}">
+        <p14:creationId xmlns:p14="http://schemas.microsoft.com/office/powerpoint/2010/main" val="3733912234"/>
+      </p:ext>
+    </p:extLst>
+  </p:cSld>
+  <p:clrMapOvr>
+    <a:masterClrMapping/>
+  </p:clrMapOvr>
+</p:notes>
+</file>
+
+<file path=ppt/notesSlides/notesSlide23.xml><?xml version="1.0" encoding="utf-8"?>
+<p:notes xmlns:a="http://schemas.openxmlformats.org/drawingml/2006/main" xmlns:r="http://schemas.openxmlformats.org/officeDocument/2006/relationships" xmlns:p="http://schemas.openxmlformats.org/presentationml/2006/main">
+  <p:cSld>
+    <p:spTree>
+      <p:nvGrpSpPr>
+        <p:cNvPr id="1" name=""/>
+        <p:cNvGrpSpPr/>
+        <p:nvPr/>
+      </p:nvGrpSpPr>
+      <p:grpSpPr>
+        <a:xfrm>
+          <a:off x="0" y="0"/>
+          <a:ext cx="0" cy="0"/>
+          <a:chOff x="0" y="0"/>
+          <a:chExt cx="0" cy="0"/>
+        </a:xfrm>
+      </p:grpSpPr>
+      <p:sp>
+        <p:nvSpPr>
+          <p:cNvPr id="2" name="Slide Image Placeholder 1"/>
+          <p:cNvSpPr>
+            <a:spLocks noGrp="1" noRot="1" noChangeAspect="1"/>
+          </p:cNvSpPr>
+          <p:nvPr>
+            <p:ph type="sldImg"/>
+          </p:nvPr>
+        </p:nvSpPr>
+        <p:spPr/>
+      </p:sp>
+      <p:sp>
+        <p:nvSpPr>
+          <p:cNvPr id="3" name="Notes Placeholder 2"/>
+          <p:cNvSpPr>
+            <a:spLocks noGrp="1"/>
+          </p:cNvSpPr>
+          <p:nvPr>
+            <p:ph type="body" idx="1"/>
+          </p:nvPr>
+        </p:nvSpPr>
+        <p:spPr/>
+        <p:txBody>
+          <a:bodyPr/>
+          <a:lstStyle/>
+          <a:p>
+            <a:endParaRPr lang="en-US"/>
+          </a:p>
+        </p:txBody>
+      </p:sp>
+      <p:sp>
+        <p:nvSpPr>
+          <p:cNvPr id="4" name="Slide Number Placeholder 3"/>
+          <p:cNvSpPr>
+            <a:spLocks noGrp="1"/>
+          </p:cNvSpPr>
+          <p:nvPr>
+            <p:ph type="sldNum" sz="quarter" idx="10"/>
+          </p:nvPr>
+        </p:nvSpPr>
+        <p:spPr/>
+        <p:txBody>
+          <a:bodyPr/>
+          <a:lstStyle/>
+          <a:p>
+            <a:fld id="{EB680A37-438E-4024-AA4D-C37C88ABBE58}" type="slidenum">
               <a:rPr lang="en-US" smtClean="0"/>
+              <a:pPr/>
+              <a:t>23</a:t>
+            </a:fld>
+            <a:endParaRPr lang="en-US"/>
+          </a:p>
+        </p:txBody>
+      </p:sp>
+      <p:sp>
+        <p:nvSpPr>
+          <p:cNvPr id="5" name="Footer Placeholder 4"/>
+          <p:cNvSpPr>
+            <a:spLocks noGrp="1"/>
+          </p:cNvSpPr>
+          <p:nvPr>
+            <p:ph type="ftr" sz="quarter" idx="11"/>
+          </p:nvPr>
+        </p:nvSpPr>
+        <p:spPr/>
+        <p:txBody>
+          <a:bodyPr/>
+          <a:lstStyle/>
+          <a:p>
+            <a:r>
+              <a:rPr lang="en-US"/>
               <a:t>Presented by Santhosh Parsi</a:t>
             </a:r>
+          </a:p>
+        </p:txBody>
+      </p:sp>
+    </p:spTree>
+    <p:extLst>
+      <p:ext uri="{BB962C8B-B14F-4D97-AF65-F5344CB8AC3E}">
+        <p14:creationId xmlns:p14="http://schemas.microsoft.com/office/powerpoint/2010/main" val="3733912234"/>
+      </p:ext>
+    </p:extLst>
+  </p:cSld>
+  <p:clrMapOvr>
+    <a:masterClrMapping/>
+  </p:clrMapOvr>
+</p:notes>
+</file>
+
+<file path=ppt/notesSlides/notesSlide24.xml><?xml version="1.0" encoding="utf-8"?>
+<p:notes xmlns:a="http://schemas.openxmlformats.org/drawingml/2006/main" xmlns:r="http://schemas.openxmlformats.org/officeDocument/2006/relationships" xmlns:p="http://schemas.openxmlformats.org/presentationml/2006/main">
+  <p:cSld>
+    <p:spTree>
+      <p:nvGrpSpPr>
+        <p:cNvPr id="1" name=""/>
+        <p:cNvGrpSpPr/>
+        <p:nvPr/>
+      </p:nvGrpSpPr>
+      <p:grpSpPr>
+        <a:xfrm>
+          <a:off x="0" y="0"/>
+          <a:ext cx="0" cy="0"/>
+          <a:chOff x="0" y="0"/>
+          <a:chExt cx="0" cy="0"/>
+        </a:xfrm>
+      </p:grpSpPr>
+      <p:sp>
+        <p:nvSpPr>
+          <p:cNvPr id="2" name="Slide Image Placeholder 1"/>
+          <p:cNvSpPr>
+            <a:spLocks noGrp="1" noRot="1" noChangeAspect="1"/>
+          </p:cNvSpPr>
+          <p:nvPr>
+            <p:ph type="sldImg"/>
+          </p:nvPr>
+        </p:nvSpPr>
+        <p:spPr/>
+      </p:sp>
+      <p:sp>
+        <p:nvSpPr>
+          <p:cNvPr id="3" name="Notes Placeholder 2"/>
+          <p:cNvSpPr>
+            <a:spLocks noGrp="1"/>
+          </p:cNvSpPr>
+          <p:nvPr>
+            <p:ph type="body" idx="1"/>
+          </p:nvPr>
+        </p:nvSpPr>
+        <p:spPr/>
+        <p:txBody>
+          <a:bodyPr/>
+          <a:lstStyle/>
+          <a:p>
             <a:endParaRPr lang="en-US"/>
+          </a:p>
+        </p:txBody>
+      </p:sp>
+      <p:sp>
+        <p:nvSpPr>
+          <p:cNvPr id="4" name="Slide Number Placeholder 3"/>
+          <p:cNvSpPr>
+            <a:spLocks noGrp="1"/>
+          </p:cNvSpPr>
+          <p:nvPr>
+            <p:ph type="sldNum" sz="quarter" idx="10"/>
+          </p:nvPr>
+        </p:nvSpPr>
+        <p:spPr/>
+        <p:txBody>
+          <a:bodyPr/>
+          <a:lstStyle/>
+          <a:p>
+            <a:fld id="{EB680A37-438E-4024-AA4D-C37C88ABBE58}" type="slidenum">
+              <a:rPr lang="en-US" smtClean="0"/>
+              <a:pPr/>
+              <a:t>24</a:t>
+            </a:fld>
+            <a:endParaRPr lang="en-US"/>
+          </a:p>
+        </p:txBody>
+      </p:sp>
+      <p:sp>
+        <p:nvSpPr>
+          <p:cNvPr id="5" name="Footer Placeholder 4"/>
+          <p:cNvSpPr>
+            <a:spLocks noGrp="1"/>
+          </p:cNvSpPr>
+          <p:nvPr>
+            <p:ph type="ftr" sz="quarter" idx="11"/>
+          </p:nvPr>
+        </p:nvSpPr>
+        <p:spPr/>
+        <p:txBody>
+          <a:bodyPr/>
+          <a:lstStyle/>
+          <a:p>
+            <a:r>
+              <a:rPr lang="en-US"/>
+              <a:t>Presented by Santhosh Parsi</a:t>
+            </a:r>
+          </a:p>
+        </p:txBody>
+      </p:sp>
+    </p:spTree>
+    <p:extLst>
+      <p:ext uri="{BB962C8B-B14F-4D97-AF65-F5344CB8AC3E}">
+        <p14:creationId xmlns:p14="http://schemas.microsoft.com/office/powerpoint/2010/main" val="3733912234"/>
+      </p:ext>
+    </p:extLst>
+  </p:cSld>
+  <p:clrMapOvr>
+    <a:masterClrMapping/>
+  </p:clrMapOvr>
+</p:notes>
+</file>
+
+<file path=ppt/notesSlides/notesSlide25.xml><?xml version="1.0" encoding="utf-8"?>
+<p:notes xmlns:a="http://schemas.openxmlformats.org/drawingml/2006/main" xmlns:r="http://schemas.openxmlformats.org/officeDocument/2006/relationships" xmlns:p="http://schemas.openxmlformats.org/presentationml/2006/main">
+  <p:cSld>
+    <p:spTree>
+      <p:nvGrpSpPr>
+        <p:cNvPr id="1" name=""/>
+        <p:cNvGrpSpPr/>
+        <p:nvPr/>
+      </p:nvGrpSpPr>
+      <p:grpSpPr>
+        <a:xfrm>
+          <a:off x="0" y="0"/>
+          <a:ext cx="0" cy="0"/>
+          <a:chOff x="0" y="0"/>
+          <a:chExt cx="0" cy="0"/>
+        </a:xfrm>
+      </p:grpSpPr>
+      <p:sp>
+        <p:nvSpPr>
+          <p:cNvPr id="2" name="Slide Image Placeholder 1"/>
+          <p:cNvSpPr>
+            <a:spLocks noGrp="1" noRot="1" noChangeAspect="1"/>
+          </p:cNvSpPr>
+          <p:nvPr>
+            <p:ph type="sldImg"/>
+          </p:nvPr>
+        </p:nvSpPr>
+        <p:spPr/>
+      </p:sp>
+      <p:sp>
+        <p:nvSpPr>
+          <p:cNvPr id="3" name="Notes Placeholder 2"/>
+          <p:cNvSpPr>
+            <a:spLocks noGrp="1"/>
+          </p:cNvSpPr>
+          <p:nvPr>
+            <p:ph type="body" idx="1"/>
+          </p:nvPr>
+        </p:nvSpPr>
+        <p:spPr/>
+        <p:txBody>
+          <a:bodyPr/>
+          <a:lstStyle/>
+          <a:p>
+            <a:endParaRPr lang="en-US"/>
+          </a:p>
+        </p:txBody>
+      </p:sp>
+      <p:sp>
+        <p:nvSpPr>
+          <p:cNvPr id="4" name="Slide Number Placeholder 3"/>
+          <p:cNvSpPr>
+            <a:spLocks noGrp="1"/>
+          </p:cNvSpPr>
+          <p:nvPr>
+            <p:ph type="sldNum" sz="quarter" idx="10"/>
+          </p:nvPr>
+        </p:nvSpPr>
+        <p:spPr/>
+        <p:txBody>
+          <a:bodyPr/>
+          <a:lstStyle/>
+          <a:p>
+            <a:fld id="{EB680A37-438E-4024-AA4D-C37C88ABBE58}" type="slidenum">
+              <a:rPr lang="en-US" smtClean="0"/>
+              <a:pPr/>
+              <a:t>25</a:t>
+            </a:fld>
+            <a:endParaRPr lang="en-US"/>
+          </a:p>
+        </p:txBody>
+      </p:sp>
+      <p:sp>
+        <p:nvSpPr>
+          <p:cNvPr id="5" name="Footer Placeholder 4"/>
+          <p:cNvSpPr>
+            <a:spLocks noGrp="1"/>
+          </p:cNvSpPr>
+          <p:nvPr>
+            <p:ph type="ftr" sz="quarter" idx="11"/>
+          </p:nvPr>
+        </p:nvSpPr>
+        <p:spPr/>
+        <p:txBody>
+          <a:bodyPr/>
+          <a:lstStyle/>
+          <a:p>
+            <a:r>
+              <a:rPr lang="en-US"/>
+              <a:t>Presented by Santhosh Parsi</a:t>
+            </a:r>
           </a:p>
         </p:txBody>
       </p:sp>
@@ -2385,10 +2726,9 @@
           <a:lstStyle/>
           <a:p>
             <a:r>
-              <a:rPr lang="en-US" smtClean="0"/>
+              <a:rPr lang="en-US"/>
               <a:t>Presented by Santhosh Parsi</a:t>
             </a:r>
-            <a:endParaRPr lang="en-US"/>
           </a:p>
         </p:txBody>
       </p:sp>
@@ -2410,7 +2750,13 @@
   <p:cSld>
     <p:spTree>
       <p:nvGrpSpPr>
-        <p:cNvPr id="1" name=""/>
+        <p:cNvPr id="1" name="">
+          <a:extLst>
+            <a:ext uri="{FF2B5EF4-FFF2-40B4-BE49-F238E27FC236}">
+              <a16:creationId xmlns:a16="http://schemas.microsoft.com/office/drawing/2014/main" id="{23534997-ED0E-B44A-D3CF-C1B164963453}"/>
+            </a:ext>
+          </a:extLst>
+        </p:cNvPr>
         <p:cNvGrpSpPr/>
         <p:nvPr/>
       </p:nvGrpSpPr>
@@ -2424,7 +2770,13 @@
       </p:grpSpPr>
       <p:sp>
         <p:nvSpPr>
-          <p:cNvPr id="2" name="Slide Image Placeholder 1"/>
+          <p:cNvPr id="2" name="Slide Image Placeholder 1">
+            <a:extLst>
+              <a:ext uri="{FF2B5EF4-FFF2-40B4-BE49-F238E27FC236}">
+                <a16:creationId xmlns:a16="http://schemas.microsoft.com/office/drawing/2014/main" id="{8666FF08-3CD9-5405-7A0B-EA23B6CB9B72}"/>
+              </a:ext>
+            </a:extLst>
+          </p:cNvPr>
           <p:cNvSpPr>
             <a:spLocks noGrp="1" noRot="1" noChangeAspect="1"/>
           </p:cNvSpPr>
@@ -2436,7 +2788,13 @@
       </p:sp>
       <p:sp>
         <p:nvSpPr>
-          <p:cNvPr id="3" name="Notes Placeholder 2"/>
+          <p:cNvPr id="3" name="Notes Placeholder 2">
+            <a:extLst>
+              <a:ext uri="{FF2B5EF4-FFF2-40B4-BE49-F238E27FC236}">
+                <a16:creationId xmlns:a16="http://schemas.microsoft.com/office/drawing/2014/main" id="{4E780255-A9C5-5174-3E2C-06874CF81D8D}"/>
+              </a:ext>
+            </a:extLst>
+          </p:cNvPr>
           <p:cNvSpPr>
             <a:spLocks noGrp="1"/>
           </p:cNvSpPr>
@@ -2449,13 +2807,19 @@
           <a:bodyPr/>
           <a:lstStyle/>
           <a:p>
-            <a:endParaRPr lang="en-US" dirty="0"/>
-          </a:p>
-        </p:txBody>
-      </p:sp>
-      <p:sp>
-        <p:nvSpPr>
-          <p:cNvPr id="4" name="Slide Number Placeholder 3"/>
+            <a:endParaRPr lang="en-US"/>
+          </a:p>
+        </p:txBody>
+      </p:sp>
+      <p:sp>
+        <p:nvSpPr>
+          <p:cNvPr id="4" name="Slide Number Placeholder 3">
+            <a:extLst>
+              <a:ext uri="{FF2B5EF4-FFF2-40B4-BE49-F238E27FC236}">
+                <a16:creationId xmlns:a16="http://schemas.microsoft.com/office/drawing/2014/main" id="{65C964D1-ACE2-A2BE-3F40-D81A660EFE5A}"/>
+              </a:ext>
+            </a:extLst>
+          </p:cNvPr>
           <p:cNvSpPr>
             <a:spLocks noGrp="1"/>
           </p:cNvSpPr>
@@ -2473,13 +2837,19 @@
               <a:pPr/>
               <a:t>4</a:t>
             </a:fld>
-            <a:endParaRPr lang="en-US" dirty="0"/>
-          </a:p>
-        </p:txBody>
-      </p:sp>
-      <p:sp>
-        <p:nvSpPr>
-          <p:cNvPr id="5" name="Footer Placeholder 4"/>
+            <a:endParaRPr lang="en-US"/>
+          </a:p>
+        </p:txBody>
+      </p:sp>
+      <p:sp>
+        <p:nvSpPr>
+          <p:cNvPr id="5" name="Footer Placeholder 4">
+            <a:extLst>
+              <a:ext uri="{FF2B5EF4-FFF2-40B4-BE49-F238E27FC236}">
+                <a16:creationId xmlns:a16="http://schemas.microsoft.com/office/drawing/2014/main" id="{AFF19CAE-0C1D-094A-F982-BB465FABF6D3}"/>
+              </a:ext>
+            </a:extLst>
+          </p:cNvPr>
           <p:cNvSpPr>
             <a:spLocks noGrp="1"/>
           </p:cNvSpPr>
@@ -2493,29 +2863,16 @@
           <a:lstStyle/>
           <a:p>
             <a:r>
-              <a:rPr lang="en-US" dirty="0" smtClean="0"/>
-              <a:t>Presented by </a:t>
-            </a:r>
-            <a:r>
-              <a:rPr lang="en-US" dirty="0" err="1" smtClean="0"/>
-              <a:t>Santhosh</a:t>
-            </a:r>
-            <a:r>
-              <a:rPr lang="en-US" dirty="0" smtClean="0"/>
-              <a:t> </a:t>
-            </a:r>
-            <a:r>
-              <a:rPr lang="en-US" dirty="0" err="1" smtClean="0"/>
-              <a:t>Parsi</a:t>
-            </a:r>
-            <a:endParaRPr lang="en-US" dirty="0"/>
+              <a:rPr lang="en-US"/>
+              <a:t>Presented by Santhosh Parsi</a:t>
+            </a:r>
           </a:p>
         </p:txBody>
       </p:sp>
     </p:spTree>
     <p:extLst>
       <p:ext uri="{BB962C8B-B14F-4D97-AF65-F5344CB8AC3E}">
-        <p14:creationId xmlns:p14="http://schemas.microsoft.com/office/powerpoint/2010/main" val="3733912234"/>
+        <p14:creationId xmlns:p14="http://schemas.microsoft.com/office/powerpoint/2010/main" val="2012163116"/>
       </p:ext>
     </p:extLst>
   </p:cSld>
@@ -2530,7 +2887,13 @@
   <p:cSld>
     <p:spTree>
       <p:nvGrpSpPr>
-        <p:cNvPr id="1" name=""/>
+        <p:cNvPr id="1" name="">
+          <a:extLst>
+            <a:ext uri="{FF2B5EF4-FFF2-40B4-BE49-F238E27FC236}">
+              <a16:creationId xmlns:a16="http://schemas.microsoft.com/office/drawing/2014/main" id="{A0E52B2D-054B-37E0-10AD-452E405A0069}"/>
+            </a:ext>
+          </a:extLst>
+        </p:cNvPr>
         <p:cNvGrpSpPr/>
         <p:nvPr/>
       </p:nvGrpSpPr>
@@ -2544,7 +2907,13 @@
       </p:grpSpPr>
       <p:sp>
         <p:nvSpPr>
-          <p:cNvPr id="2" name="Slide Image Placeholder 1"/>
+          <p:cNvPr id="2" name="Slide Image Placeholder 1">
+            <a:extLst>
+              <a:ext uri="{FF2B5EF4-FFF2-40B4-BE49-F238E27FC236}">
+                <a16:creationId xmlns:a16="http://schemas.microsoft.com/office/drawing/2014/main" id="{F38A2120-BC92-4610-F5EA-8941CBCA0460}"/>
+              </a:ext>
+            </a:extLst>
+          </p:cNvPr>
           <p:cNvSpPr>
             <a:spLocks noGrp="1" noRot="1" noChangeAspect="1"/>
           </p:cNvSpPr>
@@ -2556,7 +2925,13 @@
       </p:sp>
       <p:sp>
         <p:nvSpPr>
-          <p:cNvPr id="3" name="Notes Placeholder 2"/>
+          <p:cNvPr id="3" name="Notes Placeholder 2">
+            <a:extLst>
+              <a:ext uri="{FF2B5EF4-FFF2-40B4-BE49-F238E27FC236}">
+                <a16:creationId xmlns:a16="http://schemas.microsoft.com/office/drawing/2014/main" id="{F22C0A0D-D258-5D67-A569-A03824D3DE57}"/>
+              </a:ext>
+            </a:extLst>
+          </p:cNvPr>
           <p:cNvSpPr>
             <a:spLocks noGrp="1"/>
           </p:cNvSpPr>
@@ -2575,7 +2950,13 @@
       </p:sp>
       <p:sp>
         <p:nvSpPr>
-          <p:cNvPr id="4" name="Slide Number Placeholder 3"/>
+          <p:cNvPr id="4" name="Slide Number Placeholder 3">
+            <a:extLst>
+              <a:ext uri="{FF2B5EF4-FFF2-40B4-BE49-F238E27FC236}">
+                <a16:creationId xmlns:a16="http://schemas.microsoft.com/office/drawing/2014/main" id="{73324A2F-6CEA-9741-603F-D3DE1CEE25EE}"/>
+              </a:ext>
+            </a:extLst>
+          </p:cNvPr>
           <p:cNvSpPr>
             <a:spLocks noGrp="1"/>
           </p:cNvSpPr>
@@ -2599,7 +2980,13 @@
       </p:sp>
       <p:sp>
         <p:nvSpPr>
-          <p:cNvPr id="5" name="Footer Placeholder 4"/>
+          <p:cNvPr id="5" name="Footer Placeholder 4">
+            <a:extLst>
+              <a:ext uri="{FF2B5EF4-FFF2-40B4-BE49-F238E27FC236}">
+                <a16:creationId xmlns:a16="http://schemas.microsoft.com/office/drawing/2014/main" id="{210DD955-03A0-B3B2-BC1A-F5C2594A46AA}"/>
+              </a:ext>
+            </a:extLst>
+          </p:cNvPr>
           <p:cNvSpPr>
             <a:spLocks noGrp="1"/>
           </p:cNvSpPr>
@@ -2613,17 +3000,16 @@
           <a:lstStyle/>
           <a:p>
             <a:r>
-              <a:rPr lang="en-US" smtClean="0"/>
+              <a:rPr lang="en-US"/>
               <a:t>Presented by Santhosh Parsi</a:t>
             </a:r>
-            <a:endParaRPr lang="en-US"/>
           </a:p>
         </p:txBody>
       </p:sp>
     </p:spTree>
     <p:extLst>
       <p:ext uri="{BB962C8B-B14F-4D97-AF65-F5344CB8AC3E}">
-        <p14:creationId xmlns:p14="http://schemas.microsoft.com/office/powerpoint/2010/main" val="3733912234"/>
+        <p14:creationId xmlns:p14="http://schemas.microsoft.com/office/powerpoint/2010/main" val="2816276695"/>
       </p:ext>
     </p:extLst>
   </p:cSld>
@@ -2638,7 +3024,13 @@
   <p:cSld>
     <p:spTree>
       <p:nvGrpSpPr>
-        <p:cNvPr id="1" name=""/>
+        <p:cNvPr id="1" name="">
+          <a:extLst>
+            <a:ext uri="{FF2B5EF4-FFF2-40B4-BE49-F238E27FC236}">
+              <a16:creationId xmlns:a16="http://schemas.microsoft.com/office/drawing/2014/main" id="{AF62877C-20AA-F56C-2ADA-FF42387954CA}"/>
+            </a:ext>
+          </a:extLst>
+        </p:cNvPr>
         <p:cNvGrpSpPr/>
         <p:nvPr/>
       </p:nvGrpSpPr>
@@ -2652,7 +3044,13 @@
       </p:grpSpPr>
       <p:sp>
         <p:nvSpPr>
-          <p:cNvPr id="2" name="Slide Image Placeholder 1"/>
+          <p:cNvPr id="2" name="Slide Image Placeholder 1">
+            <a:extLst>
+              <a:ext uri="{FF2B5EF4-FFF2-40B4-BE49-F238E27FC236}">
+                <a16:creationId xmlns:a16="http://schemas.microsoft.com/office/drawing/2014/main" id="{A4E77CAB-26FE-0EBA-FBD2-55E9A0ADB06E}"/>
+              </a:ext>
+            </a:extLst>
+          </p:cNvPr>
           <p:cNvSpPr>
             <a:spLocks noGrp="1" noRot="1" noChangeAspect="1"/>
           </p:cNvSpPr>
@@ -2664,7 +3062,13 @@
       </p:sp>
       <p:sp>
         <p:nvSpPr>
-          <p:cNvPr id="3" name="Notes Placeholder 2"/>
+          <p:cNvPr id="3" name="Notes Placeholder 2">
+            <a:extLst>
+              <a:ext uri="{FF2B5EF4-FFF2-40B4-BE49-F238E27FC236}">
+                <a16:creationId xmlns:a16="http://schemas.microsoft.com/office/drawing/2014/main" id="{9DAB1545-7D36-73F2-88E6-EC5D53FA9B96}"/>
+              </a:ext>
+            </a:extLst>
+          </p:cNvPr>
           <p:cNvSpPr>
             <a:spLocks noGrp="1"/>
           </p:cNvSpPr>
@@ -2683,7 +3087,13 @@
       </p:sp>
       <p:sp>
         <p:nvSpPr>
-          <p:cNvPr id="4" name="Slide Number Placeholder 3"/>
+          <p:cNvPr id="4" name="Slide Number Placeholder 3">
+            <a:extLst>
+              <a:ext uri="{FF2B5EF4-FFF2-40B4-BE49-F238E27FC236}">
+                <a16:creationId xmlns:a16="http://schemas.microsoft.com/office/drawing/2014/main" id="{1BD723DA-154B-3882-D722-61738D5E492D}"/>
+              </a:ext>
+            </a:extLst>
+          </p:cNvPr>
           <p:cNvSpPr>
             <a:spLocks noGrp="1"/>
           </p:cNvSpPr>
@@ -2707,7 +3117,13 @@
       </p:sp>
       <p:sp>
         <p:nvSpPr>
-          <p:cNvPr id="5" name="Footer Placeholder 4"/>
+          <p:cNvPr id="5" name="Footer Placeholder 4">
+            <a:extLst>
+              <a:ext uri="{FF2B5EF4-FFF2-40B4-BE49-F238E27FC236}">
+                <a16:creationId xmlns:a16="http://schemas.microsoft.com/office/drawing/2014/main" id="{3B988DB2-B6B6-4C52-97ED-C4F212EEB32F}"/>
+              </a:ext>
+            </a:extLst>
+          </p:cNvPr>
           <p:cNvSpPr>
             <a:spLocks noGrp="1"/>
           </p:cNvSpPr>
@@ -2721,17 +3137,16 @@
           <a:lstStyle/>
           <a:p>
             <a:r>
-              <a:rPr lang="en-US" smtClean="0"/>
+              <a:rPr lang="en-US"/>
               <a:t>Presented by Santhosh Parsi</a:t>
             </a:r>
-            <a:endParaRPr lang="en-US"/>
           </a:p>
         </p:txBody>
       </p:sp>
     </p:spTree>
     <p:extLst>
       <p:ext uri="{BB962C8B-B14F-4D97-AF65-F5344CB8AC3E}">
-        <p14:creationId xmlns:p14="http://schemas.microsoft.com/office/powerpoint/2010/main" val="3733912234"/>
+        <p14:creationId xmlns:p14="http://schemas.microsoft.com/office/powerpoint/2010/main" val="435680843"/>
       </p:ext>
     </p:extLst>
   </p:cSld>
@@ -2746,7 +3161,13 @@
   <p:cSld>
     <p:spTree>
       <p:nvGrpSpPr>
-        <p:cNvPr id="1" name=""/>
+        <p:cNvPr id="1" name="">
+          <a:extLst>
+            <a:ext uri="{FF2B5EF4-FFF2-40B4-BE49-F238E27FC236}">
+              <a16:creationId xmlns:a16="http://schemas.microsoft.com/office/drawing/2014/main" id="{9E0E7401-3FC7-F8FD-1B6F-B9FE8E4F07A3}"/>
+            </a:ext>
+          </a:extLst>
+        </p:cNvPr>
         <p:cNvGrpSpPr/>
         <p:nvPr/>
       </p:nvGrpSpPr>
@@ -2760,7 +3181,13 @@
       </p:grpSpPr>
       <p:sp>
         <p:nvSpPr>
-          <p:cNvPr id="2" name="Slide Image Placeholder 1"/>
+          <p:cNvPr id="2" name="Slide Image Placeholder 1">
+            <a:extLst>
+              <a:ext uri="{FF2B5EF4-FFF2-40B4-BE49-F238E27FC236}">
+                <a16:creationId xmlns:a16="http://schemas.microsoft.com/office/drawing/2014/main" id="{8B5468F6-BC45-F64E-E328-B14EA2117C7E}"/>
+              </a:ext>
+            </a:extLst>
+          </p:cNvPr>
           <p:cNvSpPr>
             <a:spLocks noGrp="1" noRot="1" noChangeAspect="1"/>
           </p:cNvSpPr>
@@ -2772,7 +3199,13 @@
       </p:sp>
       <p:sp>
         <p:nvSpPr>
-          <p:cNvPr id="3" name="Notes Placeholder 2"/>
+          <p:cNvPr id="3" name="Notes Placeholder 2">
+            <a:extLst>
+              <a:ext uri="{FF2B5EF4-FFF2-40B4-BE49-F238E27FC236}">
+                <a16:creationId xmlns:a16="http://schemas.microsoft.com/office/drawing/2014/main" id="{F25DF3F3-E8E0-0322-876D-C0E21F1DF11E}"/>
+              </a:ext>
+            </a:extLst>
+          </p:cNvPr>
           <p:cNvSpPr>
             <a:spLocks noGrp="1"/>
           </p:cNvSpPr>
@@ -2791,7 +3224,13 @@
       </p:sp>
       <p:sp>
         <p:nvSpPr>
-          <p:cNvPr id="4" name="Slide Number Placeholder 3"/>
+          <p:cNvPr id="4" name="Slide Number Placeholder 3">
+            <a:extLst>
+              <a:ext uri="{FF2B5EF4-FFF2-40B4-BE49-F238E27FC236}">
+                <a16:creationId xmlns:a16="http://schemas.microsoft.com/office/drawing/2014/main" id="{C890F9C5-A3ED-3E24-7796-EEFE036590E9}"/>
+              </a:ext>
+            </a:extLst>
+          </p:cNvPr>
           <p:cNvSpPr>
             <a:spLocks noGrp="1"/>
           </p:cNvSpPr>
@@ -2815,7 +3254,13 @@
       </p:sp>
       <p:sp>
         <p:nvSpPr>
-          <p:cNvPr id="5" name="Footer Placeholder 4"/>
+          <p:cNvPr id="5" name="Footer Placeholder 4">
+            <a:extLst>
+              <a:ext uri="{FF2B5EF4-FFF2-40B4-BE49-F238E27FC236}">
+                <a16:creationId xmlns:a16="http://schemas.microsoft.com/office/drawing/2014/main" id="{1F3D88A7-14C5-EFA8-44C6-64AD17091568}"/>
+              </a:ext>
+            </a:extLst>
+          </p:cNvPr>
           <p:cNvSpPr>
             <a:spLocks noGrp="1"/>
           </p:cNvSpPr>
@@ -2829,17 +3274,16 @@
           <a:lstStyle/>
           <a:p>
             <a:r>
-              <a:rPr lang="en-US" smtClean="0"/>
+              <a:rPr lang="en-US"/>
               <a:t>Presented by Santhosh Parsi</a:t>
             </a:r>
-            <a:endParaRPr lang="en-US"/>
           </a:p>
         </p:txBody>
       </p:sp>
     </p:spTree>
     <p:extLst>
       <p:ext uri="{BB962C8B-B14F-4D97-AF65-F5344CB8AC3E}">
-        <p14:creationId xmlns:p14="http://schemas.microsoft.com/office/powerpoint/2010/main" val="3733912234"/>
+        <p14:creationId xmlns:p14="http://schemas.microsoft.com/office/powerpoint/2010/main" val="3128124041"/>
       </p:ext>
     </p:extLst>
   </p:cSld>
@@ -2854,7 +3298,13 @@
   <p:cSld>
     <p:spTree>
       <p:nvGrpSpPr>
-        <p:cNvPr id="1" name=""/>
+        <p:cNvPr id="1" name="">
+          <a:extLst>
+            <a:ext uri="{FF2B5EF4-FFF2-40B4-BE49-F238E27FC236}">
+              <a16:creationId xmlns:a16="http://schemas.microsoft.com/office/drawing/2014/main" id="{3799AA06-99ED-B2C2-B393-C3981CF87B13}"/>
+            </a:ext>
+          </a:extLst>
+        </p:cNvPr>
         <p:cNvGrpSpPr/>
         <p:nvPr/>
       </p:nvGrpSpPr>
@@ -2868,7 +3318,13 @@
       </p:grpSpPr>
       <p:sp>
         <p:nvSpPr>
-          <p:cNvPr id="2" name="Slide Image Placeholder 1"/>
+          <p:cNvPr id="2" name="Slide Image Placeholder 1">
+            <a:extLst>
+              <a:ext uri="{FF2B5EF4-FFF2-40B4-BE49-F238E27FC236}">
+                <a16:creationId xmlns:a16="http://schemas.microsoft.com/office/drawing/2014/main" id="{282A814D-0653-3840-5B0C-276E16A5420F}"/>
+              </a:ext>
+            </a:extLst>
+          </p:cNvPr>
           <p:cNvSpPr>
             <a:spLocks noGrp="1" noRot="1" noChangeAspect="1"/>
           </p:cNvSpPr>
@@ -2880,7 +3336,13 @@
       </p:sp>
       <p:sp>
         <p:nvSpPr>
-          <p:cNvPr id="3" name="Notes Placeholder 2"/>
+          <p:cNvPr id="3" name="Notes Placeholder 2">
+            <a:extLst>
+              <a:ext uri="{FF2B5EF4-FFF2-40B4-BE49-F238E27FC236}">
+                <a16:creationId xmlns:a16="http://schemas.microsoft.com/office/drawing/2014/main" id="{B18D626E-F60A-9BAD-8643-70D110D75FC2}"/>
+              </a:ext>
+            </a:extLst>
+          </p:cNvPr>
           <p:cNvSpPr>
             <a:spLocks noGrp="1"/>
           </p:cNvSpPr>
@@ -2899,7 +3361,13 @@
       </p:sp>
       <p:sp>
         <p:nvSpPr>
-          <p:cNvPr id="4" name="Slide Number Placeholder 3"/>
+          <p:cNvPr id="4" name="Slide Number Placeholder 3">
+            <a:extLst>
+              <a:ext uri="{FF2B5EF4-FFF2-40B4-BE49-F238E27FC236}">
+                <a16:creationId xmlns:a16="http://schemas.microsoft.com/office/drawing/2014/main" id="{D8387B5C-7385-E57E-B860-CF0C199CB491}"/>
+              </a:ext>
+            </a:extLst>
+          </p:cNvPr>
           <p:cNvSpPr>
             <a:spLocks noGrp="1"/>
           </p:cNvSpPr>
@@ -2923,7 +3391,13 @@
       </p:sp>
       <p:sp>
         <p:nvSpPr>
-          <p:cNvPr id="5" name="Footer Placeholder 4"/>
+          <p:cNvPr id="5" name="Footer Placeholder 4">
+            <a:extLst>
+              <a:ext uri="{FF2B5EF4-FFF2-40B4-BE49-F238E27FC236}">
+                <a16:creationId xmlns:a16="http://schemas.microsoft.com/office/drawing/2014/main" id="{150DD37D-5F9C-C80E-AC5A-D1667CCD334D}"/>
+              </a:ext>
+            </a:extLst>
+          </p:cNvPr>
           <p:cNvSpPr>
             <a:spLocks noGrp="1"/>
           </p:cNvSpPr>
@@ -2937,17 +3411,16 @@
           <a:lstStyle/>
           <a:p>
             <a:r>
-              <a:rPr lang="en-US" smtClean="0"/>
+              <a:rPr lang="en-US"/>
               <a:t>Presented by Santhosh Parsi</a:t>
             </a:r>
-            <a:endParaRPr lang="en-US"/>
           </a:p>
         </p:txBody>
       </p:sp>
     </p:spTree>
     <p:extLst>
       <p:ext uri="{BB962C8B-B14F-4D97-AF65-F5344CB8AC3E}">
-        <p14:creationId xmlns:p14="http://schemas.microsoft.com/office/powerpoint/2010/main" val="3733912234"/>
+        <p14:creationId xmlns:p14="http://schemas.microsoft.com/office/powerpoint/2010/main" val="820576056"/>
       </p:ext>
     </p:extLst>
   </p:cSld>
@@ -3045,10 +3518,9 @@
           <a:lstStyle/>
           <a:p>
             <a:r>
-              <a:rPr lang="en-US" smtClean="0"/>
+              <a:rPr lang="en-US"/>
               <a:t>Presented by Santhosh Parsi</a:t>
             </a:r>
-            <a:endParaRPr lang="en-US"/>
           </a:p>
         </p:txBody>
       </p:sp>
@@ -3254,10 +3726,9 @@
           </a:lstStyle>
           <a:p>
             <a:r>
-              <a:rPr kumimoji="0" lang="en-US" smtClean="0"/>
+              <a:rPr kumimoji="0" lang="en-US"/>
               <a:t>Click to edit Master title style</a:t>
             </a:r>
-            <a:endParaRPr kumimoji="0" lang="en-US"/>
           </a:p>
         </p:txBody>
       </p:sp>
@@ -3317,10 +3788,9 @@
           </a:lstStyle>
           <a:p>
             <a:r>
-              <a:rPr kumimoji="0" lang="en-US" smtClean="0"/>
+              <a:rPr kumimoji="0" lang="en-US"/>
               <a:t>Click to edit Master subtitle style</a:t>
             </a:r>
-            <a:endParaRPr kumimoji="0" lang="en-US"/>
           </a:p>
         </p:txBody>
       </p:sp>
@@ -3357,7 +3827,7 @@
             <a:fld id="{1D8BD707-D9CF-40AE-B4C6-C98DA3205C09}" type="datetimeFigureOut">
               <a:rPr lang="en-US" smtClean="0"/>
               <a:pPr/>
-              <a:t>10/18/2021</a:t>
+              <a:t>5/7/2025</a:t>
             </a:fld>
             <a:endParaRPr lang="en-US"/>
           </a:p>
@@ -3473,10 +3943,9 @@
           <a:lstStyle/>
           <a:p>
             <a:r>
-              <a:rPr kumimoji="0" lang="en-US" smtClean="0"/>
+              <a:rPr kumimoji="0" lang="en-US"/>
               <a:t>Click to edit Master title style</a:t>
             </a:r>
-            <a:endParaRPr kumimoji="0" lang="en-US"/>
           </a:p>
         </p:txBody>
       </p:sp>
@@ -3497,35 +3966,35 @@
           <a:p>
             <a:pPr lvl="0" eaLnBrk="1" latinLnBrk="0" hangingPunct="1"/>
             <a:r>
-              <a:rPr lang="en-US" smtClean="0"/>
+              <a:rPr lang="en-US"/>
               <a:t>Click to edit Master text styles</a:t>
             </a:r>
           </a:p>
           <a:p>
             <a:pPr lvl="1" eaLnBrk="1" latinLnBrk="0" hangingPunct="1"/>
             <a:r>
-              <a:rPr lang="en-US" smtClean="0"/>
+              <a:rPr lang="en-US"/>
               <a:t>Second level</a:t>
             </a:r>
           </a:p>
           <a:p>
             <a:pPr lvl="2" eaLnBrk="1" latinLnBrk="0" hangingPunct="1"/>
             <a:r>
-              <a:rPr lang="en-US" smtClean="0"/>
+              <a:rPr lang="en-US"/>
               <a:t>Third level</a:t>
             </a:r>
           </a:p>
           <a:p>
             <a:pPr lvl="3" eaLnBrk="1" latinLnBrk="0" hangingPunct="1"/>
             <a:r>
-              <a:rPr lang="en-US" smtClean="0"/>
+              <a:rPr lang="en-US"/>
               <a:t>Fourth level</a:t>
             </a:r>
           </a:p>
           <a:p>
             <a:pPr lvl="4" eaLnBrk="1" latinLnBrk="0" hangingPunct="1"/>
             <a:r>
-              <a:rPr lang="en-US" smtClean="0"/>
+              <a:rPr lang="en-US"/>
               <a:t>Fifth level</a:t>
             </a:r>
             <a:endParaRPr kumimoji="0" lang="en-US"/>
@@ -3550,7 +4019,7 @@
             <a:fld id="{1D8BD707-D9CF-40AE-B4C6-C98DA3205C09}" type="datetimeFigureOut">
               <a:rPr lang="en-US" smtClean="0"/>
               <a:pPr/>
-              <a:t>10/18/2021</a:t>
+              <a:t>5/7/2025</a:t>
             </a:fld>
             <a:endParaRPr lang="en-US"/>
           </a:p>
@@ -3650,10 +4119,9 @@
           <a:lstStyle/>
           <a:p>
             <a:r>
-              <a:rPr kumimoji="0" lang="en-US" smtClean="0"/>
+              <a:rPr kumimoji="0" lang="en-US"/>
               <a:t>Click to edit Master title style</a:t>
             </a:r>
-            <a:endParaRPr kumimoji="0" lang="en-US"/>
           </a:p>
         </p:txBody>
       </p:sp>
@@ -3679,35 +4147,35 @@
           <a:p>
             <a:pPr lvl="0" eaLnBrk="1" latinLnBrk="0" hangingPunct="1"/>
             <a:r>
-              <a:rPr lang="en-US" smtClean="0"/>
+              <a:rPr lang="en-US"/>
               <a:t>Click to edit Master text styles</a:t>
             </a:r>
           </a:p>
           <a:p>
             <a:pPr lvl="1" eaLnBrk="1" latinLnBrk="0" hangingPunct="1"/>
             <a:r>
-              <a:rPr lang="en-US" smtClean="0"/>
+              <a:rPr lang="en-US"/>
               <a:t>Second level</a:t>
             </a:r>
           </a:p>
           <a:p>
             <a:pPr lvl="2" eaLnBrk="1" latinLnBrk="0" hangingPunct="1"/>
             <a:r>
-              <a:rPr lang="en-US" smtClean="0"/>
+              <a:rPr lang="en-US"/>
               <a:t>Third level</a:t>
             </a:r>
           </a:p>
           <a:p>
             <a:pPr lvl="3" eaLnBrk="1" latinLnBrk="0" hangingPunct="1"/>
             <a:r>
-              <a:rPr lang="en-US" smtClean="0"/>
+              <a:rPr lang="en-US"/>
               <a:t>Fourth level</a:t>
             </a:r>
           </a:p>
           <a:p>
             <a:pPr lvl="4" eaLnBrk="1" latinLnBrk="0" hangingPunct="1"/>
             <a:r>
-              <a:rPr lang="en-US" smtClean="0"/>
+              <a:rPr lang="en-US"/>
               <a:t>Fifth level</a:t>
             </a:r>
             <a:endParaRPr kumimoji="0" lang="en-US"/>
@@ -3737,7 +4205,7 @@
             <a:fld id="{1D8BD707-D9CF-40AE-B4C6-C98DA3205C09}" type="datetimeFigureOut">
               <a:rPr lang="en-US" smtClean="0"/>
               <a:pPr/>
-              <a:t>10/18/2021</a:t>
+              <a:t>5/7/2025</a:t>
             </a:fld>
             <a:endParaRPr lang="en-US"/>
           </a:p>
@@ -3977,10 +4445,9 @@
           <a:lstStyle/>
           <a:p>
             <a:r>
-              <a:rPr kumimoji="0" lang="en-US" smtClean="0"/>
+              <a:rPr kumimoji="0" lang="en-US"/>
               <a:t>Click to edit Master title style</a:t>
             </a:r>
-            <a:endParaRPr kumimoji="0" lang="en-US"/>
           </a:p>
         </p:txBody>
       </p:sp>
@@ -4002,7 +4469,7 @@
             <a:fld id="{1D8BD707-D9CF-40AE-B4C6-C98DA3205C09}" type="datetimeFigureOut">
               <a:rPr lang="en-US" smtClean="0"/>
               <a:pPr/>
-              <a:t>10/18/2021</a:t>
+              <a:t>5/7/2025</a:t>
             </a:fld>
             <a:endParaRPr lang="en-US"/>
           </a:p>
@@ -4081,35 +4548,35 @@
           <a:p>
             <a:pPr lvl="0" eaLnBrk="1" latinLnBrk="0" hangingPunct="1"/>
             <a:r>
-              <a:rPr lang="en-US" smtClean="0"/>
+              <a:rPr lang="en-US"/>
               <a:t>Click to edit Master text styles</a:t>
             </a:r>
           </a:p>
           <a:p>
             <a:pPr lvl="1" eaLnBrk="1" latinLnBrk="0" hangingPunct="1"/>
             <a:r>
-              <a:rPr lang="en-US" smtClean="0"/>
+              <a:rPr lang="en-US"/>
               <a:t>Second level</a:t>
             </a:r>
           </a:p>
           <a:p>
             <a:pPr lvl="2" eaLnBrk="1" latinLnBrk="0" hangingPunct="1"/>
             <a:r>
-              <a:rPr lang="en-US" smtClean="0"/>
+              <a:rPr lang="en-US"/>
               <a:t>Third level</a:t>
             </a:r>
           </a:p>
           <a:p>
             <a:pPr lvl="3" eaLnBrk="1" latinLnBrk="0" hangingPunct="1"/>
             <a:r>
-              <a:rPr lang="en-US" smtClean="0"/>
+              <a:rPr lang="en-US"/>
               <a:t>Fourth level</a:t>
             </a:r>
           </a:p>
           <a:p>
             <a:pPr lvl="4" eaLnBrk="1" latinLnBrk="0" hangingPunct="1"/>
             <a:r>
-              <a:rPr lang="en-US" smtClean="0"/>
+              <a:rPr lang="en-US"/>
               <a:t>Fifth level</a:t>
             </a:r>
             <a:endParaRPr kumimoji="0" lang="en-US"/>
@@ -4217,7 +4684,7 @@
           <a:p>
             <a:pPr lvl="0" eaLnBrk="1" latinLnBrk="0" hangingPunct="1"/>
             <a:r>
-              <a:rPr kumimoji="0" lang="en-US" smtClean="0"/>
+              <a:rPr kumimoji="0" lang="en-US"/>
               <a:t>Click to edit Master text styles</a:t>
             </a:r>
           </a:p>
@@ -4395,10 +4862,9 @@
           </a:lstStyle>
           <a:p>
             <a:r>
-              <a:rPr kumimoji="0" lang="en-US" smtClean="0"/>
+              <a:rPr kumimoji="0" lang="en-US"/>
               <a:t>Click to edit Master title style</a:t>
             </a:r>
-            <a:endParaRPr kumimoji="0" lang="en-US"/>
           </a:p>
         </p:txBody>
       </p:sp>
@@ -4420,7 +4886,7 @@
             <a:fld id="{1D8BD707-D9CF-40AE-B4C6-C98DA3205C09}" type="datetimeFigureOut">
               <a:rPr lang="en-US" smtClean="0"/>
               <a:pPr/>
-              <a:t>10/18/2021</a:t>
+              <a:t>5/7/2025</a:t>
             </a:fld>
             <a:endParaRPr lang="en-US"/>
           </a:p>
@@ -4525,10 +4991,9 @@
           <a:lstStyle/>
           <a:p>
             <a:r>
-              <a:rPr kumimoji="0" lang="en-US" smtClean="0"/>
+              <a:rPr kumimoji="0" lang="en-US"/>
               <a:t>Click to edit Master title style</a:t>
             </a:r>
-            <a:endParaRPr kumimoji="0" lang="en-US"/>
           </a:p>
         </p:txBody>
       </p:sp>
@@ -4554,35 +5019,35 @@
           <a:p>
             <a:pPr lvl="0" eaLnBrk="1" latinLnBrk="0" hangingPunct="1"/>
             <a:r>
-              <a:rPr lang="en-US" smtClean="0"/>
+              <a:rPr lang="en-US"/>
               <a:t>Click to edit Master text styles</a:t>
             </a:r>
           </a:p>
           <a:p>
             <a:pPr lvl="1" eaLnBrk="1" latinLnBrk="0" hangingPunct="1"/>
             <a:r>
-              <a:rPr lang="en-US" smtClean="0"/>
+              <a:rPr lang="en-US"/>
               <a:t>Second level</a:t>
             </a:r>
           </a:p>
           <a:p>
             <a:pPr lvl="2" eaLnBrk="1" latinLnBrk="0" hangingPunct="1"/>
             <a:r>
-              <a:rPr lang="en-US" smtClean="0"/>
+              <a:rPr lang="en-US"/>
               <a:t>Third level</a:t>
             </a:r>
           </a:p>
           <a:p>
             <a:pPr lvl="3" eaLnBrk="1" latinLnBrk="0" hangingPunct="1"/>
             <a:r>
-              <a:rPr lang="en-US" smtClean="0"/>
+              <a:rPr lang="en-US"/>
               <a:t>Fourth level</a:t>
             </a:r>
           </a:p>
           <a:p>
             <a:pPr lvl="4" eaLnBrk="1" latinLnBrk="0" hangingPunct="1"/>
             <a:r>
-              <a:rPr lang="en-US" smtClean="0"/>
+              <a:rPr lang="en-US"/>
               <a:t>Fifth level</a:t>
             </a:r>
             <a:endParaRPr kumimoji="0" lang="en-US"/>
@@ -4611,35 +5076,35 @@
           <a:p>
             <a:pPr lvl="0" eaLnBrk="1" latinLnBrk="0" hangingPunct="1"/>
             <a:r>
-              <a:rPr lang="en-US" smtClean="0"/>
+              <a:rPr lang="en-US"/>
               <a:t>Click to edit Master text styles</a:t>
             </a:r>
           </a:p>
           <a:p>
             <a:pPr lvl="1" eaLnBrk="1" latinLnBrk="0" hangingPunct="1"/>
             <a:r>
-              <a:rPr lang="en-US" smtClean="0"/>
+              <a:rPr lang="en-US"/>
               <a:t>Second level</a:t>
             </a:r>
           </a:p>
           <a:p>
             <a:pPr lvl="2" eaLnBrk="1" latinLnBrk="0" hangingPunct="1"/>
             <a:r>
-              <a:rPr lang="en-US" smtClean="0"/>
+              <a:rPr lang="en-US"/>
               <a:t>Third level</a:t>
             </a:r>
           </a:p>
           <a:p>
             <a:pPr lvl="3" eaLnBrk="1" latinLnBrk="0" hangingPunct="1"/>
             <a:r>
-              <a:rPr lang="en-US" smtClean="0"/>
+              <a:rPr lang="en-US"/>
               <a:t>Fourth level</a:t>
             </a:r>
           </a:p>
           <a:p>
             <a:pPr lvl="4" eaLnBrk="1" latinLnBrk="0" hangingPunct="1"/>
             <a:r>
-              <a:rPr lang="en-US" smtClean="0"/>
+              <a:rPr lang="en-US"/>
               <a:t>Fifth level</a:t>
             </a:r>
             <a:endParaRPr kumimoji="0" lang="en-US"/>
@@ -4664,7 +5129,7 @@
             <a:fld id="{1D8BD707-D9CF-40AE-B4C6-C98DA3205C09}" type="datetimeFigureOut">
               <a:rPr lang="en-US" smtClean="0"/>
               <a:pPr/>
-              <a:t>10/18/2021</a:t>
+              <a:t>5/7/2025</a:t>
             </a:fld>
             <a:endParaRPr lang="en-US"/>
           </a:p>
@@ -4763,10 +5228,9 @@
           </a:lstStyle>
           <a:p>
             <a:r>
-              <a:rPr kumimoji="0" lang="en-US" smtClean="0"/>
+              <a:rPr kumimoji="0" lang="en-US"/>
               <a:t>Click to edit Master title style</a:t>
             </a:r>
-            <a:endParaRPr kumimoji="0" lang="en-US"/>
           </a:p>
         </p:txBody>
       </p:sp>
@@ -4792,35 +5256,35 @@
           <a:p>
             <a:pPr lvl="0" eaLnBrk="1" latinLnBrk="0" hangingPunct="1"/>
             <a:r>
-              <a:rPr lang="en-US" smtClean="0"/>
+              <a:rPr lang="en-US"/>
               <a:t>Click to edit Master text styles</a:t>
             </a:r>
           </a:p>
           <a:p>
             <a:pPr lvl="1" eaLnBrk="1" latinLnBrk="0" hangingPunct="1"/>
             <a:r>
-              <a:rPr lang="en-US" smtClean="0"/>
+              <a:rPr lang="en-US"/>
               <a:t>Second level</a:t>
             </a:r>
           </a:p>
           <a:p>
             <a:pPr lvl="2" eaLnBrk="1" latinLnBrk="0" hangingPunct="1"/>
             <a:r>
-              <a:rPr lang="en-US" smtClean="0"/>
+              <a:rPr lang="en-US"/>
               <a:t>Third level</a:t>
             </a:r>
           </a:p>
           <a:p>
             <a:pPr lvl="3" eaLnBrk="1" latinLnBrk="0" hangingPunct="1"/>
             <a:r>
-              <a:rPr lang="en-US" smtClean="0"/>
+              <a:rPr lang="en-US"/>
               <a:t>Fourth level</a:t>
             </a:r>
           </a:p>
           <a:p>
             <a:pPr lvl="4" eaLnBrk="1" latinLnBrk="0" hangingPunct="1"/>
             <a:r>
-              <a:rPr lang="en-US" smtClean="0"/>
+              <a:rPr lang="en-US"/>
               <a:t>Fifth level</a:t>
             </a:r>
             <a:endParaRPr kumimoji="0" lang="en-US"/>
@@ -4849,35 +5313,35 @@
           <a:p>
             <a:pPr lvl="0" eaLnBrk="1" latinLnBrk="0" hangingPunct="1"/>
             <a:r>
-              <a:rPr lang="en-US" smtClean="0"/>
+              <a:rPr lang="en-US"/>
               <a:t>Click to edit Master text styles</a:t>
             </a:r>
           </a:p>
           <a:p>
             <a:pPr lvl="1" eaLnBrk="1" latinLnBrk="0" hangingPunct="1"/>
             <a:r>
-              <a:rPr lang="en-US" smtClean="0"/>
+              <a:rPr lang="en-US"/>
               <a:t>Second level</a:t>
             </a:r>
           </a:p>
           <a:p>
             <a:pPr lvl="2" eaLnBrk="1" latinLnBrk="0" hangingPunct="1"/>
             <a:r>
-              <a:rPr lang="en-US" smtClean="0"/>
+              <a:rPr lang="en-US"/>
               <a:t>Third level</a:t>
             </a:r>
           </a:p>
           <a:p>
             <a:pPr lvl="3" eaLnBrk="1" latinLnBrk="0" hangingPunct="1"/>
             <a:r>
-              <a:rPr lang="en-US" smtClean="0"/>
+              <a:rPr lang="en-US"/>
               <a:t>Fourth level</a:t>
             </a:r>
           </a:p>
           <a:p>
             <a:pPr lvl="4" eaLnBrk="1" latinLnBrk="0" hangingPunct="1"/>
             <a:r>
-              <a:rPr lang="en-US" smtClean="0"/>
+              <a:rPr lang="en-US"/>
               <a:t>Fifth level</a:t>
             </a:r>
             <a:endParaRPr kumimoji="0" lang="en-US"/>
@@ -4902,7 +5366,7 @@
             <a:fld id="{1D8BD707-D9CF-40AE-B4C6-C98DA3205C09}" type="datetimeFigureOut">
               <a:rPr lang="en-US" smtClean="0"/>
               <a:pPr/>
-              <a:t>10/18/2021</a:t>
+              <a:t>5/7/2025</a:t>
             </a:fld>
             <a:endParaRPr lang="en-US"/>
           </a:p>
@@ -4986,7 +5450,7 @@
           <a:p>
             <a:pPr lvl="0" eaLnBrk="1" latinLnBrk="0" hangingPunct="1"/>
             <a:r>
-              <a:rPr kumimoji="0" lang="en-US" smtClean="0"/>
+              <a:rPr kumimoji="0" lang="en-US"/>
               <a:t>Click to edit Master text styles</a:t>
             </a:r>
           </a:p>
@@ -5027,7 +5491,7 @@
           <a:p>
             <a:pPr lvl="0" eaLnBrk="1" latinLnBrk="0" hangingPunct="1"/>
             <a:r>
-              <a:rPr kumimoji="0" lang="en-US" smtClean="0"/>
+              <a:rPr kumimoji="0" lang="en-US"/>
               <a:t>Click to edit Master text styles</a:t>
             </a:r>
           </a:p>
@@ -5074,10 +5538,9 @@
           <a:lstStyle/>
           <a:p>
             <a:r>
-              <a:rPr kumimoji="0" lang="en-US" smtClean="0"/>
+              <a:rPr kumimoji="0" lang="en-US"/>
               <a:t>Click to edit Master title style</a:t>
             </a:r>
-            <a:endParaRPr kumimoji="0" lang="en-US"/>
           </a:p>
         </p:txBody>
       </p:sp>
@@ -5099,7 +5562,7 @@
             <a:fld id="{1D8BD707-D9CF-40AE-B4C6-C98DA3205C09}" type="datetimeFigureOut">
               <a:rPr lang="en-US" smtClean="0"/>
               <a:pPr/>
-              <a:t>10/18/2021</a:t>
+              <a:t>5/7/2025</a:t>
             </a:fld>
             <a:endParaRPr lang="en-US"/>
           </a:p>
@@ -5199,7 +5662,7 @@
             <a:fld id="{1D8BD707-D9CF-40AE-B4C6-C98DA3205C09}" type="datetimeFigureOut">
               <a:rPr lang="en-US" smtClean="0"/>
               <a:pPr/>
-              <a:t>10/18/2021</a:t>
+              <a:t>5/7/2025</a:t>
             </a:fld>
             <a:endParaRPr lang="en-US"/>
           </a:p>
@@ -5312,10 +5775,9 @@
           </a:lstStyle>
           <a:p>
             <a:r>
-              <a:rPr kumimoji="0" lang="en-US" smtClean="0"/>
+              <a:rPr kumimoji="0" lang="en-US"/>
               <a:t>Click to edit Master title style</a:t>
             </a:r>
-            <a:endParaRPr kumimoji="0" lang="en-US"/>
           </a:p>
         </p:txBody>
       </p:sp>
@@ -5337,7 +5799,7 @@
             <a:fld id="{1D8BD707-D9CF-40AE-B4C6-C98DA3205C09}" type="datetimeFigureOut">
               <a:rPr lang="en-US" smtClean="0"/>
               <a:pPr/>
-              <a:t>10/18/2021</a:t>
+              <a:t>5/7/2025</a:t>
             </a:fld>
             <a:endParaRPr lang="en-US"/>
           </a:p>
@@ -5462,7 +5924,7 @@
           <a:p>
             <a:pPr lvl="0" eaLnBrk="1" latinLnBrk="0" hangingPunct="1"/>
             <a:r>
-              <a:rPr kumimoji="0" lang="en-US" smtClean="0"/>
+              <a:rPr kumimoji="0" lang="en-US"/>
               <a:t>Click to edit Master text styles</a:t>
             </a:r>
           </a:p>
@@ -5490,35 +5952,35 @@
           <a:p>
             <a:pPr lvl="0" eaLnBrk="1" latinLnBrk="0" hangingPunct="1"/>
             <a:r>
-              <a:rPr lang="en-US" smtClean="0"/>
+              <a:rPr lang="en-US"/>
               <a:t>Click to edit Master text styles</a:t>
             </a:r>
           </a:p>
           <a:p>
             <a:pPr lvl="1" eaLnBrk="1" latinLnBrk="0" hangingPunct="1"/>
             <a:r>
-              <a:rPr lang="en-US" smtClean="0"/>
+              <a:rPr lang="en-US"/>
               <a:t>Second level</a:t>
             </a:r>
           </a:p>
           <a:p>
             <a:pPr lvl="2" eaLnBrk="1" latinLnBrk="0" hangingPunct="1"/>
             <a:r>
-              <a:rPr lang="en-US" smtClean="0"/>
+              <a:rPr lang="en-US"/>
               <a:t>Third level</a:t>
             </a:r>
           </a:p>
           <a:p>
             <a:pPr lvl="3" eaLnBrk="1" latinLnBrk="0" hangingPunct="1"/>
             <a:r>
-              <a:rPr lang="en-US" smtClean="0"/>
+              <a:rPr lang="en-US"/>
               <a:t>Fourth level</a:t>
             </a:r>
           </a:p>
           <a:p>
             <a:pPr lvl="4" eaLnBrk="1" latinLnBrk="0" hangingPunct="1"/>
             <a:r>
-              <a:rPr lang="en-US" smtClean="0"/>
+              <a:rPr lang="en-US"/>
               <a:t>Fifth level</a:t>
             </a:r>
             <a:endParaRPr kumimoji="0" lang="en-US"/>
@@ -5603,7 +6065,7 @@
           <a:p>
             <a:pPr lvl="0" eaLnBrk="1" latinLnBrk="0" hangingPunct="1"/>
             <a:r>
-              <a:rPr kumimoji="0" lang="en-US" smtClean="0"/>
+              <a:rPr kumimoji="0" lang="en-US"/>
               <a:t>Click to edit Master text styles</a:t>
             </a:r>
           </a:p>
@@ -5781,10 +6243,9 @@
           </a:lstStyle>
           <a:p>
             <a:r>
-              <a:rPr kumimoji="0" lang="en-US" smtClean="0"/>
+              <a:rPr kumimoji="0" lang="en-US"/>
               <a:t>Click to edit Master title style</a:t>
             </a:r>
-            <a:endParaRPr kumimoji="0" lang="en-US"/>
           </a:p>
         </p:txBody>
       </p:sp>
@@ -5857,7 +6318,7 @@
             <a:fld id="{1D8BD707-D9CF-40AE-B4C6-C98DA3205C09}" type="datetimeFigureOut">
               <a:rPr lang="en-US" smtClean="0"/>
               <a:pPr/>
-              <a:t>10/18/2021</a:t>
+              <a:t>5/7/2025</a:t>
             </a:fld>
             <a:endParaRPr lang="en-US"/>
           </a:p>
@@ -5954,7 +6415,7 @@
           </a:lstStyle>
           <a:p>
             <a:r>
-              <a:rPr kumimoji="0" lang="en-US" smtClean="0"/>
+              <a:rPr kumimoji="0" lang="en-US"/>
               <a:t>Click icon to add picture</a:t>
             </a:r>
             <a:endParaRPr kumimoji="0" lang="en-US" dirty="0"/>
@@ -6017,10 +6478,9 @@
           <a:lstStyle/>
           <a:p>
             <a:r>
-              <a:rPr kumimoji="0" lang="en-US" smtClean="0"/>
+              <a:rPr kumimoji="0" lang="en-US"/>
               <a:t>Click to edit Master title style</a:t>
             </a:r>
-            <a:endParaRPr kumimoji="0" lang="en-US"/>
           </a:p>
         </p:txBody>
       </p:sp>
@@ -6051,38 +6511,37 @@
           <a:p>
             <a:pPr lvl="0" eaLnBrk="1" latinLnBrk="0" hangingPunct="1"/>
             <a:r>
-              <a:rPr kumimoji="0" lang="en-US" smtClean="0"/>
+              <a:rPr kumimoji="0" lang="en-US"/>
               <a:t>Click to edit Master text styles</a:t>
             </a:r>
           </a:p>
           <a:p>
             <a:pPr lvl="1" eaLnBrk="1" latinLnBrk="0" hangingPunct="1"/>
             <a:r>
-              <a:rPr kumimoji="0" lang="en-US" smtClean="0"/>
+              <a:rPr kumimoji="0" lang="en-US"/>
               <a:t>Second level</a:t>
             </a:r>
           </a:p>
           <a:p>
             <a:pPr lvl="2" eaLnBrk="1" latinLnBrk="0" hangingPunct="1"/>
             <a:r>
-              <a:rPr kumimoji="0" lang="en-US" smtClean="0"/>
+              <a:rPr kumimoji="0" lang="en-US"/>
               <a:t>Third level</a:t>
             </a:r>
           </a:p>
           <a:p>
             <a:pPr lvl="3" eaLnBrk="1" latinLnBrk="0" hangingPunct="1"/>
             <a:r>
-              <a:rPr kumimoji="0" lang="en-US" smtClean="0"/>
+              <a:rPr kumimoji="0" lang="en-US"/>
               <a:t>Fourth level</a:t>
             </a:r>
           </a:p>
           <a:p>
             <a:pPr lvl="4" eaLnBrk="1" latinLnBrk="0" hangingPunct="1"/>
             <a:r>
-              <a:rPr kumimoji="0" lang="en-US" smtClean="0"/>
+              <a:rPr kumimoji="0" lang="en-US"/>
               <a:t>Fifth level</a:t>
             </a:r>
-            <a:endParaRPr kumimoji="0" lang="en-US"/>
           </a:p>
         </p:txBody>
       </p:sp>
@@ -6120,7 +6579,7 @@
             <a:fld id="{1D8BD707-D9CF-40AE-B4C6-C98DA3205C09}" type="datetimeFigureOut">
               <a:rPr lang="en-US" smtClean="0"/>
               <a:pPr/>
-              <a:t>10/18/2021</a:t>
+              <a:t>5/7/2025</a:t>
             </a:fld>
             <a:endParaRPr lang="en-US"/>
           </a:p>
@@ -6678,103 +7137,142 @@
           <a:lstStyle/>
           <a:p>
             <a:r>
-              <a:rPr lang="en-US" b="1" dirty="0">
+              <a:rPr lang="en-IN" dirty="0"/>
+              <a:t>Jenkins</a:t>
+            </a:r>
+          </a:p>
+        </p:txBody>
+      </p:sp>
+      <p:sp>
+        <p:nvSpPr>
+          <p:cNvPr id="5" name="Content Placeholder 4"/>
+          <p:cNvSpPr>
+            <a:spLocks noGrp="1"/>
+          </p:cNvSpPr>
+          <p:nvPr>
+            <p:ph sz="quarter" idx="1"/>
+          </p:nvPr>
+        </p:nvSpPr>
+        <p:spPr/>
+        <p:txBody>
+          <a:bodyPr>
+            <a:normAutofit fontScale="92500" lnSpcReduction="10000"/>
+          </a:bodyPr>
+          <a:lstStyle/>
+          <a:p>
+            <a:r>
+              <a:rPr lang="en-US" sz="2100" dirty="0">
                 <a:latin typeface="Calibri" pitchFamily="34" charset="0"/>
                 <a:cs typeface="Calibri" pitchFamily="34" charset="0"/>
               </a:rPr>
-              <a:t>Continuous Integration</a:t>
-            </a:r>
-            <a:endParaRPr lang="en-IN" dirty="0"/>
-          </a:p>
-        </p:txBody>
-      </p:sp>
-      <p:sp>
-        <p:nvSpPr>
-          <p:cNvPr id="5" name="Content Placeholder 4"/>
-          <p:cNvSpPr>
-            <a:spLocks noGrp="1"/>
-          </p:cNvSpPr>
-          <p:nvPr>
-            <p:ph sz="quarter" idx="1"/>
-          </p:nvPr>
-        </p:nvSpPr>
-        <p:spPr/>
-        <p:txBody>
-          <a:bodyPr>
-            <a:normAutofit/>
-          </a:bodyPr>
-          <a:lstStyle/>
-          <a:p>
-            <a:r>
-              <a:rPr lang="en-US" sz="2100" b="1" dirty="0" smtClean="0">
+              <a:t>Jenkins is an open source automation tool that allows continuous integration.</a:t>
+            </a:r>
+          </a:p>
+          <a:p>
+            <a:r>
+              <a:rPr lang="en-US" sz="2100" dirty="0">
                 <a:latin typeface="Calibri" pitchFamily="34" charset="0"/>
                 <a:cs typeface="Calibri" pitchFamily="34" charset="0"/>
               </a:rPr>
-              <a:t>What </a:t>
-            </a:r>
-            <a:r>
-              <a:rPr lang="en-US" sz="2100" b="1" dirty="0" smtClean="0">
+              <a:t>Jenkins is an open-source automation server used primarily for continuous integration (CI) and continuous delivery (CD). It automates the process of building, testing, and deploying software, allowing teams to deliver code faster and with fewer errors. </a:t>
+            </a:r>
+            <a:endParaRPr lang="en-US" sz="2100" u="sng" dirty="0">
+              <a:latin typeface="Calibri" pitchFamily="34" charset="0"/>
+              <a:ea typeface="Calibri"/>
+              <a:cs typeface="Calibri" pitchFamily="34" charset="0"/>
+              <a:sym typeface="Calibri"/>
+              <a:hlinkClick r:id="rId3"/>
+            </a:endParaRPr>
+          </a:p>
+          <a:p>
+            <a:r>
+              <a:rPr lang="en-US" sz="2100" u="sng" dirty="0">
+                <a:latin typeface="Calibri" pitchFamily="34" charset="0"/>
+                <a:ea typeface="Calibri"/>
+                <a:cs typeface="Calibri" pitchFamily="34" charset="0"/>
+                <a:sym typeface="Calibri"/>
+                <a:hlinkClick r:id="rId3"/>
+              </a:rPr>
+              <a:t>Jenkins</a:t>
+            </a:r>
+            <a:r>
+              <a:rPr lang="en-US" sz="2100" dirty="0">
+                <a:latin typeface="Calibri" pitchFamily="34" charset="0"/>
+                <a:ea typeface="Calibri"/>
+                <a:cs typeface="Calibri" pitchFamily="34" charset="0"/>
+                <a:sym typeface="Calibri"/>
+              </a:rPr>
+              <a:t> is one of the most popular tools for  performing continuous integration and continuous delivery of software projects on any platform.</a:t>
+            </a:r>
+          </a:p>
+          <a:p>
+            <a:r>
+              <a:rPr lang="en-US" sz="2100" dirty="0">
+                <a:latin typeface="Calibri" pitchFamily="34" charset="0"/>
+                <a:ea typeface="Calibri"/>
+                <a:cs typeface="Calibri" pitchFamily="34" charset="0"/>
+                <a:sym typeface="Calibri"/>
+              </a:rPr>
+              <a:t>Jenkins is one of the DevOps Tool</a:t>
+            </a:r>
+          </a:p>
+          <a:p>
+            <a:r>
+              <a:rPr lang="en-US" sz="2100" dirty="0">
+                <a:latin typeface="Calibri" pitchFamily="34" charset="0"/>
+                <a:ea typeface="Calibri"/>
+                <a:cs typeface="Calibri" pitchFamily="34" charset="0"/>
+                <a:sym typeface="Calibri"/>
+              </a:rPr>
+              <a:t> Jenkins builds, tests and deploy software projects, which continuously making it easier for developers to integrate changes to the project, and making it easier for users to obtain a fresh build.</a:t>
+            </a:r>
+            <a:endParaRPr lang="en-IN" sz="2100" dirty="0">
+              <a:latin typeface="Calibri" pitchFamily="34" charset="0"/>
+              <a:ea typeface="Calibri"/>
+              <a:cs typeface="Calibri" pitchFamily="34" charset="0"/>
+              <a:sym typeface="Calibri"/>
+            </a:endParaRPr>
+          </a:p>
+          <a:p>
+            <a:r>
+              <a:rPr lang="en-US" sz="2100" dirty="0">
                 <a:latin typeface="Calibri" pitchFamily="34" charset="0"/>
                 <a:cs typeface="Calibri" pitchFamily="34" charset="0"/>
               </a:rPr>
-              <a:t>is Continuous Integration?</a:t>
-            </a:r>
-          </a:p>
-          <a:p>
-            <a:r>
-              <a:rPr lang="en-US" sz="2100" dirty="0" smtClean="0">
-                <a:latin typeface="Calibri" pitchFamily="34" charset="0"/>
-                <a:cs typeface="Calibri" pitchFamily="34" charset="0"/>
-              </a:rPr>
-              <a:t>Continuous Integration </a:t>
-            </a:r>
-            <a:r>
-              <a:rPr lang="en-US" sz="2100" i="1" dirty="0" smtClean="0">
-                <a:latin typeface="Calibri" pitchFamily="34" charset="0"/>
-                <a:cs typeface="Calibri" pitchFamily="34" charset="0"/>
-              </a:rPr>
-              <a:t>(CI)</a:t>
-            </a:r>
-            <a:r>
-              <a:rPr lang="en-US" sz="2100" dirty="0" smtClean="0">
-                <a:latin typeface="Calibri" pitchFamily="34" charset="0"/>
-                <a:cs typeface="Calibri" pitchFamily="34" charset="0"/>
-              </a:rPr>
-              <a:t> is a development practice in which the developers are needs to commit changes to the source code in a shared repository at regular intervals. Every commit made in the repository is then built. This allows the development teams to detect the problems early.</a:t>
-            </a:r>
-          </a:p>
-          <a:p>
-            <a:r>
-              <a:rPr lang="en-US" sz="2100" dirty="0" smtClean="0">
-                <a:latin typeface="Calibri" pitchFamily="34" charset="0"/>
-                <a:cs typeface="Calibri" pitchFamily="34" charset="0"/>
-              </a:rPr>
-              <a:t>Continuous integration requires the developers to have regular builds. The general practice is that whenever a code commit occurs, a build should be triggered.</a:t>
+              <a:t>Jenkins offers a straightforward way to set up a continuous integration or continuous delivery environment for almost any combination of languages and source code repositories(GIT,SVN,TFS), as well as automating other routine development tasks(build, test ,deployment).</a:t>
             </a:r>
           </a:p>
           <a:p>
             <a:pPr lvl="0"/>
             <a:endParaRPr lang="en-IN" sz="2000" dirty="0"/>
           </a:p>
+          <a:p>
+            <a:endParaRPr lang="en-US" sz="2100" dirty="0">
+              <a:latin typeface="Calibri" pitchFamily="34" charset="0"/>
+              <a:ea typeface="Calibri"/>
+              <a:cs typeface="Calibri" pitchFamily="34" charset="0"/>
+              <a:sym typeface="Calibri"/>
+            </a:endParaRPr>
+          </a:p>
+          <a:p>
+            <a:endParaRPr lang="en-US" sz="2100" dirty="0">
+              <a:latin typeface="Calibri" pitchFamily="34" charset="0"/>
+              <a:ea typeface="Calibri"/>
+              <a:cs typeface="Calibri" pitchFamily="34" charset="0"/>
+              <a:sym typeface="Calibri"/>
+            </a:endParaRPr>
+          </a:p>
+          <a:p>
+            <a:pPr lvl="0"/>
+            <a:endParaRPr lang="en-IN" sz="2000" dirty="0"/>
+          </a:p>
         </p:txBody>
       </p:sp>
     </p:spTree>
-    <p:extLst>
-      <p:ext uri="{BB962C8B-B14F-4D97-AF65-F5344CB8AC3E}">
-        <p14:creationId xmlns:p14="http://schemas.microsoft.com/office/powerpoint/2010/main" val="3323540463"/>
-      </p:ext>
-    </p:extLst>
   </p:cSld>
   <p:clrMapOvr>
     <a:masterClrMapping/>
   </p:clrMapOvr>
-  <p:timing>
-    <p:tnLst>
-      <p:par>
-        <p:cTn id="1" dur="indefinite" restart="never" nodeType="tmRoot"/>
-      </p:par>
-    </p:tnLst>
-  </p:timing>
 </p:sld>
 </file>
 
@@ -6813,10 +7311,9 @@
           <a:lstStyle/>
           <a:p>
             <a:r>
-              <a:rPr lang="en-IN" dirty="0" smtClean="0"/>
-              <a:t>Jenkins Installation</a:t>
-            </a:r>
-            <a:endParaRPr lang="en-IN" dirty="0"/>
+              <a:rPr lang="en-IN" dirty="0"/>
+              <a:t>Jenkins</a:t>
+            </a:r>
           </a:p>
         </p:txBody>
       </p:sp>
@@ -6828,6 +7325,143 @@
           </p:cNvSpPr>
           <p:nvPr>
             <p:ph sz="quarter" idx="1"/>
+          </p:nvPr>
+        </p:nvSpPr>
+        <p:spPr/>
+        <p:txBody>
+          <a:bodyPr>
+            <a:normAutofit fontScale="47500" lnSpcReduction="20000"/>
+          </a:bodyPr>
+          <a:lstStyle/>
+          <a:p>
+            <a:r>
+              <a:rPr lang="en-US" sz="3200" b="1" dirty="0">
+                <a:latin typeface="Calibri" pitchFamily="34" charset="0"/>
+                <a:cs typeface="Calibri" pitchFamily="34" charset="0"/>
+              </a:rPr>
+              <a:t>Continuous Integration with Jenkins</a:t>
+            </a:r>
+          </a:p>
+          <a:p>
+            <a:r>
+              <a:rPr lang="en-US" sz="3200" dirty="0">
+                <a:latin typeface="Calibri" pitchFamily="34" charset="0"/>
+                <a:cs typeface="Calibri" pitchFamily="34" charset="0"/>
+              </a:rPr>
+              <a:t>Let's consider a scenario where the complete source code of the application was built and then deployed on test server for testing. It sounds like a perfect way to develop software, but this process has many problems.</a:t>
+            </a:r>
+          </a:p>
+          <a:p>
+            <a:r>
+              <a:rPr lang="en-US" sz="3200" dirty="0">
+                <a:latin typeface="Calibri" pitchFamily="34" charset="0"/>
+                <a:cs typeface="Calibri" pitchFamily="34" charset="0"/>
+              </a:rPr>
+              <a:t>Developer teams have to wait till the complete software is developed for the test results.</a:t>
+            </a:r>
+          </a:p>
+          <a:p>
+            <a:r>
+              <a:rPr lang="en-US" sz="3200" dirty="0">
+                <a:latin typeface="Calibri" pitchFamily="34" charset="0"/>
+                <a:cs typeface="Calibri" pitchFamily="34" charset="0"/>
+              </a:rPr>
+              <a:t>There is a high prospect that the test results might show multiple bugs. It was tough for developers to locate those bugs because they have to check the entire source code of the application.</a:t>
+            </a:r>
+          </a:p>
+          <a:p>
+            <a:r>
+              <a:rPr lang="en-US" sz="3200" dirty="0">
+                <a:latin typeface="Calibri" pitchFamily="34" charset="0"/>
+                <a:cs typeface="Calibri" pitchFamily="34" charset="0"/>
+              </a:rPr>
+              <a:t>It slows the software delivery process.</a:t>
+            </a:r>
+          </a:p>
+          <a:p>
+            <a:r>
+              <a:rPr lang="en-US" sz="3200" dirty="0">
+                <a:latin typeface="Calibri" pitchFamily="34" charset="0"/>
+                <a:cs typeface="Calibri" pitchFamily="34" charset="0"/>
+              </a:rPr>
+              <a:t>Continuous feedback pertaining to things like architectural or coding issues, build failures, test status and file release uploads was missing due to which the quality of software can go down.</a:t>
+            </a:r>
+          </a:p>
+          <a:p>
+            <a:r>
+              <a:rPr lang="en-US" sz="3200" dirty="0">
+                <a:latin typeface="Calibri" pitchFamily="34" charset="0"/>
+                <a:cs typeface="Calibri" pitchFamily="34" charset="0"/>
+              </a:rPr>
+              <a:t>The whole process was manual which increases the threat of frequent failure.</a:t>
+            </a:r>
+          </a:p>
+          <a:p>
+            <a:r>
+              <a:rPr lang="en-US" sz="3200" dirty="0">
+                <a:latin typeface="Calibri" pitchFamily="34" charset="0"/>
+                <a:cs typeface="Calibri" pitchFamily="34" charset="0"/>
+              </a:rPr>
+              <a:t>It is obvious from the above stated problems that not only the software delivery process became slow but the quality of software also went down. This leads to customer dissatisfaction.</a:t>
+            </a:r>
+          </a:p>
+          <a:p>
+            <a:r>
+              <a:rPr lang="en-US" sz="3200" dirty="0">
+                <a:latin typeface="Calibri" pitchFamily="34" charset="0"/>
+                <a:cs typeface="Calibri" pitchFamily="34" charset="0"/>
+              </a:rPr>
+              <a:t>So to overcome such problem there was a need for a system to exist where developers can continuously trigger a build and test for every change made in the source code.</a:t>
+            </a:r>
+          </a:p>
+          <a:p>
+            <a:r>
+              <a:rPr lang="en-US" sz="3200" dirty="0">
+                <a:latin typeface="Calibri" pitchFamily="34" charset="0"/>
+                <a:cs typeface="Calibri" pitchFamily="34" charset="0"/>
+              </a:rPr>
+              <a:t>This is what Continuous Integration (CI) is all about. Jenkins is the most mature Continuous Integration tool available so let us see how Continuous Integration with Jenkins overcame the above shortcomings.</a:t>
+            </a:r>
+          </a:p>
+          <a:p>
+            <a:pPr lvl="0"/>
+            <a:endParaRPr lang="en-IN" sz="2000" dirty="0"/>
+          </a:p>
+        </p:txBody>
+      </p:sp>
+    </p:spTree>
+  </p:cSld>
+  <p:clrMapOvr>
+    <a:masterClrMapping/>
+  </p:clrMapOvr>
+</p:sld>
+</file>
+
+<file path=ppt/slides/slide11.xml><?xml version="1.0" encoding="utf-8"?>
+<p:sld xmlns:a="http://schemas.openxmlformats.org/drawingml/2006/main" xmlns:r="http://schemas.openxmlformats.org/officeDocument/2006/relationships" xmlns:p="http://schemas.openxmlformats.org/presentationml/2006/main">
+  <p:cSld>
+    <p:spTree>
+      <p:nvGrpSpPr>
+        <p:cNvPr id="1" name=""/>
+        <p:cNvGrpSpPr/>
+        <p:nvPr/>
+      </p:nvGrpSpPr>
+      <p:grpSpPr>
+        <a:xfrm>
+          <a:off x="0" y="0"/>
+          <a:ext cx="0" cy="0"/>
+          <a:chOff x="0" y="0"/>
+          <a:chExt cx="0" cy="0"/>
+        </a:xfrm>
+      </p:grpSpPr>
+      <p:sp>
+        <p:nvSpPr>
+          <p:cNvPr id="4" name="Title 3"/>
+          <p:cNvSpPr>
+            <a:spLocks noGrp="1"/>
+          </p:cNvSpPr>
+          <p:nvPr>
+            <p:ph type="title"/>
           </p:nvPr>
         </p:nvSpPr>
         <p:spPr/>
@@ -6838,7 +7472,297 @@
           <a:lstStyle/>
           <a:p>
             <a:r>
-              <a:rPr lang="en-IN" sz="2000" dirty="0" smtClean="0">
+              <a:rPr lang="en-IN" dirty="0"/>
+              <a:t>Jenkins Architecture</a:t>
+            </a:r>
+          </a:p>
+        </p:txBody>
+      </p:sp>
+      <p:sp>
+        <p:nvSpPr>
+          <p:cNvPr id="5" name="Content Placeholder 4"/>
+          <p:cNvSpPr>
+            <a:spLocks noGrp="1"/>
+          </p:cNvSpPr>
+          <p:nvPr>
+            <p:ph sz="quarter" idx="1"/>
+          </p:nvPr>
+        </p:nvSpPr>
+        <p:spPr/>
+        <p:txBody>
+          <a:bodyPr>
+            <a:normAutofit/>
+          </a:bodyPr>
+          <a:lstStyle/>
+          <a:p>
+            <a:r>
+              <a:rPr lang="en-US" sz="2000" b="1" dirty="0">
+                <a:latin typeface="Calibri" pitchFamily="34" charset="0"/>
+                <a:cs typeface="Calibri" pitchFamily="34" charset="0"/>
+              </a:rPr>
+              <a:t>generic flow diagram of Continuous Integration with Jenkins:</a:t>
+            </a:r>
+          </a:p>
+          <a:p>
+            <a:endParaRPr lang="en-IN" sz="2000" dirty="0"/>
+          </a:p>
+        </p:txBody>
+      </p:sp>
+      <p:pic>
+        <p:nvPicPr>
+          <p:cNvPr id="1026" name="Picture 2" descr="C:\Users\SANTHOSH\Desktop\continuous-integration-with-jenkins.png"/>
+          <p:cNvPicPr>
+            <a:picLocks noChangeAspect="1" noChangeArrowheads="1"/>
+          </p:cNvPicPr>
+          <p:nvPr/>
+        </p:nvPicPr>
+        <p:blipFill>
+          <a:blip r:embed="rId3"/>
+          <a:srcRect/>
+          <a:stretch>
+            <a:fillRect/>
+          </a:stretch>
+        </p:blipFill>
+        <p:spPr bwMode="auto">
+          <a:xfrm>
+            <a:off x="685800" y="2590800"/>
+            <a:ext cx="7762876" cy="2962275"/>
+          </a:xfrm>
+          <a:prstGeom prst="rect">
+            <a:avLst/>
+          </a:prstGeom>
+          <a:noFill/>
+        </p:spPr>
+      </p:pic>
+      <p:sp>
+        <p:nvSpPr>
+          <p:cNvPr id="2" name="Rectangle 1"/>
+          <p:cNvSpPr/>
+          <p:nvPr/>
+        </p:nvSpPr>
+        <p:spPr>
+          <a:xfrm>
+            <a:off x="7467600" y="2590800"/>
+            <a:ext cx="981076" cy="381000"/>
+          </a:xfrm>
+          <a:prstGeom prst="rect">
+            <a:avLst/>
+          </a:prstGeom>
+          <a:solidFill>
+            <a:schemeClr val="bg1"/>
+          </a:solidFill>
+          <a:ln>
+            <a:solidFill>
+              <a:schemeClr val="bg1"/>
+            </a:solidFill>
+          </a:ln>
+        </p:spPr>
+        <p:style>
+          <a:lnRef idx="2">
+            <a:schemeClr val="accent1">
+              <a:shade val="50000"/>
+            </a:schemeClr>
+          </a:lnRef>
+          <a:fillRef idx="1">
+            <a:schemeClr val="accent1"/>
+          </a:fillRef>
+          <a:effectRef idx="0">
+            <a:schemeClr val="accent1"/>
+          </a:effectRef>
+          <a:fontRef idx="minor">
+            <a:schemeClr val="lt1"/>
+          </a:fontRef>
+        </p:style>
+        <p:txBody>
+          <a:bodyPr rtlCol="0" anchor="ctr"/>
+          <a:lstStyle/>
+          <a:p>
+            <a:pPr algn="ctr"/>
+            <a:endParaRPr lang="en-US"/>
+          </a:p>
+        </p:txBody>
+      </p:sp>
+    </p:spTree>
+  </p:cSld>
+  <p:clrMapOvr>
+    <a:masterClrMapping/>
+  </p:clrMapOvr>
+</p:sld>
+</file>
+
+<file path=ppt/slides/slide12.xml><?xml version="1.0" encoding="utf-8"?>
+<p:sld xmlns:a="http://schemas.openxmlformats.org/drawingml/2006/main" xmlns:r="http://schemas.openxmlformats.org/officeDocument/2006/relationships" xmlns:p="http://schemas.openxmlformats.org/presentationml/2006/main">
+  <p:cSld>
+    <p:spTree>
+      <p:nvGrpSpPr>
+        <p:cNvPr id="1" name=""/>
+        <p:cNvGrpSpPr/>
+        <p:nvPr/>
+      </p:nvGrpSpPr>
+      <p:grpSpPr>
+        <a:xfrm>
+          <a:off x="0" y="0"/>
+          <a:ext cx="0" cy="0"/>
+          <a:chOff x="0" y="0"/>
+          <a:chExt cx="0" cy="0"/>
+        </a:xfrm>
+      </p:grpSpPr>
+      <p:sp>
+        <p:nvSpPr>
+          <p:cNvPr id="4" name="Title 3"/>
+          <p:cNvSpPr>
+            <a:spLocks noGrp="1"/>
+          </p:cNvSpPr>
+          <p:nvPr>
+            <p:ph type="title"/>
+          </p:nvPr>
+        </p:nvSpPr>
+        <p:spPr/>
+        <p:txBody>
+          <a:bodyPr>
+            <a:normAutofit/>
+          </a:bodyPr>
+          <a:lstStyle/>
+          <a:p>
+            <a:r>
+              <a:rPr lang="en-IN" dirty="0"/>
+              <a:t>Jenkins</a:t>
+            </a:r>
+          </a:p>
+        </p:txBody>
+      </p:sp>
+      <p:sp>
+        <p:nvSpPr>
+          <p:cNvPr id="5" name="Content Placeholder 4"/>
+          <p:cNvSpPr>
+            <a:spLocks noGrp="1"/>
+          </p:cNvSpPr>
+          <p:nvPr>
+            <p:ph sz="quarter" idx="1"/>
+          </p:nvPr>
+        </p:nvSpPr>
+        <p:spPr/>
+        <p:txBody>
+          <a:bodyPr>
+            <a:normAutofit lnSpcReduction="10000"/>
+          </a:bodyPr>
+          <a:lstStyle/>
+          <a:p>
+            <a:r>
+              <a:rPr lang="en-US" sz="2000" b="1" dirty="0"/>
+              <a:t>Let's see how Jenkins works</a:t>
+            </a:r>
+            <a:r>
+              <a:rPr lang="en-US" sz="2000" dirty="0"/>
+              <a:t>. The above diagram is representing the following functions:</a:t>
+            </a:r>
+          </a:p>
+          <a:p>
+            <a:r>
+              <a:rPr lang="en-US" sz="2000" dirty="0"/>
+              <a:t>First of all, a developer commits the code to the source code repository. Meanwhile, the Jenkins checks the repository at regular intervals for changes.</a:t>
+            </a:r>
+          </a:p>
+          <a:p>
+            <a:r>
+              <a:rPr lang="en-US" sz="2000" dirty="0"/>
+              <a:t>Soon after a commit occurs, the Jenkins server finds the changes that have occurred in the source code repository. Jenkins will draw those changes and will start preparing a new build.</a:t>
+            </a:r>
+          </a:p>
+          <a:p>
+            <a:r>
+              <a:rPr lang="en-US" sz="2000" dirty="0"/>
+              <a:t>If the build fails, then the concerned team will be notified.</a:t>
+            </a:r>
+          </a:p>
+          <a:p>
+            <a:r>
+              <a:rPr lang="en-US" sz="2000" dirty="0"/>
+              <a:t>If built is successful, then Jenkins server deploys the built in the test server.</a:t>
+            </a:r>
+          </a:p>
+          <a:p>
+            <a:r>
+              <a:rPr lang="en-US" sz="2000" dirty="0"/>
+              <a:t>After testing, Jenkins server generates a feedback and then notifies the developers about the build and test results.</a:t>
+            </a:r>
+          </a:p>
+          <a:p>
+            <a:r>
+              <a:rPr lang="en-US" sz="2000" dirty="0"/>
+              <a:t>It will continue to verify the source code repository for changes made in the source code and the whole process keeps on repeating.</a:t>
+            </a:r>
+          </a:p>
+        </p:txBody>
+      </p:sp>
+    </p:spTree>
+  </p:cSld>
+  <p:clrMapOvr>
+    <a:masterClrMapping/>
+  </p:clrMapOvr>
+</p:sld>
+</file>
+
+<file path=ppt/slides/slide13.xml><?xml version="1.0" encoding="utf-8"?>
+<p:sld xmlns:a="http://schemas.openxmlformats.org/drawingml/2006/main" xmlns:r="http://schemas.openxmlformats.org/officeDocument/2006/relationships" xmlns:p="http://schemas.openxmlformats.org/presentationml/2006/main">
+  <p:cSld>
+    <p:spTree>
+      <p:nvGrpSpPr>
+        <p:cNvPr id="1" name=""/>
+        <p:cNvGrpSpPr/>
+        <p:nvPr/>
+      </p:nvGrpSpPr>
+      <p:grpSpPr>
+        <a:xfrm>
+          <a:off x="0" y="0"/>
+          <a:ext cx="0" cy="0"/>
+          <a:chOff x="0" y="0"/>
+          <a:chExt cx="0" cy="0"/>
+        </a:xfrm>
+      </p:grpSpPr>
+      <p:sp>
+        <p:nvSpPr>
+          <p:cNvPr id="4" name="Title 3"/>
+          <p:cNvSpPr>
+            <a:spLocks noGrp="1"/>
+          </p:cNvSpPr>
+          <p:nvPr>
+            <p:ph type="title"/>
+          </p:nvPr>
+        </p:nvSpPr>
+        <p:spPr/>
+        <p:txBody>
+          <a:bodyPr>
+            <a:normAutofit/>
+          </a:bodyPr>
+          <a:lstStyle/>
+          <a:p>
+            <a:r>
+              <a:rPr lang="en-IN" dirty="0"/>
+              <a:t>Jenkins Installation</a:t>
+            </a:r>
+          </a:p>
+        </p:txBody>
+      </p:sp>
+      <p:sp>
+        <p:nvSpPr>
+          <p:cNvPr id="5" name="Content Placeholder 4"/>
+          <p:cNvSpPr>
+            <a:spLocks noGrp="1"/>
+          </p:cNvSpPr>
+          <p:nvPr>
+            <p:ph sz="quarter" idx="1"/>
+          </p:nvPr>
+        </p:nvSpPr>
+        <p:spPr/>
+        <p:txBody>
+          <a:bodyPr>
+            <a:normAutofit/>
+          </a:bodyPr>
+          <a:lstStyle/>
+          <a:p>
+            <a:r>
+              <a:rPr lang="en-IN" sz="2000" dirty="0">
                 <a:latin typeface="Calibri"/>
                 <a:ea typeface="Calibri"/>
                 <a:cs typeface="Calibri"/>
@@ -6850,12 +7774,12 @@
           <a:p>
             <a:pPr lvl="0"/>
             <a:r>
-              <a:rPr lang="en-IN" sz="2000" dirty="0" smtClean="0">
+              <a:rPr lang="en-IN" sz="2000" dirty="0">
                 <a:hlinkClick r:id="rId3"/>
               </a:rPr>
               <a:t>https://jenkins.io/download/thank-you-downloading-windows-installer-stable/</a:t>
             </a:r>
-            <a:endParaRPr lang="en-IN" sz="2000" dirty="0" smtClean="0">
+            <a:endParaRPr lang="en-IN" sz="2000" dirty="0">
               <a:latin typeface="Calibri"/>
               <a:cs typeface="Calibri"/>
               <a:sym typeface="Calibri"/>
@@ -6863,15 +7787,6 @@
           </a:p>
           <a:p>
             <a:pPr lvl="0"/>
-            <a:r>
-              <a:rPr lang="en-IN" sz="2000" dirty="0" smtClean="0">
-                <a:latin typeface="Calibri"/>
-                <a:ea typeface="Calibri"/>
-                <a:cs typeface="Calibri"/>
-                <a:sym typeface="Calibri"/>
-              </a:rPr>
-              <a:t>Follow </a:t>
-            </a:r>
             <a:r>
               <a:rPr lang="en-IN" sz="2000" dirty="0">
                 <a:latin typeface="Calibri"/>
@@ -6879,7 +7794,7 @@
                 <a:cs typeface="Calibri"/>
                 <a:sym typeface="Calibri"/>
               </a:rPr>
-              <a:t>onscreen Instructions to complete installation.</a:t>
+              <a:t>Follow onscreen Instructions to complete installation.</a:t>
             </a:r>
             <a:endParaRPr lang="en-IN" sz="2000" dirty="0"/>
           </a:p>
@@ -6953,17 +7868,10 @@
   <p:clrMapOvr>
     <a:masterClrMapping/>
   </p:clrMapOvr>
-  <p:timing>
-    <p:tnLst>
-      <p:par>
-        <p:cTn id="1" dur="indefinite" restart="never" nodeType="tmRoot"/>
-      </p:par>
-    </p:tnLst>
-  </p:timing>
 </p:sld>
 </file>
 
-<file path=ppt/slides/slide11.xml><?xml version="1.0" encoding="utf-8"?>
+<file path=ppt/slides/slide14.xml><?xml version="1.0" encoding="utf-8"?>
 <p:sld xmlns:a="http://schemas.openxmlformats.org/drawingml/2006/main" xmlns:r="http://schemas.openxmlformats.org/officeDocument/2006/relationships" xmlns:p="http://schemas.openxmlformats.org/presentationml/2006/main">
   <p:cSld>
     <p:spTree>
@@ -6998,10 +7906,9 @@
           <a:lstStyle/>
           <a:p>
             <a:r>
-              <a:rPr lang="en-IN" dirty="0" smtClean="0"/>
+              <a:rPr lang="en-IN" dirty="0"/>
               <a:t>Jenkins</a:t>
             </a:r>
-            <a:endParaRPr lang="en-IN" dirty="0"/>
           </a:p>
         </p:txBody>
       </p:sp>
@@ -7138,17 +8045,10 @@
   <p:clrMapOvr>
     <a:masterClrMapping/>
   </p:clrMapOvr>
-  <p:timing>
-    <p:tnLst>
-      <p:par>
-        <p:cTn id="1" dur="indefinite" restart="never" nodeType="tmRoot"/>
-      </p:par>
-    </p:tnLst>
-  </p:timing>
 </p:sld>
 </file>
 
-<file path=ppt/slides/slide12.xml><?xml version="1.0" encoding="utf-8"?>
+<file path=ppt/slides/slide15.xml><?xml version="1.0" encoding="utf-8"?>
 <p:sld xmlns:a="http://schemas.openxmlformats.org/drawingml/2006/main" xmlns:r="http://schemas.openxmlformats.org/officeDocument/2006/relationships" xmlns:p="http://schemas.openxmlformats.org/presentationml/2006/main">
   <p:cSld>
     <p:spTree>
@@ -7183,10 +8083,9 @@
           <a:lstStyle/>
           <a:p>
             <a:r>
-              <a:rPr lang="en-IN" dirty="0" smtClean="0"/>
+              <a:rPr lang="en-IN" dirty="0"/>
               <a:t>Jenkins</a:t>
             </a:r>
-            <a:endParaRPr lang="en-IN" dirty="0"/>
           </a:p>
         </p:txBody>
       </p:sp>
@@ -7224,16 +8123,7 @@
                 <a:cs typeface="Calibri"/>
                 <a:sym typeface="Calibri"/>
               </a:rPr>
-              <a:t>In Next Screen, wait until all plugins are </a:t>
-            </a:r>
-            <a:r>
-              <a:rPr lang="en-IN" sz="2000" dirty="0" smtClean="0">
-                <a:latin typeface="Calibri"/>
-                <a:ea typeface="Calibri"/>
-                <a:cs typeface="Calibri"/>
-                <a:sym typeface="Calibri"/>
-              </a:rPr>
-              <a:t>installed</a:t>
+              <a:t>In Next Screen, wait until all plugins are installed</a:t>
             </a:r>
           </a:p>
           <a:p>
@@ -7300,17 +8190,10 @@
   <p:clrMapOvr>
     <a:masterClrMapping/>
   </p:clrMapOvr>
-  <p:timing>
-    <p:tnLst>
-      <p:par>
-        <p:cTn id="1" dur="indefinite" restart="never" nodeType="tmRoot"/>
-      </p:par>
-    </p:tnLst>
-  </p:timing>
 </p:sld>
 </file>
 
-<file path=ppt/slides/slide13.xml><?xml version="1.0" encoding="utf-8"?>
+<file path=ppt/slides/slide16.xml><?xml version="1.0" encoding="utf-8"?>
 <p:sld xmlns:a="http://schemas.openxmlformats.org/drawingml/2006/main" xmlns:r="http://schemas.openxmlformats.org/officeDocument/2006/relationships" xmlns:p="http://schemas.openxmlformats.org/presentationml/2006/main">
   <p:cSld>
     <p:spTree>
@@ -7345,10 +8228,9 @@
           <a:lstStyle/>
           <a:p>
             <a:r>
-              <a:rPr lang="en-IN" dirty="0" smtClean="0"/>
+              <a:rPr lang="en-IN" dirty="0"/>
               <a:t>Jenkins</a:t>
             </a:r>
-            <a:endParaRPr lang="en-IN" dirty="0"/>
           </a:p>
         </p:txBody>
       </p:sp>
@@ -7456,17 +8338,10 @@
   <p:clrMapOvr>
     <a:masterClrMapping/>
   </p:clrMapOvr>
-  <p:timing>
-    <p:tnLst>
-      <p:par>
-        <p:cTn id="1" dur="indefinite" restart="never" nodeType="tmRoot"/>
-      </p:par>
-    </p:tnLst>
-  </p:timing>
 </p:sld>
 </file>
 
-<file path=ppt/slides/slide14.xml><?xml version="1.0" encoding="utf-8"?>
+<file path=ppt/slides/slide17.xml><?xml version="1.0" encoding="utf-8"?>
 <p:sld xmlns:a="http://schemas.openxmlformats.org/drawingml/2006/main" xmlns:r="http://schemas.openxmlformats.org/officeDocument/2006/relationships" xmlns:p="http://schemas.openxmlformats.org/presentationml/2006/main">
   <p:cSld>
     <p:spTree>
@@ -7501,10 +8376,9 @@
           <a:lstStyle/>
           <a:p>
             <a:r>
-              <a:rPr lang="en-IN" dirty="0" smtClean="0"/>
+              <a:rPr lang="en-IN" dirty="0"/>
               <a:t>Jenkins</a:t>
             </a:r>
-            <a:endParaRPr lang="en-IN" dirty="0"/>
           </a:p>
         </p:txBody>
       </p:sp>
@@ -7615,17 +8489,10 @@
   <p:clrMapOvr>
     <a:masterClrMapping/>
   </p:clrMapOvr>
-  <p:timing>
-    <p:tnLst>
-      <p:par>
-        <p:cTn id="1" dur="indefinite" restart="never" nodeType="tmRoot"/>
-      </p:par>
-    </p:tnLst>
-  </p:timing>
 </p:sld>
 </file>
 
-<file path=ppt/slides/slide15.xml><?xml version="1.0" encoding="utf-8"?>
+<file path=ppt/slides/slide18.xml><?xml version="1.0" encoding="utf-8"?>
 <p:sld xmlns:a="http://schemas.openxmlformats.org/drawingml/2006/main" xmlns:r="http://schemas.openxmlformats.org/officeDocument/2006/relationships" xmlns:p="http://schemas.openxmlformats.org/presentationml/2006/main">
   <p:cSld>
     <p:spTree>
@@ -7660,7 +8527,7 @@
           <a:lstStyle/>
           <a:p>
             <a:r>
-              <a:rPr lang="en-US" dirty="0" smtClean="0">
+              <a:rPr lang="en-US" dirty="0">
                 <a:sym typeface="Calibri"/>
               </a:rPr>
               <a:t>Jenkins – Create First Job – Non GIT</a:t>
@@ -7685,7 +8552,7 @@
           <a:lstStyle/>
           <a:p>
             <a:pPr lvl="0"/>
-            <a:endParaRPr lang="en-IN" smtClean="0">
+            <a:endParaRPr lang="en-IN">
               <a:sym typeface="Calibri"/>
             </a:endParaRPr>
           </a:p>
@@ -7815,19 +8682,7 @@
                 <a:cs typeface="Calibri"/>
                 <a:sym typeface="Calibri"/>
               </a:rPr>
-              <a:t>Under Build, Select Execute Windows batch Command. And provide below commands in </a:t>
-            </a:r>
-            <a:r>
-              <a:rPr lang="en-IN" dirty="0" smtClean="0">
-                <a:solidFill>
-                  <a:srgbClr val="888888"/>
-                </a:solidFill>
-                <a:latin typeface="Calibri"/>
-                <a:ea typeface="Calibri"/>
-                <a:cs typeface="Calibri"/>
-                <a:sym typeface="Calibri"/>
-              </a:rPr>
-              <a:t>window</a:t>
+              <a:t>Under Build, Select Execute Windows batch Command. And provide below commands in window</a:t>
             </a:r>
           </a:p>
           <a:p>
@@ -7919,17 +8774,10 @@
   <p:clrMapOvr>
     <a:masterClrMapping/>
   </p:clrMapOvr>
-  <p:timing>
-    <p:tnLst>
-      <p:par>
-        <p:cTn id="1" dur="indefinite" restart="never" nodeType="tmRoot"/>
-      </p:par>
-    </p:tnLst>
-  </p:timing>
 </p:sld>
 </file>
 
-<file path=ppt/slides/slide16.xml><?xml version="1.0" encoding="utf-8"?>
+<file path=ppt/slides/slide19.xml><?xml version="1.0" encoding="utf-8"?>
 <p:sld xmlns:a="http://schemas.openxmlformats.org/drawingml/2006/main" xmlns:r="http://schemas.openxmlformats.org/officeDocument/2006/relationships" xmlns:p="http://schemas.openxmlformats.org/presentationml/2006/main">
   <p:cSld>
     <p:spTree>
@@ -7964,10 +8812,9 @@
           <a:lstStyle/>
           <a:p>
             <a:r>
-              <a:rPr lang="en-IN" dirty="0" smtClean="0"/>
+              <a:rPr lang="en-IN" dirty="0"/>
               <a:t>Jenkins</a:t>
             </a:r>
-            <a:endParaRPr lang="en-IN" dirty="0"/>
           </a:p>
         </p:txBody>
       </p:sp>
@@ -7998,19 +8845,7 @@
                 <a:cs typeface="Calibri"/>
                 <a:sym typeface="Calibri"/>
               </a:rPr>
-              <a:t>Under Build, Select Execute Windows batch Command. And provide below commands in </a:t>
-            </a:r>
-            <a:r>
-              <a:rPr lang="en-IN" sz="2000" u="sng" dirty="0" smtClean="0">
-                <a:solidFill>
-                  <a:schemeClr val="hlink"/>
-                </a:solidFill>
-                <a:latin typeface="Calibri"/>
-                <a:ea typeface="Calibri"/>
-                <a:cs typeface="Calibri"/>
-                <a:sym typeface="Calibri"/>
-              </a:rPr>
-              <a:t>window</a:t>
+              <a:t>Under Build, Select Execute Windows batch Command. And provide below commands in window</a:t>
             </a:r>
           </a:p>
           <a:p>
@@ -8025,17 +8860,6 @@
             </a:endParaRPr>
           </a:p>
           <a:p>
-            <a:endParaRPr lang="en-IN" sz="2000" u="sng" dirty="0" smtClean="0">
-              <a:solidFill>
-                <a:schemeClr val="hlink"/>
-              </a:solidFill>
-              <a:latin typeface="Calibri"/>
-              <a:ea typeface="Calibri"/>
-              <a:cs typeface="Calibri"/>
-              <a:sym typeface="Calibri"/>
-            </a:endParaRPr>
-          </a:p>
-          <a:p>
             <a:endParaRPr lang="en-IN" sz="2000" u="sng" dirty="0">
               <a:solidFill>
                 <a:schemeClr val="hlink"/>
@@ -8047,7 +8871,18 @@
             </a:endParaRPr>
           </a:p>
           <a:p>
-            <a:endParaRPr lang="en-IN" sz="2000" u="sng" dirty="0" smtClean="0">
+            <a:endParaRPr lang="en-IN" sz="2000" u="sng" dirty="0">
+              <a:solidFill>
+                <a:schemeClr val="hlink"/>
+              </a:solidFill>
+              <a:latin typeface="Calibri"/>
+              <a:ea typeface="Calibri"/>
+              <a:cs typeface="Calibri"/>
+              <a:sym typeface="Calibri"/>
+            </a:endParaRPr>
+          </a:p>
+          <a:p>
+            <a:endParaRPr lang="en-IN" sz="2000" u="sng" dirty="0">
               <a:solidFill>
                 <a:schemeClr val="hlink"/>
               </a:solidFill>
@@ -8190,17 +9025,10 @@
   <p:clrMapOvr>
     <a:masterClrMapping/>
   </p:clrMapOvr>
-  <p:timing>
-    <p:tnLst>
-      <p:par>
-        <p:cTn id="1" dur="indefinite" restart="never" nodeType="tmRoot"/>
-      </p:par>
-    </p:tnLst>
-  </p:timing>
 </p:sld>
 </file>
 
-<file path=ppt/slides/slide17.xml><?xml version="1.0" encoding="utf-8"?>
+<file path=ppt/slides/slide2.xml><?xml version="1.0" encoding="utf-8"?>
 <p:sld xmlns:a="http://schemas.openxmlformats.org/drawingml/2006/main" xmlns:r="http://schemas.openxmlformats.org/officeDocument/2006/relationships" xmlns:p="http://schemas.openxmlformats.org/presentationml/2006/main">
   <p:cSld>
     <p:spTree>
@@ -8235,6 +9063,142 @@
           <a:lstStyle/>
           <a:p>
             <a:r>
+              <a:rPr lang="en-IN" dirty="0"/>
+              <a:t>Jenkins</a:t>
+            </a:r>
+          </a:p>
+        </p:txBody>
+      </p:sp>
+      <p:sp>
+        <p:nvSpPr>
+          <p:cNvPr id="5" name="Content Placeholder 4"/>
+          <p:cNvSpPr>
+            <a:spLocks noGrp="1"/>
+          </p:cNvSpPr>
+          <p:nvPr>
+            <p:ph sz="quarter" idx="1"/>
+          </p:nvPr>
+        </p:nvSpPr>
+        <p:spPr/>
+        <p:txBody>
+          <a:bodyPr>
+            <a:normAutofit lnSpcReduction="10000"/>
+          </a:bodyPr>
+          <a:lstStyle/>
+          <a:p>
+            <a:pPr lvl="0"/>
+            <a:r>
+              <a:rPr lang="en-US" sz="2000" dirty="0"/>
+              <a:t>Jenkins helps organizations to speed up the software development process through automation. </a:t>
+            </a:r>
+          </a:p>
+          <a:p>
+            <a:pPr lvl="0"/>
+            <a:r>
+              <a:rPr lang="en-US" sz="2000" dirty="0"/>
+              <a:t>Jenkins adds development life-cycle processes of all kinds, including build, document, test, package, stage, deploy static analysis and much more.</a:t>
+            </a:r>
+          </a:p>
+          <a:p>
+            <a:r>
+              <a:rPr lang="en-US" sz="2000" dirty="0"/>
+              <a:t>Jenkins achieves CI (Continuous Integration) with the help of plugins. Plugins is used to allow the integration of various DevOps stages. If you want to integrate a particular tool, you have to install the plugins for that tool. For example: Msbuild,Maven 2 Project, Git, HTML Publisher, Amazon EC2, etc.</a:t>
+            </a:r>
+            <a:endParaRPr lang="en-IN" sz="2000" dirty="0">
+              <a:latin typeface="Calibri"/>
+              <a:ea typeface="Calibri"/>
+              <a:cs typeface="Calibri"/>
+              <a:sym typeface="Calibri"/>
+            </a:endParaRPr>
+          </a:p>
+          <a:p>
+            <a:r>
+              <a:rPr lang="en-IN" sz="2000" dirty="0">
+                <a:latin typeface="Calibri"/>
+                <a:ea typeface="Calibri"/>
+                <a:cs typeface="Calibri"/>
+                <a:sym typeface="Calibri"/>
+              </a:rPr>
+              <a:t>Jenkins will be installed on a server where the central build will take place.</a:t>
+            </a:r>
+            <a:endParaRPr lang="en-US" sz="2000" dirty="0">
+              <a:latin typeface="Calibri"/>
+              <a:ea typeface="Calibri"/>
+              <a:cs typeface="Calibri"/>
+              <a:sym typeface="Calibri"/>
+            </a:endParaRPr>
+          </a:p>
+          <a:p>
+            <a:r>
+              <a:rPr lang="en-US" sz="2000" dirty="0">
+                <a:latin typeface="Calibri"/>
+                <a:ea typeface="Calibri"/>
+                <a:cs typeface="Calibri"/>
+                <a:sym typeface="Calibri"/>
+              </a:rPr>
+              <a:t>Jenkins has many plugins for automating almost everything at the infrastructure level.</a:t>
+            </a:r>
+          </a:p>
+          <a:p>
+            <a:r>
+              <a:rPr lang="en-US" sz="2000" dirty="0">
+                <a:latin typeface="Calibri"/>
+                <a:ea typeface="Calibri"/>
+                <a:cs typeface="Calibri"/>
+                <a:sym typeface="Calibri"/>
+              </a:rPr>
+              <a:t>The use of Jenkins has widely increased rapidly due to a rich set of functionalities, which it provides in the form of plugins.</a:t>
+            </a:r>
+          </a:p>
+          <a:p>
+            <a:pPr lvl="0"/>
+            <a:endParaRPr lang="en-IN" sz="2000" dirty="0"/>
+          </a:p>
+        </p:txBody>
+      </p:sp>
+    </p:spTree>
+  </p:cSld>
+  <p:clrMapOvr>
+    <a:masterClrMapping/>
+  </p:clrMapOvr>
+</p:sld>
+</file>
+
+<file path=ppt/slides/slide20.xml><?xml version="1.0" encoding="utf-8"?>
+<p:sld xmlns:a="http://schemas.openxmlformats.org/drawingml/2006/main" xmlns:r="http://schemas.openxmlformats.org/officeDocument/2006/relationships" xmlns:p="http://schemas.openxmlformats.org/presentationml/2006/main">
+  <p:cSld>
+    <p:spTree>
+      <p:nvGrpSpPr>
+        <p:cNvPr id="1" name=""/>
+        <p:cNvGrpSpPr/>
+        <p:nvPr/>
+      </p:nvGrpSpPr>
+      <p:grpSpPr>
+        <a:xfrm>
+          <a:off x="0" y="0"/>
+          <a:ext cx="0" cy="0"/>
+          <a:chOff x="0" y="0"/>
+          <a:chExt cx="0" cy="0"/>
+        </a:xfrm>
+      </p:grpSpPr>
+      <p:sp>
+        <p:nvSpPr>
+          <p:cNvPr id="4" name="Title 3"/>
+          <p:cNvSpPr>
+            <a:spLocks noGrp="1"/>
+          </p:cNvSpPr>
+          <p:nvPr>
+            <p:ph type="title"/>
+          </p:nvPr>
+        </p:nvSpPr>
+        <p:spPr/>
+        <p:txBody>
+          <a:bodyPr>
+            <a:normAutofit/>
+          </a:bodyPr>
+          <a:lstStyle/>
+          <a:p>
+            <a:r>
               <a:rPr lang="en-US" dirty="0">
                 <a:solidFill>
                   <a:schemeClr val="dk1"/>
@@ -8279,22 +9243,10 @@
                 <a:cs typeface="Calibri"/>
                 <a:sym typeface="Calibri"/>
               </a:rPr>
-              <a:t>Create Item just like </a:t>
-            </a:r>
-            <a:r>
-              <a:rPr lang="en-IN" sz="2000" dirty="0" smtClean="0">
-                <a:solidFill>
-                  <a:schemeClr val="bg1">
-                    <a:lumMod val="50000"/>
-                  </a:schemeClr>
-                </a:solidFill>
-                <a:latin typeface="Calibri"/>
-                <a:ea typeface="Calibri"/>
-                <a:cs typeface="Calibri"/>
-                <a:sym typeface="Calibri"/>
-              </a:rPr>
-              <a:t>before, </a:t>
-            </a:r>
+              <a:t>Create Item just like before, now select Configure from left side.</a:t>
+            </a:r>
+          </a:p>
+          <a:p>
             <a:r>
               <a:rPr lang="en-IN" sz="2000" dirty="0">
                 <a:solidFill>
@@ -8307,7 +9259,7 @@
                 <a:cs typeface="Calibri"/>
                 <a:sym typeface="Calibri"/>
               </a:rPr>
-              <a:t>now select Configure from left side.</a:t>
+              <a:t>Now on the next web page, under “Source Code management” select “Git”</a:t>
             </a:r>
           </a:p>
           <a:p>
@@ -8323,51 +9275,7 @@
                 <a:cs typeface="Calibri"/>
                 <a:sym typeface="Calibri"/>
               </a:rPr>
-              <a:t>Now on the next web page, under “Source Code management” select “</a:t>
-            </a:r>
-            <a:r>
-              <a:rPr lang="en-IN" sz="2000" dirty="0" smtClean="0">
-                <a:solidFill>
-                  <a:schemeClr val="bg1">
-                    <a:lumMod val="50000"/>
-                  </a:schemeClr>
-                </a:solidFill>
-                <a:latin typeface="Calibri"/>
-                <a:ea typeface="Calibri"/>
-                <a:cs typeface="Calibri"/>
-                <a:sym typeface="Calibri"/>
-              </a:rPr>
-              <a:t>Git”</a:t>
-            </a:r>
-          </a:p>
-          <a:p>
-            <a:r>
-              <a:rPr lang="en-IN" sz="2000" dirty="0" smtClean="0">
-                <a:solidFill>
-                  <a:schemeClr val="bg1">
-                    <a:lumMod val="50000"/>
-                  </a:schemeClr>
-                </a:solidFill>
-                <a:latin typeface="Calibri"/>
-                <a:ea typeface="Calibri"/>
-                <a:cs typeface="Calibri"/>
-                <a:sym typeface="Calibri"/>
-              </a:rPr>
-              <a:t>This </a:t>
-            </a:r>
-            <a:r>
-              <a:rPr lang="en-IN" sz="2000" dirty="0">
-                <a:solidFill>
-                  <a:schemeClr val="bg1">
-                    <a:lumMod val="50000"/>
-                  </a:schemeClr>
-                </a:solidFill>
-                <a:latin typeface="Calibri"/>
-                <a:ea typeface="Calibri"/>
-                <a:cs typeface="Calibri"/>
-                <a:sym typeface="Calibri"/>
-              </a:rPr>
-              <a:t>option gets expanded, and asks for GIT repo URL</a:t>
+              <a:t>This option gets expanded, and asks for GIT repo URL</a:t>
             </a:r>
           </a:p>
           <a:p>
@@ -8395,7 +9303,7 @@
             </a:endParaRPr>
           </a:p>
           <a:p>
-            <a:endParaRPr lang="en-IN" sz="2000" u="sng" dirty="0" smtClean="0">
+            <a:endParaRPr lang="en-IN" sz="2000" u="sng" dirty="0">
               <a:solidFill>
                 <a:schemeClr val="hlink"/>
               </a:solidFill>
@@ -8484,17 +9392,10 @@
   <p:clrMapOvr>
     <a:masterClrMapping/>
   </p:clrMapOvr>
-  <p:timing>
-    <p:tnLst>
-      <p:par>
-        <p:cTn id="1" dur="indefinite" restart="never" nodeType="tmRoot"/>
-      </p:par>
-    </p:tnLst>
-  </p:timing>
 </p:sld>
 </file>
 
-<file path=ppt/slides/slide18.xml><?xml version="1.0" encoding="utf-8"?>
+<file path=ppt/slides/slide21.xml><?xml version="1.0" encoding="utf-8"?>
 <p:sld xmlns:a="http://schemas.openxmlformats.org/drawingml/2006/main" xmlns:r="http://schemas.openxmlformats.org/officeDocument/2006/relationships" xmlns:p="http://schemas.openxmlformats.org/presentationml/2006/main">
   <p:cSld>
     <p:spTree>
@@ -8573,38 +9474,10 @@
                 <a:cs typeface="Calibri"/>
                 <a:sym typeface="Calibri"/>
               </a:rPr>
-              <a:t>In Build Trigger, select Poll SCM, specify * * * * </a:t>
-            </a:r>
-            <a:r>
-              <a:rPr lang="en-IN" sz="2000" dirty="0" smtClean="0">
-                <a:solidFill>
-                  <a:schemeClr val="bg1">
-                    <a:lumMod val="50000"/>
-                  </a:schemeClr>
-                </a:solidFill>
-                <a:latin typeface="Calibri"/>
-                <a:ea typeface="Calibri"/>
-                <a:cs typeface="Calibri"/>
-                <a:sym typeface="Calibri"/>
-              </a:rPr>
-              <a:t>*</a:t>
-            </a:r>
-          </a:p>
-          <a:p>
-            <a:r>
-              <a:rPr lang="en-IN" sz="2000" dirty="0" smtClean="0">
-                <a:solidFill>
-                  <a:schemeClr val="bg1">
-                    <a:lumMod val="50000"/>
-                  </a:schemeClr>
-                </a:solidFill>
-                <a:latin typeface="Calibri"/>
-                <a:ea typeface="Calibri"/>
-                <a:cs typeface="Calibri"/>
-                <a:sym typeface="Calibri"/>
-              </a:rPr>
-              <a:t>Above </a:t>
-            </a:r>
+              <a:t>In Build Trigger, select Poll SCM, specify * * * * *</a:t>
+            </a:r>
+          </a:p>
+          <a:p>
             <a:r>
               <a:rPr lang="en-IN" sz="2000" dirty="0">
                 <a:solidFill>
@@ -8617,21 +9490,7 @@
                 <a:cs typeface="Calibri"/>
                 <a:sym typeface="Calibri"/>
               </a:rPr>
-              <a:t>indicates that SCM need to be polled for every one minute, for changes. Once Jenkins Job finds changes, build is initiated</a:t>
-            </a:r>
-            <a:r>
-              <a:rPr lang="en-IN" sz="2000" dirty="0" smtClean="0">
-                <a:solidFill>
-                  <a:schemeClr val="bg1">
-                    <a:lumMod val="50000"/>
-                  </a:schemeClr>
-                </a:solidFill>
-                <a:latin typeface="Calibri"/>
-                <a:ea typeface="Calibri"/>
-                <a:cs typeface="Calibri"/>
-                <a:sym typeface="Calibri"/>
-              </a:rPr>
-              <a:t>.</a:t>
+              <a:t>Above indicates that SCM need to be polled for every one minute, for changes. Once Jenkins Job finds changes, build is initiated.</a:t>
             </a:r>
           </a:p>
           <a:p>
@@ -8683,7 +9542,7 @@
             </a:endParaRPr>
           </a:p>
           <a:p>
-            <a:endParaRPr lang="en-IN" sz="2000" u="sng" dirty="0" smtClean="0">
+            <a:endParaRPr lang="en-IN" sz="2000" u="sng" dirty="0">
               <a:solidFill>
                 <a:schemeClr val="hlink"/>
               </a:solidFill>
@@ -8772,17 +9631,10 @@
   <p:clrMapOvr>
     <a:masterClrMapping/>
   </p:clrMapOvr>
-  <p:timing>
-    <p:tnLst>
-      <p:par>
-        <p:cTn id="1" dur="indefinite" restart="never" nodeType="tmRoot"/>
-      </p:par>
-    </p:tnLst>
-  </p:timing>
 </p:sld>
 </file>
 
-<file path=ppt/slides/slide19.xml><?xml version="1.0" encoding="utf-8"?>
+<file path=ppt/slides/slide22.xml><?xml version="1.0" encoding="utf-8"?>
 <p:sld xmlns:a="http://schemas.openxmlformats.org/drawingml/2006/main" xmlns:r="http://schemas.openxmlformats.org/officeDocument/2006/relationships" xmlns:p="http://schemas.openxmlformats.org/presentationml/2006/main">
   <p:cSld>
     <p:spTree>
@@ -8861,22 +9713,10 @@
                 <a:cs typeface="Calibri"/>
                 <a:sym typeface="Calibri"/>
               </a:rPr>
-              <a:t>In Build </a:t>
-            </a:r>
-            <a:r>
-              <a:rPr lang="en-IN" sz="2000" dirty="0" smtClean="0">
-                <a:solidFill>
-                  <a:schemeClr val="bg1">
-                    <a:lumMod val="50000"/>
-                  </a:schemeClr>
-                </a:solidFill>
-                <a:latin typeface="Calibri"/>
-                <a:ea typeface="Calibri"/>
-                <a:cs typeface="Calibri"/>
-                <a:sym typeface="Calibri"/>
-              </a:rPr>
-              <a:t>Environment, </a:t>
-            </a:r>
+              <a:t>In Build Environment, select Delete work space before build starts</a:t>
+            </a:r>
+          </a:p>
+          <a:p>
             <a:r>
               <a:rPr lang="en-IN" sz="2000" dirty="0">
                 <a:solidFill>
@@ -8889,65 +9729,7 @@
                 <a:cs typeface="Calibri"/>
                 <a:sym typeface="Calibri"/>
               </a:rPr>
-              <a:t>select </a:t>
-            </a:r>
-            <a:r>
-              <a:rPr lang="en-IN" sz="2000" dirty="0" smtClean="0">
-                <a:solidFill>
-                  <a:schemeClr val="bg1">
-                    <a:lumMod val="50000"/>
-                  </a:schemeClr>
-                </a:solidFill>
-                <a:latin typeface="Calibri"/>
-                <a:ea typeface="Calibri"/>
-                <a:cs typeface="Calibri"/>
-                <a:sym typeface="Calibri"/>
-              </a:rPr>
-              <a:t>Delete work space before build starts</a:t>
-            </a:r>
-          </a:p>
-          <a:p>
-            <a:r>
-              <a:rPr lang="en-IN" sz="2000" dirty="0" smtClean="0">
-                <a:solidFill>
-                  <a:schemeClr val="bg1">
-                    <a:lumMod val="50000"/>
-                  </a:schemeClr>
-                </a:solidFill>
-                <a:latin typeface="Calibri"/>
-                <a:ea typeface="Calibri"/>
-                <a:cs typeface="Calibri"/>
-                <a:sym typeface="Calibri"/>
-              </a:rPr>
-              <a:t>Above </a:t>
-            </a:r>
-            <a:r>
-              <a:rPr lang="en-IN" sz="2000" dirty="0">
-                <a:solidFill>
-                  <a:schemeClr val="bg1">
-                    <a:lumMod val="50000"/>
-                  </a:schemeClr>
-                </a:solidFill>
-                <a:latin typeface="Calibri"/>
-                <a:ea typeface="Calibri"/>
-                <a:cs typeface="Calibri"/>
-                <a:sym typeface="Calibri"/>
-              </a:rPr>
-              <a:t>indicates that </a:t>
-            </a:r>
-            <a:r>
-              <a:rPr lang="en-IN" sz="2000" dirty="0" smtClean="0">
-                <a:solidFill>
-                  <a:schemeClr val="bg1">
-                    <a:lumMod val="50000"/>
-                  </a:schemeClr>
-                </a:solidFill>
-                <a:latin typeface="Calibri"/>
-                <a:ea typeface="Calibri"/>
-                <a:cs typeface="Calibri"/>
-                <a:sym typeface="Calibri"/>
-              </a:rPr>
-              <a:t>work space is deleted before build starts.</a:t>
+              <a:t>Above indicates that work space is deleted before build starts.</a:t>
             </a:r>
           </a:p>
           <a:p>
@@ -8999,7 +9781,7 @@
             </a:endParaRPr>
           </a:p>
           <a:p>
-            <a:endParaRPr lang="en-IN" sz="2000" u="sng" dirty="0" smtClean="0">
+            <a:endParaRPr lang="en-IN" sz="2000" u="sng" dirty="0">
               <a:solidFill>
                 <a:schemeClr val="hlink"/>
               </a:solidFill>
@@ -9088,17 +9870,10 @@
   <p:clrMapOvr>
     <a:masterClrMapping/>
   </p:clrMapOvr>
-  <p:timing>
-    <p:tnLst>
-      <p:par>
-        <p:cTn id="1" dur="indefinite" restart="never" nodeType="tmRoot"/>
-      </p:par>
-    </p:tnLst>
-  </p:timing>
 </p:sld>
 </file>
 
-<file path=ppt/slides/slide2.xml><?xml version="1.0" encoding="utf-8"?>
+<file path=ppt/slides/slide23.xml><?xml version="1.0" encoding="utf-8"?>
 <p:sld xmlns:a="http://schemas.openxmlformats.org/drawingml/2006/main" xmlns:r="http://schemas.openxmlformats.org/officeDocument/2006/relationships" xmlns:p="http://schemas.openxmlformats.org/presentationml/2006/main">
   <p:cSld>
     <p:spTree>
@@ -9133,112 +9908,6 @@
           <a:lstStyle/>
           <a:p>
             <a:r>
-              <a:rPr lang="en-US" b="1" dirty="0">
-                <a:latin typeface="Calibri" pitchFamily="34" charset="0"/>
-                <a:cs typeface="Calibri" pitchFamily="34" charset="0"/>
-              </a:rPr>
-              <a:t>Continuous Integration</a:t>
-            </a:r>
-            <a:endParaRPr lang="en-IN" dirty="0"/>
-          </a:p>
-        </p:txBody>
-      </p:sp>
-      <p:pic>
-        <p:nvPicPr>
-          <p:cNvPr id="2050" name="Picture 2" descr="C:\Users\SANTHOSH\Desktop\1_kUQVUFkZrD8bacC4tbiwNA.png"/>
-          <p:cNvPicPr>
-            <a:picLocks noChangeAspect="1" noChangeArrowheads="1"/>
-          </p:cNvPicPr>
-          <p:nvPr/>
-        </p:nvPicPr>
-        <p:blipFill>
-          <a:blip r:embed="rId3">
-            <a:extLst>
-              <a:ext uri="{28A0092B-C50C-407E-A947-70E740481C1C}">
-                <a14:useLocalDpi xmlns:a14="http://schemas.microsoft.com/office/drawing/2010/main" val="0"/>
-              </a:ext>
-            </a:extLst>
-          </a:blip>
-          <a:srcRect/>
-          <a:stretch>
-            <a:fillRect/>
-          </a:stretch>
-        </p:blipFill>
-        <p:spPr bwMode="auto">
-          <a:xfrm>
-            <a:off x="798287" y="1928813"/>
-            <a:ext cx="8104050" cy="4090987"/>
-          </a:xfrm>
-          <a:prstGeom prst="rect">
-            <a:avLst/>
-          </a:prstGeom>
-          <a:noFill/>
-          <a:extLst>
-            <a:ext uri="{909E8E84-426E-40DD-AFC4-6F175D3DCCD1}">
-              <a14:hiddenFill xmlns:a14="http://schemas.microsoft.com/office/drawing/2010/main">
-                <a:solidFill>
-                  <a:srgbClr val="FFFFFF"/>
-                </a:solidFill>
-              </a14:hiddenFill>
-            </a:ext>
-          </a:extLst>
-        </p:spPr>
-      </p:pic>
-    </p:spTree>
-    <p:extLst>
-      <p:ext uri="{BB962C8B-B14F-4D97-AF65-F5344CB8AC3E}">
-        <p14:creationId xmlns:p14="http://schemas.microsoft.com/office/powerpoint/2010/main" val="2782204433"/>
-      </p:ext>
-    </p:extLst>
-  </p:cSld>
-  <p:clrMapOvr>
-    <a:masterClrMapping/>
-  </p:clrMapOvr>
-  <p:timing>
-    <p:tnLst>
-      <p:par>
-        <p:cTn id="1" dur="indefinite" restart="never" nodeType="tmRoot"/>
-      </p:par>
-    </p:tnLst>
-  </p:timing>
-</p:sld>
-</file>
-
-<file path=ppt/slides/slide20.xml><?xml version="1.0" encoding="utf-8"?>
-<p:sld xmlns:a="http://schemas.openxmlformats.org/drawingml/2006/main" xmlns:r="http://schemas.openxmlformats.org/officeDocument/2006/relationships" xmlns:p="http://schemas.openxmlformats.org/presentationml/2006/main">
-  <p:cSld>
-    <p:spTree>
-      <p:nvGrpSpPr>
-        <p:cNvPr id="1" name=""/>
-        <p:cNvGrpSpPr/>
-        <p:nvPr/>
-      </p:nvGrpSpPr>
-      <p:grpSpPr>
-        <a:xfrm>
-          <a:off x="0" y="0"/>
-          <a:ext cx="0" cy="0"/>
-          <a:chOff x="0" y="0"/>
-          <a:chExt cx="0" cy="0"/>
-        </a:xfrm>
-      </p:grpSpPr>
-      <p:sp>
-        <p:nvSpPr>
-          <p:cNvPr id="4" name="Title 3"/>
-          <p:cNvSpPr>
-            <a:spLocks noGrp="1"/>
-          </p:cNvSpPr>
-          <p:nvPr>
-            <p:ph type="title"/>
-          </p:nvPr>
-        </p:nvSpPr>
-        <p:spPr/>
-        <p:txBody>
-          <a:bodyPr>
-            <a:normAutofit/>
-          </a:bodyPr>
-          <a:lstStyle/>
-          <a:p>
-            <a:r>
               <a:rPr lang="en-IN" b="1" dirty="0"/>
               <a:t>Jenkins Pipeline</a:t>
             </a:r>
@@ -9326,17 +9995,7 @@
                   </a:schemeClr>
                 </a:solidFill>
               </a:rPr>
-              <a:t>In a Jenkins pipeline, every job or event has some sort of dependency on at least one or more events</a:t>
-            </a:r>
-            <a:r>
-              <a:rPr lang="en-IN" sz="1900" dirty="0" smtClean="0">
-                <a:solidFill>
-                  <a:schemeClr val="bg1">
-                    <a:lumMod val="50000"/>
-                  </a:schemeClr>
-                </a:solidFill>
-              </a:rPr>
-              <a:t>.</a:t>
+              <a:t>In a Jenkins pipeline, every job or event has some sort of dependency on at least one or more events.</a:t>
             </a:r>
           </a:p>
           <a:p>
@@ -9349,7 +10008,7 @@
             </a:endParaRPr>
           </a:p>
           <a:p>
-            <a:endParaRPr lang="en-IN" sz="1900" dirty="0" smtClean="0">
+            <a:endParaRPr lang="en-IN" sz="1900" dirty="0">
               <a:solidFill>
                 <a:schemeClr val="bg1">
                   <a:lumMod val="50000"/>
@@ -9379,7 +10038,7 @@
             </a:r>
           </a:p>
           <a:p>
-            <a:endParaRPr lang="en-IN" sz="1900" dirty="0" smtClean="0">
+            <a:endParaRPr lang="en-IN" sz="1900" dirty="0">
               <a:solidFill>
                 <a:schemeClr val="bg1">
                   <a:lumMod val="50000"/>
@@ -9447,17 +10106,10 @@
   <p:clrMapOvr>
     <a:masterClrMapping/>
   </p:clrMapOvr>
-  <p:timing>
-    <p:tnLst>
-      <p:par>
-        <p:cTn id="1" dur="indefinite" restart="never" nodeType="tmRoot"/>
-      </p:par>
-    </p:tnLst>
-  </p:timing>
 </p:sld>
 </file>
 
-<file path=ppt/slides/slide21.xml><?xml version="1.0" encoding="utf-8"?>
+<file path=ppt/slides/slide24.xml><?xml version="1.0" encoding="utf-8"?>
 <p:sld xmlns:a="http://schemas.openxmlformats.org/drawingml/2006/main" xmlns:r="http://schemas.openxmlformats.org/officeDocument/2006/relationships" xmlns:p="http://schemas.openxmlformats.org/presentationml/2006/main">
   <p:cSld>
     <p:spTree>
@@ -9620,7 +10272,7 @@
             </a:r>
           </a:p>
           <a:p>
-            <a:endParaRPr lang="en-IN" sz="1900" dirty="0" smtClean="0">
+            <a:endParaRPr lang="en-IN" sz="1900" dirty="0">
               <a:solidFill>
                 <a:schemeClr val="bg1">
                   <a:lumMod val="50000"/>
@@ -9653,17 +10305,10 @@
   <p:clrMapOvr>
     <a:masterClrMapping/>
   </p:clrMapOvr>
-  <p:timing>
-    <p:tnLst>
-      <p:par>
-        <p:cTn id="1" dur="indefinite" restart="never" nodeType="tmRoot"/>
-      </p:par>
-    </p:tnLst>
-  </p:timing>
 </p:sld>
 </file>
 
-<file path=ppt/slides/slide22.xml><?xml version="1.0" encoding="utf-8"?>
+<file path=ppt/slides/slide25.xml><?xml version="1.0" encoding="utf-8"?>
 <p:sld xmlns:a="http://schemas.openxmlformats.org/drawingml/2006/main" xmlns:r="http://schemas.openxmlformats.org/officeDocument/2006/relationships" xmlns:p="http://schemas.openxmlformats.org/presentationml/2006/main">
   <p:cSld>
     <p:spTree>
@@ -9721,7 +10366,7 @@
           </a:bodyPr>
           <a:lstStyle/>
           <a:p>
-            <a:endParaRPr lang="en-IN" sz="1900" dirty="0" smtClean="0">
+            <a:endParaRPr lang="en-IN" sz="1900" dirty="0">
               <a:solidFill>
                 <a:schemeClr val="bg1">
                   <a:lumMod val="50000"/>
@@ -9789,13 +10434,6 @@
   <p:clrMapOvr>
     <a:masterClrMapping/>
   </p:clrMapOvr>
-  <p:timing>
-    <p:tnLst>
-      <p:par>
-        <p:cTn id="1" dur="indefinite" restart="never" nodeType="tmRoot"/>
-      </p:par>
-    </p:tnLst>
-  </p:timing>
 </p:sld>
 </file>
 
@@ -9834,10 +10472,9 @@
           <a:lstStyle/>
           <a:p>
             <a:r>
-              <a:rPr lang="en-IN" dirty="0" smtClean="0"/>
-              <a:t>Jenkins</a:t>
-            </a:r>
-            <a:endParaRPr lang="en-IN" dirty="0"/>
+              <a:rPr lang="en-IN" dirty="0"/>
+              <a:t>Benefits of Using Jenkins</a:t>
+            </a:r>
           </a:p>
         </p:txBody>
       </p:sp>
@@ -9854,180 +10491,969 @@
         <p:spPr/>
         <p:txBody>
           <a:bodyPr>
-            <a:normAutofit fontScale="92500"/>
+            <a:normAutofit/>
           </a:bodyPr>
           <a:lstStyle/>
           <a:p>
             <a:r>
-              <a:rPr lang="en-US" sz="2100" dirty="0" smtClean="0">
-                <a:latin typeface="Calibri" pitchFamily="34" charset="0"/>
-                <a:cs typeface="Calibri" pitchFamily="34" charset="0"/>
-              </a:rPr>
-              <a:t>Jenkins is an open source automation tool that allows continuous integration. </a:t>
-            </a:r>
-            <a:endParaRPr lang="en-US" sz="2100" u="sng" dirty="0" smtClean="0">
-              <a:latin typeface="Calibri" pitchFamily="34" charset="0"/>
-              <a:ea typeface="Calibri"/>
-              <a:cs typeface="Calibri" pitchFamily="34" charset="0"/>
-              <a:sym typeface="Calibri"/>
-              <a:hlinkClick r:id="rId3"/>
-            </a:endParaRPr>
-          </a:p>
-          <a:p>
-            <a:r>
-              <a:rPr lang="en-US" sz="2100" u="sng" dirty="0" smtClean="0">
-                <a:latin typeface="Calibri" pitchFamily="34" charset="0"/>
-                <a:ea typeface="Calibri"/>
-                <a:cs typeface="Calibri" pitchFamily="34" charset="0"/>
-                <a:sym typeface="Calibri"/>
-                <a:hlinkClick r:id="rId3"/>
-              </a:rPr>
-              <a:t>Jenkins</a:t>
-            </a:r>
-            <a:r>
-              <a:rPr lang="en-US" sz="2100" dirty="0">
-                <a:latin typeface="Calibri" pitchFamily="34" charset="0"/>
-                <a:ea typeface="Calibri"/>
-                <a:cs typeface="Calibri" pitchFamily="34" charset="0"/>
-                <a:sym typeface="Calibri"/>
-              </a:rPr>
-              <a:t> is one of the most popular tools for </a:t>
-            </a:r>
-            <a:r>
-              <a:rPr lang="en-US" sz="2100" dirty="0" smtClean="0">
-                <a:latin typeface="Calibri" pitchFamily="34" charset="0"/>
-                <a:ea typeface="Calibri"/>
-                <a:cs typeface="Calibri" pitchFamily="34" charset="0"/>
-                <a:sym typeface="Calibri"/>
-              </a:rPr>
-              <a:t> performing continuous </a:t>
-            </a:r>
-            <a:r>
-              <a:rPr lang="en-US" sz="2100" dirty="0">
-                <a:latin typeface="Calibri" pitchFamily="34" charset="0"/>
-                <a:ea typeface="Calibri"/>
-                <a:cs typeface="Calibri" pitchFamily="34" charset="0"/>
-                <a:sym typeface="Calibri"/>
-              </a:rPr>
-              <a:t>integration and continuous delivery </a:t>
-            </a:r>
-            <a:r>
-              <a:rPr lang="en-US" sz="2100" dirty="0" smtClean="0">
-                <a:latin typeface="Calibri" pitchFamily="34" charset="0"/>
-                <a:ea typeface="Calibri"/>
-                <a:cs typeface="Calibri" pitchFamily="34" charset="0"/>
-                <a:sym typeface="Calibri"/>
-              </a:rPr>
-              <a:t>of software projects on </a:t>
-            </a:r>
-            <a:r>
-              <a:rPr lang="en-US" sz="2100" dirty="0">
-                <a:latin typeface="Calibri" pitchFamily="34" charset="0"/>
-                <a:ea typeface="Calibri"/>
-                <a:cs typeface="Calibri" pitchFamily="34" charset="0"/>
-                <a:sym typeface="Calibri"/>
-              </a:rPr>
-              <a:t>any platform</a:t>
-            </a:r>
-            <a:r>
-              <a:rPr lang="en-US" sz="2100" dirty="0" smtClean="0">
-                <a:latin typeface="Calibri" pitchFamily="34" charset="0"/>
-                <a:ea typeface="Calibri"/>
-                <a:cs typeface="Calibri" pitchFamily="34" charset="0"/>
-                <a:sym typeface="Calibri"/>
-              </a:rPr>
-              <a:t>.</a:t>
-            </a:r>
-          </a:p>
-          <a:p>
-            <a:r>
-              <a:rPr lang="en-US" sz="2100" dirty="0" smtClean="0">
-                <a:latin typeface="Calibri" pitchFamily="34" charset="0"/>
-                <a:ea typeface="Calibri"/>
-                <a:cs typeface="Calibri" pitchFamily="34" charset="0"/>
-                <a:sym typeface="Calibri"/>
-              </a:rPr>
-              <a:t>Jenkins is on of the DevOps Tool</a:t>
-            </a:r>
-          </a:p>
-          <a:p>
-            <a:r>
-              <a:rPr lang="en-US" sz="2100" dirty="0">
-                <a:latin typeface="Calibri" pitchFamily="34" charset="0"/>
-                <a:ea typeface="Calibri"/>
-                <a:cs typeface="Calibri" pitchFamily="34" charset="0"/>
-                <a:sym typeface="Calibri"/>
-              </a:rPr>
-              <a:t> Jenkins builds, tests and deploy software projects, which continuously making it easier for developers to integrate changes to the project, and making it easier for users to obtain a fresh build.</a:t>
-            </a:r>
-            <a:endParaRPr lang="en-IN" sz="2100" dirty="0">
-              <a:latin typeface="Calibri" pitchFamily="34" charset="0"/>
-              <a:ea typeface="Calibri"/>
-              <a:cs typeface="Calibri" pitchFamily="34" charset="0"/>
-              <a:sym typeface="Calibri"/>
-            </a:endParaRPr>
-          </a:p>
-          <a:p>
-            <a:pPr lvl="0"/>
-            <a:r>
-              <a:rPr lang="en-US" sz="2100" dirty="0">
-                <a:latin typeface="Calibri" pitchFamily="34" charset="0"/>
-                <a:cs typeface="Calibri" pitchFamily="34" charset="0"/>
-              </a:rPr>
-              <a:t>It also allows us to continuously deliver our software by integrating with a large number of testing and deployment technologies.</a:t>
-            </a:r>
-          </a:p>
-          <a:p>
-            <a:r>
-              <a:rPr lang="en-US" sz="2100" dirty="0">
-                <a:latin typeface="Calibri" pitchFamily="34" charset="0"/>
-                <a:cs typeface="Calibri" pitchFamily="34" charset="0"/>
-              </a:rPr>
-              <a:t>Jenkins offers a straightforward way to set up a continuous integration or continuous delivery environment for almost any combination of languages and source code repositories(GIT,SVN,TFS), as well as automating other routine development tasks(build, test ,deployment).</a:t>
-            </a:r>
-          </a:p>
-          <a:p>
-            <a:pPr lvl="0"/>
-            <a:endParaRPr lang="en-IN" sz="2000" dirty="0"/>
-          </a:p>
-          <a:p>
-            <a:endParaRPr lang="en-US" sz="2100" dirty="0" smtClean="0">
-              <a:latin typeface="Calibri" pitchFamily="34" charset="0"/>
-              <a:ea typeface="Calibri"/>
-              <a:cs typeface="Calibri" pitchFamily="34" charset="0"/>
-              <a:sym typeface="Calibri"/>
-            </a:endParaRPr>
-          </a:p>
-          <a:p>
-            <a:endParaRPr lang="en-US" sz="2100" dirty="0" smtClean="0">
-              <a:latin typeface="Calibri" pitchFamily="34" charset="0"/>
-              <a:ea typeface="Calibri"/>
-              <a:cs typeface="Calibri" pitchFamily="34" charset="0"/>
-              <a:sym typeface="Calibri"/>
-            </a:endParaRPr>
-          </a:p>
-          <a:p>
-            <a:pPr lvl="0"/>
-            <a:endParaRPr lang="en-IN" sz="2000" dirty="0"/>
+              <a:rPr lang="en-US" sz="2000" dirty="0"/>
+              <a:t>It is an open source tool and widely used.</a:t>
+            </a:r>
+          </a:p>
+          <a:p>
+            <a:r>
+              <a:rPr lang="en-US" sz="2000" dirty="0"/>
+              <a:t>Easily configurable.</a:t>
+            </a:r>
+          </a:p>
+          <a:p>
+            <a:r>
+              <a:rPr lang="en-US" sz="2000" dirty="0"/>
+              <a:t>It supports 1000 or more plugins to ease your work</a:t>
+            </a:r>
+          </a:p>
+          <a:p>
+            <a:r>
+              <a:rPr lang="en-US" sz="2000" dirty="0"/>
+              <a:t>It is platform independent. It is available for all platforms and different operating systems. Like OS X, Windows or Linux.</a:t>
+            </a:r>
+          </a:p>
+          <a:p>
+            <a:r>
+              <a:rPr lang="en-US" sz="2000" dirty="0"/>
+              <a:t>Automates repetitive tasks</a:t>
+            </a:r>
+          </a:p>
+          <a:p>
+            <a:r>
+              <a:rPr lang="en-US" sz="2000" dirty="0"/>
+              <a:t>Increases development speed and confidence</a:t>
+            </a:r>
+          </a:p>
+          <a:p>
+            <a:r>
+              <a:rPr lang="en-US" sz="2000" dirty="0"/>
+              <a:t>Works with nearly any language or tech stack</a:t>
+            </a:r>
+          </a:p>
+          <a:p>
+            <a:r>
+              <a:rPr lang="en-US" sz="2000" dirty="0"/>
+              <a:t>Reduces integration issues through early feedback</a:t>
+            </a:r>
           </a:p>
         </p:txBody>
       </p:sp>
     </p:spTree>
+    <p:extLst>
+      <p:ext uri="{BB962C8B-B14F-4D97-AF65-F5344CB8AC3E}">
+        <p14:creationId xmlns:p14="http://schemas.microsoft.com/office/powerpoint/2010/main" val="3733590887"/>
+      </p:ext>
+    </p:extLst>
   </p:cSld>
   <p:clrMapOvr>
     <a:masterClrMapping/>
   </p:clrMapOvr>
-  <p:timing>
-    <p:tnLst>
-      <p:par>
-        <p:cTn id="1" dur="indefinite" restart="never" nodeType="tmRoot"/>
-      </p:par>
-    </p:tnLst>
-  </p:timing>
 </p:sld>
 </file>
 
 <file path=ppt/slides/slide4.xml><?xml version="1.0" encoding="utf-8"?>
+<p:sld xmlns:a="http://schemas.openxmlformats.org/drawingml/2006/main" xmlns:r="http://schemas.openxmlformats.org/officeDocument/2006/relationships" xmlns:p="http://schemas.openxmlformats.org/presentationml/2006/main">
+  <p:cSld>
+    <p:spTree>
+      <p:nvGrpSpPr>
+        <p:cNvPr id="1" name="">
+          <a:extLst>
+            <a:ext uri="{FF2B5EF4-FFF2-40B4-BE49-F238E27FC236}">
+              <a16:creationId xmlns:a16="http://schemas.microsoft.com/office/drawing/2014/main" id="{1A5C1143-BBFC-78B2-8F2D-3B93E5F5CA17}"/>
+            </a:ext>
+          </a:extLst>
+        </p:cNvPr>
+        <p:cNvGrpSpPr/>
+        <p:nvPr/>
+      </p:nvGrpSpPr>
+      <p:grpSpPr>
+        <a:xfrm>
+          <a:off x="0" y="0"/>
+          <a:ext cx="0" cy="0"/>
+          <a:chOff x="0" y="0"/>
+          <a:chExt cx="0" cy="0"/>
+        </a:xfrm>
+      </p:grpSpPr>
+      <p:sp>
+        <p:nvSpPr>
+          <p:cNvPr id="4" name="Title 3">
+            <a:extLst>
+              <a:ext uri="{FF2B5EF4-FFF2-40B4-BE49-F238E27FC236}">
+                <a16:creationId xmlns:a16="http://schemas.microsoft.com/office/drawing/2014/main" id="{FD665BB1-42B9-B0D0-30E2-AA4F25C734D7}"/>
+              </a:ext>
+            </a:extLst>
+          </p:cNvPr>
+          <p:cNvSpPr>
+            <a:spLocks noGrp="1"/>
+          </p:cNvSpPr>
+          <p:nvPr>
+            <p:ph type="title"/>
+          </p:nvPr>
+        </p:nvSpPr>
+        <p:spPr/>
+        <p:txBody>
+          <a:bodyPr>
+            <a:normAutofit/>
+          </a:bodyPr>
+          <a:lstStyle/>
+          <a:p>
+            <a:r>
+              <a:rPr lang="en-IN" dirty="0"/>
+              <a:t>Key Features of Jenkins</a:t>
+            </a:r>
+          </a:p>
+        </p:txBody>
+      </p:sp>
+      <p:graphicFrame>
+        <p:nvGraphicFramePr>
+          <p:cNvPr id="3" name="Content Placeholder 2">
+            <a:extLst>
+              <a:ext uri="{FF2B5EF4-FFF2-40B4-BE49-F238E27FC236}">
+                <a16:creationId xmlns:a16="http://schemas.microsoft.com/office/drawing/2014/main" id="{AC6C00E1-F618-FF37-71AB-7EB0CD846EF9}"/>
+              </a:ext>
+            </a:extLst>
+          </p:cNvPr>
+          <p:cNvGraphicFramePr>
+            <a:graphicFrameLocks noGrp="1"/>
+          </p:cNvGraphicFramePr>
+          <p:nvPr>
+            <p:ph sz="quarter" idx="1"/>
+            <p:extLst>
+              <p:ext uri="{D42A27DB-BD31-4B8C-83A1-F6EECF244321}">
+                <p14:modId xmlns:p14="http://schemas.microsoft.com/office/powerpoint/2010/main" val="3920566802"/>
+              </p:ext>
+            </p:extLst>
+          </p:nvPr>
+        </p:nvGraphicFramePr>
+        <p:xfrm>
+          <a:off x="381000" y="1600200"/>
+          <a:ext cx="8385174" cy="4800601"/>
+        </p:xfrm>
+        <a:graphic>
+          <a:graphicData uri="http://schemas.openxmlformats.org/drawingml/2006/table">
+            <a:tbl>
+              <a:tblPr firstRow="1" bandRow="1">
+                <a:tableStyleId>{5C22544A-7EE6-4342-B048-85BDC9FD1C3A}</a:tableStyleId>
+              </a:tblPr>
+              <a:tblGrid>
+                <a:gridCol w="2667000">
+                  <a:extLst>
+                    <a:ext uri="{9D8B030D-6E8A-4147-A177-3AD203B41FA5}">
+                      <a16:colId xmlns:a16="http://schemas.microsoft.com/office/drawing/2014/main" val="3838092468"/>
+                    </a:ext>
+                  </a:extLst>
+                </a:gridCol>
+                <a:gridCol w="5718174">
+                  <a:extLst>
+                    <a:ext uri="{9D8B030D-6E8A-4147-A177-3AD203B41FA5}">
+                      <a16:colId xmlns:a16="http://schemas.microsoft.com/office/drawing/2014/main" val="1687698308"/>
+                    </a:ext>
+                  </a:extLst>
+                </a:gridCol>
+              </a:tblGrid>
+              <a:tr h="451603">
+                <a:tc>
+                  <a:txBody>
+                    <a:bodyPr/>
+                    <a:lstStyle/>
+                    <a:p>
+                      <a:r>
+                        <a:rPr lang="en-US" dirty="0"/>
+                        <a:t>Feature</a:t>
+                      </a:r>
+                    </a:p>
+                  </a:txBody>
+                  <a:tcPr anchor="ctr"/>
+                </a:tc>
+                <a:tc>
+                  <a:txBody>
+                    <a:bodyPr/>
+                    <a:lstStyle/>
+                    <a:p>
+                      <a:r>
+                        <a:rPr lang="en-US"/>
+                        <a:t>Description</a:t>
+                      </a:r>
+                    </a:p>
+                  </a:txBody>
+                  <a:tcPr anchor="ctr"/>
+                </a:tc>
+                <a:extLst>
+                  <a:ext uri="{0D108BD9-81ED-4DB2-BD59-A6C34878D82A}">
+                    <a16:rowId xmlns:a16="http://schemas.microsoft.com/office/drawing/2014/main" val="371132112"/>
+                  </a:ext>
+                </a:extLst>
+              </a:tr>
+              <a:tr h="451603">
+                <a:tc>
+                  <a:txBody>
+                    <a:bodyPr/>
+                    <a:lstStyle/>
+                    <a:p>
+                      <a:r>
+                        <a:rPr lang="en-US" b="1"/>
+                        <a:t>Open Source</a:t>
+                      </a:r>
+                      <a:endParaRPr lang="en-US"/>
+                    </a:p>
+                  </a:txBody>
+                  <a:tcPr anchor="ctr"/>
+                </a:tc>
+                <a:tc>
+                  <a:txBody>
+                    <a:bodyPr/>
+                    <a:lstStyle/>
+                    <a:p>
+                      <a:r>
+                        <a:rPr lang="en-US"/>
+                        <a:t>Free to use, with a large plugin ecosystem.</a:t>
+                      </a:r>
+                    </a:p>
+                  </a:txBody>
+                  <a:tcPr anchor="ctr"/>
+                </a:tc>
+                <a:extLst>
+                  <a:ext uri="{0D108BD9-81ED-4DB2-BD59-A6C34878D82A}">
+                    <a16:rowId xmlns:a16="http://schemas.microsoft.com/office/drawing/2014/main" val="1543512959"/>
+                  </a:ext>
+                </a:extLst>
+              </a:tr>
+              <a:tr h="779479">
+                <a:tc>
+                  <a:txBody>
+                    <a:bodyPr/>
+                    <a:lstStyle/>
+                    <a:p>
+                      <a:r>
+                        <a:rPr lang="en-US" b="1"/>
+                        <a:t>Extensible</a:t>
+                      </a:r>
+                      <a:endParaRPr lang="en-US"/>
+                    </a:p>
+                  </a:txBody>
+                  <a:tcPr anchor="ctr"/>
+                </a:tc>
+                <a:tc>
+                  <a:txBody>
+                    <a:bodyPr/>
+                    <a:lstStyle/>
+                    <a:p>
+                      <a:r>
+                        <a:rPr lang="en-US"/>
+                        <a:t>Over 1,800 plugins to integrate with tools like Git, Docker, Maven, etc.</a:t>
+                      </a:r>
+                    </a:p>
+                  </a:txBody>
+                  <a:tcPr anchor="ctr"/>
+                </a:tc>
+                <a:extLst>
+                  <a:ext uri="{0D108BD9-81ED-4DB2-BD59-A6C34878D82A}">
+                    <a16:rowId xmlns:a16="http://schemas.microsoft.com/office/drawing/2014/main" val="1116306870"/>
+                  </a:ext>
+                </a:extLst>
+              </a:tr>
+              <a:tr h="779479">
+                <a:tc>
+                  <a:txBody>
+                    <a:bodyPr/>
+                    <a:lstStyle/>
+                    <a:p>
+                      <a:r>
+                        <a:rPr lang="en-US" b="1"/>
+                        <a:t>Cross-platform</a:t>
+                      </a:r>
+                      <a:endParaRPr lang="en-US"/>
+                    </a:p>
+                  </a:txBody>
+                  <a:tcPr anchor="ctr"/>
+                </a:tc>
+                <a:tc>
+                  <a:txBody>
+                    <a:bodyPr/>
+                    <a:lstStyle/>
+                    <a:p>
+                      <a:r>
+                        <a:rPr lang="en-US"/>
+                        <a:t>Runs on Windows, macOS, Linux, and supports cloud-based deployment.</a:t>
+                      </a:r>
+                    </a:p>
+                  </a:txBody>
+                  <a:tcPr anchor="ctr"/>
+                </a:tc>
+                <a:extLst>
+                  <a:ext uri="{0D108BD9-81ED-4DB2-BD59-A6C34878D82A}">
+                    <a16:rowId xmlns:a16="http://schemas.microsoft.com/office/drawing/2014/main" val="2667709033"/>
+                  </a:ext>
+                </a:extLst>
+              </a:tr>
+              <a:tr h="779479">
+                <a:tc>
+                  <a:txBody>
+                    <a:bodyPr/>
+                    <a:lstStyle/>
+                    <a:p>
+                      <a:r>
+                        <a:rPr lang="en-US" b="1"/>
+                        <a:t>Pipeline Support</a:t>
+                      </a:r>
+                      <a:endParaRPr lang="en-US"/>
+                    </a:p>
+                  </a:txBody>
+                  <a:tcPr anchor="ctr"/>
+                </a:tc>
+                <a:tc>
+                  <a:txBody>
+                    <a:bodyPr/>
+                    <a:lstStyle/>
+                    <a:p>
+                      <a:r>
+                        <a:rPr lang="en-US"/>
+                        <a:t>Supports scripted and declarative pipelines (CI/CD as code).</a:t>
+                      </a:r>
+                    </a:p>
+                  </a:txBody>
+                  <a:tcPr anchor="ctr"/>
+                </a:tc>
+                <a:extLst>
+                  <a:ext uri="{0D108BD9-81ED-4DB2-BD59-A6C34878D82A}">
+                    <a16:rowId xmlns:a16="http://schemas.microsoft.com/office/drawing/2014/main" val="509278395"/>
+                  </a:ext>
+                </a:extLst>
+              </a:tr>
+              <a:tr h="779479">
+                <a:tc>
+                  <a:txBody>
+                    <a:bodyPr/>
+                    <a:lstStyle/>
+                    <a:p>
+                      <a:r>
+                        <a:rPr lang="en-US" b="1"/>
+                        <a:t>Integration Ready</a:t>
+                      </a:r>
+                      <a:endParaRPr lang="en-US"/>
+                    </a:p>
+                  </a:txBody>
+                  <a:tcPr anchor="ctr"/>
+                </a:tc>
+                <a:tc>
+                  <a:txBody>
+                    <a:bodyPr/>
+                    <a:lstStyle/>
+                    <a:p>
+                      <a:r>
+                        <a:rPr lang="en-US"/>
+                        <a:t>Works with GitHub, GitLab, Bitbucket, Docker, Kubernetes, and more.</a:t>
+                      </a:r>
+                    </a:p>
+                  </a:txBody>
+                  <a:tcPr anchor="ctr"/>
+                </a:tc>
+                <a:extLst>
+                  <a:ext uri="{0D108BD9-81ED-4DB2-BD59-A6C34878D82A}">
+                    <a16:rowId xmlns:a16="http://schemas.microsoft.com/office/drawing/2014/main" val="2665212277"/>
+                  </a:ext>
+                </a:extLst>
+              </a:tr>
+              <a:tr h="779479">
+                <a:tc>
+                  <a:txBody>
+                    <a:bodyPr/>
+                    <a:lstStyle/>
+                    <a:p>
+                      <a:r>
+                        <a:rPr lang="en-US" b="1"/>
+                        <a:t>Build Triggers</a:t>
+                      </a:r>
+                      <a:endParaRPr lang="en-US"/>
+                    </a:p>
+                  </a:txBody>
+                  <a:tcPr anchor="ctr"/>
+                </a:tc>
+                <a:tc>
+                  <a:txBody>
+                    <a:bodyPr/>
+                    <a:lstStyle/>
+                    <a:p>
+                      <a:r>
+                        <a:rPr lang="en-US" dirty="0"/>
+                        <a:t>Supports triggers like SCM commits, </a:t>
+                      </a:r>
+                      <a:r>
+                        <a:rPr lang="en-US" dirty="0" err="1"/>
+                        <a:t>cron</a:t>
+                      </a:r>
+                      <a:r>
+                        <a:rPr lang="en-US" dirty="0"/>
+                        <a:t> jobs, pull requests, and webhooks.</a:t>
+                      </a:r>
+                    </a:p>
+                  </a:txBody>
+                  <a:tcPr anchor="ctr"/>
+                </a:tc>
+                <a:extLst>
+                  <a:ext uri="{0D108BD9-81ED-4DB2-BD59-A6C34878D82A}">
+                    <a16:rowId xmlns:a16="http://schemas.microsoft.com/office/drawing/2014/main" val="917523638"/>
+                  </a:ext>
+                </a:extLst>
+              </a:tr>
+            </a:tbl>
+          </a:graphicData>
+        </a:graphic>
+      </p:graphicFrame>
+    </p:spTree>
+    <p:extLst>
+      <p:ext uri="{BB962C8B-B14F-4D97-AF65-F5344CB8AC3E}">
+        <p14:creationId xmlns:p14="http://schemas.microsoft.com/office/powerpoint/2010/main" val="282636403"/>
+      </p:ext>
+    </p:extLst>
+  </p:cSld>
+  <p:clrMapOvr>
+    <a:masterClrMapping/>
+  </p:clrMapOvr>
+</p:sld>
+</file>
+
+<file path=ppt/slides/slide5.xml><?xml version="1.0" encoding="utf-8"?>
+<p:sld xmlns:a="http://schemas.openxmlformats.org/drawingml/2006/main" xmlns:r="http://schemas.openxmlformats.org/officeDocument/2006/relationships" xmlns:p="http://schemas.openxmlformats.org/presentationml/2006/main">
+  <p:cSld>
+    <p:spTree>
+      <p:nvGrpSpPr>
+        <p:cNvPr id="1" name="">
+          <a:extLst>
+            <a:ext uri="{FF2B5EF4-FFF2-40B4-BE49-F238E27FC236}">
+              <a16:creationId xmlns:a16="http://schemas.microsoft.com/office/drawing/2014/main" id="{F1CF4FBA-5EF1-B0EF-2197-7FA7377EE215}"/>
+            </a:ext>
+          </a:extLst>
+        </p:cNvPr>
+        <p:cNvGrpSpPr/>
+        <p:nvPr/>
+      </p:nvGrpSpPr>
+      <p:grpSpPr>
+        <a:xfrm>
+          <a:off x="0" y="0"/>
+          <a:ext cx="0" cy="0"/>
+          <a:chOff x="0" y="0"/>
+          <a:chExt cx="0" cy="0"/>
+        </a:xfrm>
+      </p:grpSpPr>
+      <p:sp>
+        <p:nvSpPr>
+          <p:cNvPr id="4" name="Title 3">
+            <a:extLst>
+              <a:ext uri="{FF2B5EF4-FFF2-40B4-BE49-F238E27FC236}">
+                <a16:creationId xmlns:a16="http://schemas.microsoft.com/office/drawing/2014/main" id="{9C5B5558-3CB9-EEAC-3433-F564BE350104}"/>
+              </a:ext>
+            </a:extLst>
+          </p:cNvPr>
+          <p:cNvSpPr>
+            <a:spLocks noGrp="1"/>
+          </p:cNvSpPr>
+          <p:nvPr>
+            <p:ph type="title"/>
+          </p:nvPr>
+        </p:nvSpPr>
+        <p:spPr/>
+        <p:txBody>
+          <a:bodyPr>
+            <a:normAutofit/>
+          </a:bodyPr>
+          <a:lstStyle/>
+          <a:p>
+            <a:r>
+              <a:rPr lang="en-IN" dirty="0"/>
+              <a:t>Jenkins Architecture</a:t>
+            </a:r>
+          </a:p>
+        </p:txBody>
+      </p:sp>
+      <p:sp>
+        <p:nvSpPr>
+          <p:cNvPr id="5" name="Content Placeholder 4">
+            <a:extLst>
+              <a:ext uri="{FF2B5EF4-FFF2-40B4-BE49-F238E27FC236}">
+                <a16:creationId xmlns:a16="http://schemas.microsoft.com/office/drawing/2014/main" id="{B12C0FEE-02D5-4E71-3271-F7903775F091}"/>
+              </a:ext>
+            </a:extLst>
+          </p:cNvPr>
+          <p:cNvSpPr>
+            <a:spLocks noGrp="1"/>
+          </p:cNvSpPr>
+          <p:nvPr>
+            <p:ph sz="quarter" idx="1"/>
+          </p:nvPr>
+        </p:nvSpPr>
+        <p:spPr/>
+        <p:txBody>
+          <a:bodyPr>
+            <a:normAutofit/>
+          </a:bodyPr>
+          <a:lstStyle/>
+          <a:p>
+            <a:r>
+              <a:rPr lang="en-US" sz="2000" b="1" dirty="0"/>
+              <a:t>Master (Controller):</a:t>
+            </a:r>
+          </a:p>
+          <a:p>
+            <a:r>
+              <a:rPr lang="en-US" sz="2000" dirty="0"/>
+              <a:t>Manages jobs, schedules builds, and distributes tasks.</a:t>
+            </a:r>
+          </a:p>
+          <a:p>
+            <a:r>
+              <a:rPr lang="en-US" sz="2000" b="1" dirty="0"/>
+              <a:t>Agents (Slaves):</a:t>
+            </a:r>
+          </a:p>
+          <a:p>
+            <a:r>
+              <a:rPr lang="en-US" sz="2000" dirty="0"/>
+              <a:t>Execute jobs on different platforms/environments.</a:t>
+            </a:r>
+          </a:p>
+          <a:p>
+            <a:r>
+              <a:rPr lang="en-US" sz="2000" b="1" dirty="0"/>
+              <a:t>Jobs/Pipelines:</a:t>
+            </a:r>
+          </a:p>
+          <a:p>
+            <a:r>
+              <a:rPr lang="en-US" sz="2000" dirty="0"/>
+              <a:t>Define the tasks: build, test, deploy, etc.</a:t>
+            </a:r>
+          </a:p>
+        </p:txBody>
+      </p:sp>
+    </p:spTree>
+    <p:extLst>
+      <p:ext uri="{BB962C8B-B14F-4D97-AF65-F5344CB8AC3E}">
+        <p14:creationId xmlns:p14="http://schemas.microsoft.com/office/powerpoint/2010/main" val="14298817"/>
+      </p:ext>
+    </p:extLst>
+  </p:cSld>
+  <p:clrMapOvr>
+    <a:masterClrMapping/>
+  </p:clrMapOvr>
+</p:sld>
+</file>
+
+<file path=ppt/slides/slide6.xml><?xml version="1.0" encoding="utf-8"?>
+<p:sld xmlns:a="http://schemas.openxmlformats.org/drawingml/2006/main" xmlns:r="http://schemas.openxmlformats.org/officeDocument/2006/relationships" xmlns:p="http://schemas.openxmlformats.org/presentationml/2006/main">
+  <p:cSld>
+    <p:spTree>
+      <p:nvGrpSpPr>
+        <p:cNvPr id="1" name="">
+          <a:extLst>
+            <a:ext uri="{FF2B5EF4-FFF2-40B4-BE49-F238E27FC236}">
+              <a16:creationId xmlns:a16="http://schemas.microsoft.com/office/drawing/2014/main" id="{8D70BEC4-B6BD-EBDF-DDE0-E22AEC8C5B01}"/>
+            </a:ext>
+          </a:extLst>
+        </p:cNvPr>
+        <p:cNvGrpSpPr/>
+        <p:nvPr/>
+      </p:nvGrpSpPr>
+      <p:grpSpPr>
+        <a:xfrm>
+          <a:off x="0" y="0"/>
+          <a:ext cx="0" cy="0"/>
+          <a:chOff x="0" y="0"/>
+          <a:chExt cx="0" cy="0"/>
+        </a:xfrm>
+      </p:grpSpPr>
+      <p:sp>
+        <p:nvSpPr>
+          <p:cNvPr id="4" name="Title 3">
+            <a:extLst>
+              <a:ext uri="{FF2B5EF4-FFF2-40B4-BE49-F238E27FC236}">
+                <a16:creationId xmlns:a16="http://schemas.microsoft.com/office/drawing/2014/main" id="{20BB68ED-F351-CE1C-76F2-C426DBE2FC9C}"/>
+              </a:ext>
+            </a:extLst>
+          </p:cNvPr>
+          <p:cNvSpPr>
+            <a:spLocks noGrp="1"/>
+          </p:cNvSpPr>
+          <p:nvPr>
+            <p:ph type="title"/>
+          </p:nvPr>
+        </p:nvSpPr>
+        <p:spPr/>
+        <p:txBody>
+          <a:bodyPr>
+            <a:normAutofit/>
+          </a:bodyPr>
+          <a:lstStyle/>
+          <a:p>
+            <a:r>
+              <a:rPr lang="en-US" dirty="0"/>
+              <a:t>Typical Jenkins Workflow (CI/CD)</a:t>
+            </a:r>
+            <a:endParaRPr lang="en-IN" dirty="0"/>
+          </a:p>
+        </p:txBody>
+      </p:sp>
+      <p:sp>
+        <p:nvSpPr>
+          <p:cNvPr id="5" name="Content Placeholder 4">
+            <a:extLst>
+              <a:ext uri="{FF2B5EF4-FFF2-40B4-BE49-F238E27FC236}">
+                <a16:creationId xmlns:a16="http://schemas.microsoft.com/office/drawing/2014/main" id="{05B4E925-B8F8-FBF4-62D5-CD3FA2588AFB}"/>
+              </a:ext>
+            </a:extLst>
+          </p:cNvPr>
+          <p:cNvSpPr>
+            <a:spLocks noGrp="1"/>
+          </p:cNvSpPr>
+          <p:nvPr>
+            <p:ph sz="quarter" idx="1"/>
+          </p:nvPr>
+        </p:nvSpPr>
+        <p:spPr/>
+        <p:txBody>
+          <a:bodyPr>
+            <a:normAutofit/>
+          </a:bodyPr>
+          <a:lstStyle/>
+          <a:p>
+            <a:r>
+              <a:rPr lang="en-US" sz="2000" b="1" dirty="0"/>
+              <a:t>Code Push</a:t>
+            </a:r>
+            <a:r>
+              <a:rPr lang="en-US" sz="2000" dirty="0"/>
+              <a:t> → A developer pushes code to GitHub or GitLab.</a:t>
+            </a:r>
+          </a:p>
+          <a:p>
+            <a:r>
+              <a:rPr lang="en-US" sz="2000" b="1" dirty="0"/>
+              <a:t>Trigger</a:t>
+            </a:r>
+            <a:r>
+              <a:rPr lang="en-US" sz="2000" dirty="0"/>
+              <a:t> → Jenkins detects the change (via webhook or polling).</a:t>
+            </a:r>
+          </a:p>
+          <a:p>
+            <a:r>
+              <a:rPr lang="en-US" sz="2000" b="1" dirty="0"/>
+              <a:t>Build</a:t>
+            </a:r>
+            <a:r>
+              <a:rPr lang="en-US" sz="2000" dirty="0"/>
+              <a:t> → Jenkins pulls the code and runs the build process.</a:t>
+            </a:r>
+          </a:p>
+          <a:p>
+            <a:r>
+              <a:rPr lang="en-US" sz="2000" b="1" dirty="0"/>
+              <a:t>Test</a:t>
+            </a:r>
+            <a:r>
+              <a:rPr lang="en-US" sz="2000" dirty="0"/>
+              <a:t> → Unit/integration tests are executed automatically.</a:t>
+            </a:r>
+          </a:p>
+          <a:p>
+            <a:r>
+              <a:rPr lang="en-US" sz="2000" b="1" dirty="0"/>
+              <a:t>Deploy</a:t>
+            </a:r>
+            <a:r>
+              <a:rPr lang="en-US" sz="2000" dirty="0"/>
+              <a:t> → If all steps pass, code is deployed to staging/production.</a:t>
+            </a:r>
+          </a:p>
+        </p:txBody>
+      </p:sp>
+    </p:spTree>
+    <p:extLst>
+      <p:ext uri="{BB962C8B-B14F-4D97-AF65-F5344CB8AC3E}">
+        <p14:creationId xmlns:p14="http://schemas.microsoft.com/office/powerpoint/2010/main" val="3573231060"/>
+      </p:ext>
+    </p:extLst>
+  </p:cSld>
+  <p:clrMapOvr>
+    <a:masterClrMapping/>
+  </p:clrMapOvr>
+</p:sld>
+</file>
+
+<file path=ppt/slides/slide7.xml><?xml version="1.0" encoding="utf-8"?>
+<p:sld xmlns:a="http://schemas.openxmlformats.org/drawingml/2006/main" xmlns:r="http://schemas.openxmlformats.org/officeDocument/2006/relationships" xmlns:p="http://schemas.openxmlformats.org/presentationml/2006/main">
+  <p:cSld>
+    <p:spTree>
+      <p:nvGrpSpPr>
+        <p:cNvPr id="1" name="">
+          <a:extLst>
+            <a:ext uri="{FF2B5EF4-FFF2-40B4-BE49-F238E27FC236}">
+              <a16:creationId xmlns:a16="http://schemas.microsoft.com/office/drawing/2014/main" id="{3E4118B0-9160-9870-CCCE-69BB5DC58C2E}"/>
+            </a:ext>
+          </a:extLst>
+        </p:cNvPr>
+        <p:cNvGrpSpPr/>
+        <p:nvPr/>
+      </p:nvGrpSpPr>
+      <p:grpSpPr>
+        <a:xfrm>
+          <a:off x="0" y="0"/>
+          <a:ext cx="0" cy="0"/>
+          <a:chOff x="0" y="0"/>
+          <a:chExt cx="0" cy="0"/>
+        </a:xfrm>
+      </p:grpSpPr>
+      <p:sp>
+        <p:nvSpPr>
+          <p:cNvPr id="4" name="Title 3">
+            <a:extLst>
+              <a:ext uri="{FF2B5EF4-FFF2-40B4-BE49-F238E27FC236}">
+                <a16:creationId xmlns:a16="http://schemas.microsoft.com/office/drawing/2014/main" id="{06651F2C-D7B0-DE73-3551-B88E9A5915B1}"/>
+              </a:ext>
+            </a:extLst>
+          </p:cNvPr>
+          <p:cNvSpPr>
+            <a:spLocks noGrp="1"/>
+          </p:cNvSpPr>
+          <p:nvPr>
+            <p:ph type="title"/>
+          </p:nvPr>
+        </p:nvSpPr>
+        <p:spPr/>
+        <p:txBody>
+          <a:bodyPr>
+            <a:normAutofit/>
+          </a:bodyPr>
+          <a:lstStyle/>
+          <a:p>
+            <a:r>
+              <a:rPr lang="en-US" dirty="0"/>
+              <a:t>Job Types in Jenkins</a:t>
+            </a:r>
+            <a:endParaRPr lang="en-IN" dirty="0"/>
+          </a:p>
+        </p:txBody>
+      </p:sp>
+      <p:sp>
+        <p:nvSpPr>
+          <p:cNvPr id="5" name="Content Placeholder 4">
+            <a:extLst>
+              <a:ext uri="{FF2B5EF4-FFF2-40B4-BE49-F238E27FC236}">
+                <a16:creationId xmlns:a16="http://schemas.microsoft.com/office/drawing/2014/main" id="{EDE52D04-B1CB-1732-448D-5004CE45C425}"/>
+              </a:ext>
+            </a:extLst>
+          </p:cNvPr>
+          <p:cNvSpPr>
+            <a:spLocks noGrp="1"/>
+          </p:cNvSpPr>
+          <p:nvPr>
+            <p:ph sz="quarter" idx="1"/>
+          </p:nvPr>
+        </p:nvSpPr>
+        <p:spPr/>
+        <p:txBody>
+          <a:bodyPr>
+            <a:normAutofit/>
+          </a:bodyPr>
+          <a:lstStyle/>
+          <a:p>
+            <a:r>
+              <a:rPr lang="en-US" sz="2000" b="1" dirty="0"/>
+              <a:t>Freestyle Project</a:t>
+            </a:r>
+            <a:r>
+              <a:rPr lang="en-US" sz="2000" dirty="0"/>
+              <a:t> – Basic jobs with GUI-based configuration.</a:t>
+            </a:r>
+          </a:p>
+          <a:p>
+            <a:r>
+              <a:rPr lang="en-US" sz="2000" b="1" dirty="0"/>
+              <a:t>Pipeline</a:t>
+            </a:r>
+            <a:r>
+              <a:rPr lang="en-US" sz="2000" dirty="0"/>
+              <a:t> – Defines CI/CD as code using </a:t>
+            </a:r>
+            <a:r>
+              <a:rPr lang="en-US" sz="2000" dirty="0" err="1"/>
+              <a:t>Jenkinsfile</a:t>
+            </a:r>
+            <a:endParaRPr lang="en-US" sz="2000" dirty="0"/>
+          </a:p>
+          <a:p>
+            <a:r>
+              <a:rPr lang="en-US" sz="2000" b="1" dirty="0"/>
+              <a:t>Multibranch Pipeline</a:t>
+            </a:r>
+            <a:r>
+              <a:rPr lang="en-US" sz="2000" dirty="0"/>
+              <a:t> – Auto-creates jobs for each branch.</a:t>
+            </a:r>
+          </a:p>
+        </p:txBody>
+      </p:sp>
+    </p:spTree>
+    <p:extLst>
+      <p:ext uri="{BB962C8B-B14F-4D97-AF65-F5344CB8AC3E}">
+        <p14:creationId xmlns:p14="http://schemas.microsoft.com/office/powerpoint/2010/main" val="87638914"/>
+      </p:ext>
+    </p:extLst>
+  </p:cSld>
+  <p:clrMapOvr>
+    <a:masterClrMapping/>
+  </p:clrMapOvr>
+</p:sld>
+</file>
+
+<file path=ppt/slides/slide8.xml><?xml version="1.0" encoding="utf-8"?>
+<p:sld xmlns:a="http://schemas.openxmlformats.org/drawingml/2006/main" xmlns:r="http://schemas.openxmlformats.org/officeDocument/2006/relationships" xmlns:p="http://schemas.openxmlformats.org/presentationml/2006/main">
+  <p:cSld>
+    <p:spTree>
+      <p:nvGrpSpPr>
+        <p:cNvPr id="1" name="">
+          <a:extLst>
+            <a:ext uri="{FF2B5EF4-FFF2-40B4-BE49-F238E27FC236}">
+              <a16:creationId xmlns:a16="http://schemas.microsoft.com/office/drawing/2014/main" id="{06F75C57-061B-5618-5D5B-B5145E6C6620}"/>
+            </a:ext>
+          </a:extLst>
+        </p:cNvPr>
+        <p:cNvGrpSpPr/>
+        <p:nvPr/>
+      </p:nvGrpSpPr>
+      <p:grpSpPr>
+        <a:xfrm>
+          <a:off x="0" y="0"/>
+          <a:ext cx="0" cy="0"/>
+          <a:chOff x="0" y="0"/>
+          <a:chExt cx="0" cy="0"/>
+        </a:xfrm>
+      </p:grpSpPr>
+      <p:sp>
+        <p:nvSpPr>
+          <p:cNvPr id="4" name="Title 3">
+            <a:extLst>
+              <a:ext uri="{FF2B5EF4-FFF2-40B4-BE49-F238E27FC236}">
+                <a16:creationId xmlns:a16="http://schemas.microsoft.com/office/drawing/2014/main" id="{64EECF54-30B0-3E96-7D8C-AC0A3229F919}"/>
+              </a:ext>
+            </a:extLst>
+          </p:cNvPr>
+          <p:cNvSpPr>
+            <a:spLocks noGrp="1"/>
+          </p:cNvSpPr>
+          <p:nvPr>
+            <p:ph type="title"/>
+          </p:nvPr>
+        </p:nvSpPr>
+        <p:spPr/>
+        <p:txBody>
+          <a:bodyPr>
+            <a:normAutofit/>
+          </a:bodyPr>
+          <a:lstStyle/>
+          <a:p>
+            <a:r>
+              <a:rPr lang="en-US" dirty="0"/>
+              <a:t>Popular Plugins</a:t>
+            </a:r>
+            <a:endParaRPr lang="en-IN" dirty="0"/>
+          </a:p>
+        </p:txBody>
+      </p:sp>
+      <p:sp>
+        <p:nvSpPr>
+          <p:cNvPr id="5" name="Content Placeholder 4">
+            <a:extLst>
+              <a:ext uri="{FF2B5EF4-FFF2-40B4-BE49-F238E27FC236}">
+                <a16:creationId xmlns:a16="http://schemas.microsoft.com/office/drawing/2014/main" id="{43B07E81-4CFD-0FDC-DB7B-CFAB0A4970C6}"/>
+              </a:ext>
+            </a:extLst>
+          </p:cNvPr>
+          <p:cNvSpPr>
+            <a:spLocks noGrp="1"/>
+          </p:cNvSpPr>
+          <p:nvPr>
+            <p:ph sz="quarter" idx="1"/>
+          </p:nvPr>
+        </p:nvSpPr>
+        <p:spPr/>
+        <p:txBody>
+          <a:bodyPr>
+            <a:normAutofit/>
+          </a:bodyPr>
+          <a:lstStyle/>
+          <a:p>
+            <a:r>
+              <a:rPr lang="en-US" sz="2000" b="1" dirty="0"/>
+              <a:t>Git Plugin</a:t>
+            </a:r>
+            <a:r>
+              <a:rPr lang="en-US" sz="2000" dirty="0"/>
+              <a:t> – Integrate with Git repositories.</a:t>
+            </a:r>
+          </a:p>
+          <a:p>
+            <a:r>
+              <a:rPr lang="en-US" sz="2000" b="1" dirty="0"/>
+              <a:t>Pipeline Plugin</a:t>
+            </a:r>
+            <a:r>
+              <a:rPr lang="en-US" sz="2000" dirty="0"/>
+              <a:t> – Enables scripted/declarative pipelines.</a:t>
+            </a:r>
+          </a:p>
+          <a:p>
+            <a:r>
+              <a:rPr lang="en-US" sz="2000" b="1" dirty="0"/>
+              <a:t>Docker Plugin</a:t>
+            </a:r>
+            <a:r>
+              <a:rPr lang="en-US" sz="2000" dirty="0"/>
+              <a:t> – Build and run containers.</a:t>
+            </a:r>
+          </a:p>
+          <a:p>
+            <a:r>
+              <a:rPr lang="en-US" sz="2000" b="1" dirty="0"/>
+              <a:t>Blue Ocean</a:t>
+            </a:r>
+            <a:r>
+              <a:rPr lang="en-US" sz="2000" dirty="0"/>
+              <a:t> – Modern UI for pipelines.</a:t>
+            </a:r>
+          </a:p>
+          <a:p>
+            <a:r>
+              <a:rPr lang="en-US" sz="2000" b="1" dirty="0"/>
+              <a:t>Slack Notification Plugin</a:t>
+            </a:r>
+            <a:r>
+              <a:rPr lang="en-US" sz="2000" dirty="0"/>
+              <a:t> – Alerts for builds.</a:t>
+            </a:r>
+          </a:p>
+        </p:txBody>
+      </p:sp>
+    </p:spTree>
+    <p:extLst>
+      <p:ext uri="{BB962C8B-B14F-4D97-AF65-F5344CB8AC3E}">
+        <p14:creationId xmlns:p14="http://schemas.microsoft.com/office/powerpoint/2010/main" val="3001116038"/>
+      </p:ext>
+    </p:extLst>
+  </p:cSld>
+  <p:clrMapOvr>
+    <a:masterClrMapping/>
+  </p:clrMapOvr>
+</p:sld>
+</file>
+
+<file path=ppt/slides/slide9.xml><?xml version="1.0" encoding="utf-8"?>
 <p:sld xmlns:a="http://schemas.openxmlformats.org/drawingml/2006/main" xmlns:r="http://schemas.openxmlformats.org/officeDocument/2006/relationships" xmlns:p="http://schemas.openxmlformats.org/presentationml/2006/main">
   <p:cSld>
     <p:spTree>
@@ -10062,10 +11488,9 @@
           <a:lstStyle/>
           <a:p>
             <a:r>
-              <a:rPr lang="en-IN" dirty="0" smtClean="0"/>
+              <a:rPr lang="en-IN" dirty="0"/>
               <a:t>Jenkins</a:t>
             </a:r>
-            <a:endParaRPr lang="en-IN" dirty="0"/>
           </a:p>
         </p:txBody>
       </p:sp>
@@ -10077,179 +11502,6 @@
           </p:cNvSpPr>
           <p:nvPr>
             <p:ph sz="quarter" idx="1"/>
-          </p:nvPr>
-        </p:nvSpPr>
-        <p:spPr/>
-        <p:txBody>
-          <a:bodyPr>
-            <a:normAutofit lnSpcReduction="10000"/>
-          </a:bodyPr>
-          <a:lstStyle/>
-          <a:p>
-            <a:pPr lvl="0"/>
-            <a:r>
-              <a:rPr lang="en-US" sz="2000" dirty="0" smtClean="0"/>
-              <a:t>Jenkins helps organizations to speed </a:t>
-            </a:r>
-            <a:r>
-              <a:rPr lang="en-US" sz="2000" dirty="0" smtClean="0"/>
-              <a:t>up the software development process through automation. </a:t>
-            </a:r>
-            <a:endParaRPr lang="en-US" sz="2000" dirty="0" smtClean="0"/>
-          </a:p>
-          <a:p>
-            <a:pPr lvl="0"/>
-            <a:r>
-              <a:rPr lang="en-US" sz="2000" dirty="0" smtClean="0"/>
-              <a:t>Jenkins </a:t>
-            </a:r>
-            <a:r>
-              <a:rPr lang="en-US" sz="2000" dirty="0" smtClean="0"/>
-              <a:t>adds development life-cycle processes of all kinds, including build, document, test, package, stage, deploy static analysis and much more.</a:t>
-            </a:r>
-          </a:p>
-          <a:p>
-            <a:r>
-              <a:rPr lang="en-US" sz="2000" dirty="0" smtClean="0"/>
-              <a:t>Jenkins achieves CI (Continuous Integration) with the help of plugins. Plugins is used to allow the integration of various DevOps stages. If you want to integrate a particular tool, you have to install the plugins for that tool. For example: Msbuild,Maven 2 Project, Git, HTML Publisher, Amazon EC2, etc.</a:t>
-            </a:r>
-            <a:endParaRPr lang="en-IN" sz="2000" dirty="0" smtClean="0">
-              <a:latin typeface="Calibri"/>
-              <a:ea typeface="Calibri"/>
-              <a:cs typeface="Calibri"/>
-              <a:sym typeface="Calibri"/>
-            </a:endParaRPr>
-          </a:p>
-          <a:p>
-            <a:r>
-              <a:rPr lang="en-IN" sz="2000" dirty="0" smtClean="0">
-                <a:latin typeface="Calibri"/>
-                <a:ea typeface="Calibri"/>
-                <a:cs typeface="Calibri"/>
-                <a:sym typeface="Calibri"/>
-              </a:rPr>
-              <a:t>Jenkins </a:t>
-            </a:r>
-            <a:r>
-              <a:rPr lang="en-IN" sz="2000" dirty="0">
-                <a:latin typeface="Calibri"/>
-                <a:ea typeface="Calibri"/>
-                <a:cs typeface="Calibri"/>
-                <a:sym typeface="Calibri"/>
-              </a:rPr>
-              <a:t>will be installed on a server where the central build will take place</a:t>
-            </a:r>
-            <a:r>
-              <a:rPr lang="en-IN" sz="2000" dirty="0" smtClean="0">
-                <a:latin typeface="Calibri"/>
-                <a:ea typeface="Calibri"/>
-                <a:cs typeface="Calibri"/>
-                <a:sym typeface="Calibri"/>
-              </a:rPr>
-              <a:t>.</a:t>
-            </a:r>
-            <a:endParaRPr lang="en-US" sz="2000" dirty="0" smtClean="0">
-              <a:latin typeface="Calibri"/>
-              <a:ea typeface="Calibri"/>
-              <a:cs typeface="Calibri"/>
-              <a:sym typeface="Calibri"/>
-            </a:endParaRPr>
-          </a:p>
-          <a:p>
-            <a:r>
-              <a:rPr lang="en-US" sz="2000" dirty="0" smtClean="0">
-                <a:latin typeface="Calibri"/>
-                <a:ea typeface="Calibri"/>
-                <a:cs typeface="Calibri"/>
-                <a:sym typeface="Calibri"/>
-              </a:rPr>
-              <a:t>Jenkins </a:t>
-            </a:r>
-            <a:r>
-              <a:rPr lang="en-US" sz="2000" dirty="0">
-                <a:latin typeface="Calibri"/>
-                <a:ea typeface="Calibri"/>
-                <a:cs typeface="Calibri"/>
-                <a:sym typeface="Calibri"/>
-              </a:rPr>
-              <a:t>has many plugins for automating almost everything at the infrastructure level</a:t>
-            </a:r>
-            <a:r>
-              <a:rPr lang="en-US" sz="2000" dirty="0" smtClean="0">
-                <a:latin typeface="Calibri"/>
-                <a:ea typeface="Calibri"/>
-                <a:cs typeface="Calibri"/>
-                <a:sym typeface="Calibri"/>
-              </a:rPr>
-              <a:t>.</a:t>
-            </a:r>
-          </a:p>
-          <a:p>
-            <a:r>
-              <a:rPr lang="en-US" sz="2000" dirty="0">
-                <a:latin typeface="Calibri"/>
-                <a:ea typeface="Calibri"/>
-                <a:cs typeface="Calibri"/>
-                <a:sym typeface="Calibri"/>
-              </a:rPr>
-              <a:t>The use of Jenkins has widely increased rapidly due to a rich set of functionalities, which it provides in the form of </a:t>
-            </a:r>
-            <a:r>
-              <a:rPr lang="en-US" sz="2000" dirty="0" smtClean="0">
-                <a:latin typeface="Calibri"/>
-                <a:ea typeface="Calibri"/>
-                <a:cs typeface="Calibri"/>
-                <a:sym typeface="Calibri"/>
-              </a:rPr>
-              <a:t>plugins.</a:t>
-            </a:r>
-          </a:p>
-          <a:p>
-            <a:pPr lvl="0"/>
-            <a:endParaRPr lang="en-IN" sz="2000" dirty="0"/>
-          </a:p>
-        </p:txBody>
-      </p:sp>
-    </p:spTree>
-  </p:cSld>
-  <p:clrMapOvr>
-    <a:masterClrMapping/>
-  </p:clrMapOvr>
-  <p:timing>
-    <p:tnLst>
-      <p:par>
-        <p:cTn id="1" dur="indefinite" restart="never" nodeType="tmRoot"/>
-      </p:par>
-    </p:tnLst>
-  </p:timing>
-</p:sld>
-</file>
-
-<file path=ppt/slides/slide5.xml><?xml version="1.0" encoding="utf-8"?>
-<p:sld xmlns:a="http://schemas.openxmlformats.org/drawingml/2006/main" xmlns:r="http://schemas.openxmlformats.org/officeDocument/2006/relationships" xmlns:p="http://schemas.openxmlformats.org/presentationml/2006/main">
-  <p:cSld>
-    <p:spTree>
-      <p:nvGrpSpPr>
-        <p:cNvPr id="1" name=""/>
-        <p:cNvGrpSpPr/>
-        <p:nvPr/>
-      </p:nvGrpSpPr>
-      <p:grpSpPr>
-        <a:xfrm>
-          <a:off x="0" y="0"/>
-          <a:ext cx="0" cy="0"/>
-          <a:chOff x="0" y="0"/>
-          <a:chExt cx="0" cy="0"/>
-        </a:xfrm>
-      </p:grpSpPr>
-      <p:sp>
-        <p:nvSpPr>
-          <p:cNvPr id="4" name="Title 3"/>
-          <p:cNvSpPr>
-            <a:spLocks noGrp="1"/>
-          </p:cNvSpPr>
-          <p:nvPr>
-            <p:ph type="title"/>
           </p:nvPr>
         </p:nvSpPr>
         <p:spPr/>
@@ -10259,187 +11511,7 @@
           </a:bodyPr>
           <a:lstStyle/>
           <a:p>
-            <a:r>
-              <a:rPr lang="en-IN" dirty="0" smtClean="0"/>
-              <a:t>Jenkins Advantages</a:t>
-            </a:r>
-            <a:endParaRPr lang="en-IN" dirty="0"/>
-          </a:p>
-        </p:txBody>
-      </p:sp>
-      <p:sp>
-        <p:nvSpPr>
-          <p:cNvPr id="5" name="Content Placeholder 4"/>
-          <p:cNvSpPr>
-            <a:spLocks noGrp="1"/>
-          </p:cNvSpPr>
-          <p:nvPr>
-            <p:ph sz="quarter" idx="1"/>
-          </p:nvPr>
-        </p:nvSpPr>
-        <p:spPr/>
-        <p:txBody>
-          <a:bodyPr>
-            <a:normAutofit fontScale="92500" lnSpcReduction="10000"/>
-          </a:bodyPr>
-          <a:lstStyle/>
-          <a:p>
-            <a:r>
-              <a:rPr lang="en-US" sz="2000" dirty="0" smtClean="0"/>
-              <a:t>It </a:t>
-            </a:r>
-            <a:r>
-              <a:rPr lang="en-US" sz="2000" dirty="0" smtClean="0"/>
-              <a:t>is an open source tool.</a:t>
-            </a:r>
-          </a:p>
-          <a:p>
-            <a:r>
-              <a:rPr lang="en-US" sz="2000" dirty="0" smtClean="0"/>
-              <a:t>It is free of cost.</a:t>
-            </a:r>
-          </a:p>
-          <a:p>
-            <a:r>
-              <a:rPr lang="en-US" sz="2000" dirty="0" smtClean="0"/>
-              <a:t>It does not require additional installations or components. Means it is easy to install.</a:t>
-            </a:r>
-          </a:p>
-          <a:p>
-            <a:r>
-              <a:rPr lang="en-US" sz="2000" dirty="0" smtClean="0"/>
-              <a:t>Easily configurable.</a:t>
-            </a:r>
-          </a:p>
-          <a:p>
-            <a:r>
-              <a:rPr lang="en-US" sz="2000" dirty="0" smtClean="0"/>
-              <a:t>It supports 1000 or more </a:t>
-            </a:r>
-            <a:r>
-              <a:rPr lang="en-US" sz="2000" dirty="0" err="1" smtClean="0"/>
-              <a:t>plugins</a:t>
-            </a:r>
-            <a:r>
-              <a:rPr lang="en-US" sz="2000" dirty="0" smtClean="0"/>
-              <a:t> to ease your work. If a </a:t>
-            </a:r>
-            <a:r>
-              <a:rPr lang="en-US" sz="2000" dirty="0" err="1" smtClean="0"/>
-              <a:t>plugin</a:t>
-            </a:r>
-            <a:r>
-              <a:rPr lang="en-US" sz="2000" dirty="0" smtClean="0"/>
-              <a:t> does not exist, you can write the script for it and share with community.</a:t>
-            </a:r>
-          </a:p>
-          <a:p>
-            <a:r>
-              <a:rPr lang="en-US" sz="2000" dirty="0" smtClean="0"/>
-              <a:t>It is built in java and hence it is portable.</a:t>
-            </a:r>
-          </a:p>
-          <a:p>
-            <a:r>
-              <a:rPr lang="en-US" sz="2000" dirty="0" smtClean="0"/>
-              <a:t>It is platform independent. It is available for all platforms and different operating systems. Like OS X, Windows or Linux.</a:t>
-            </a:r>
-          </a:p>
-          <a:p>
-            <a:r>
-              <a:rPr lang="en-US" sz="2000" dirty="0" smtClean="0"/>
-              <a:t>Easy support, since it open source and widely used.</a:t>
-            </a:r>
-          </a:p>
-          <a:p>
-            <a:r>
-              <a:rPr lang="en-US" sz="2000" dirty="0" smtClean="0"/>
-              <a:t>Jenkins also supports cloud based architecture so that we can deploy Jenkins in cloud based platforms.</a:t>
-            </a:r>
-            <a:endParaRPr lang="en-US" sz="2000" dirty="0"/>
-          </a:p>
-        </p:txBody>
-      </p:sp>
-    </p:spTree>
-    <p:extLst>
-      <p:ext uri="{BB962C8B-B14F-4D97-AF65-F5344CB8AC3E}">
-        <p14:creationId xmlns:p14="http://schemas.microsoft.com/office/powerpoint/2010/main" val="3733590887"/>
-      </p:ext>
-    </p:extLst>
-  </p:cSld>
-  <p:clrMapOvr>
-    <a:masterClrMapping/>
-  </p:clrMapOvr>
-  <p:timing>
-    <p:tnLst>
-      <p:par>
-        <p:cTn id="1" dur="indefinite" restart="never" nodeType="tmRoot"/>
-      </p:par>
-    </p:tnLst>
-  </p:timing>
-</p:sld>
-</file>
-
-<file path=ppt/slides/slide6.xml><?xml version="1.0" encoding="utf-8"?>
-<p:sld xmlns:a="http://schemas.openxmlformats.org/drawingml/2006/main" xmlns:r="http://schemas.openxmlformats.org/officeDocument/2006/relationships" xmlns:p="http://schemas.openxmlformats.org/presentationml/2006/main">
-  <p:cSld>
-    <p:spTree>
-      <p:nvGrpSpPr>
-        <p:cNvPr id="1" name=""/>
-        <p:cNvGrpSpPr/>
-        <p:nvPr/>
-      </p:nvGrpSpPr>
-      <p:grpSpPr>
-        <a:xfrm>
-          <a:off x="0" y="0"/>
-          <a:ext cx="0" cy="0"/>
-          <a:chOff x="0" y="0"/>
-          <a:chExt cx="0" cy="0"/>
-        </a:xfrm>
-      </p:grpSpPr>
-      <p:sp>
-        <p:nvSpPr>
-          <p:cNvPr id="4" name="Title 3"/>
-          <p:cNvSpPr>
-            <a:spLocks noGrp="1"/>
-          </p:cNvSpPr>
-          <p:nvPr>
-            <p:ph type="title"/>
-          </p:nvPr>
-        </p:nvSpPr>
-        <p:spPr/>
-        <p:txBody>
-          <a:bodyPr>
-            <a:normAutofit/>
-          </a:bodyPr>
-          <a:lstStyle/>
-          <a:p>
-            <a:r>
-              <a:rPr lang="en-IN" dirty="0" smtClean="0"/>
-              <a:t>Jenkins</a:t>
-            </a:r>
-            <a:endParaRPr lang="en-IN" dirty="0"/>
-          </a:p>
-        </p:txBody>
-      </p:sp>
-      <p:sp>
-        <p:nvSpPr>
-          <p:cNvPr id="5" name="Content Placeholder 4"/>
-          <p:cNvSpPr>
-            <a:spLocks noGrp="1"/>
-          </p:cNvSpPr>
-          <p:nvPr>
-            <p:ph sz="quarter" idx="1"/>
-          </p:nvPr>
-        </p:nvSpPr>
-        <p:spPr/>
-        <p:txBody>
-          <a:bodyPr>
-            <a:normAutofit/>
-          </a:bodyPr>
-          <a:lstStyle/>
-          <a:p>
-            <a:endParaRPr lang="en-US" sz="2000" dirty="0" smtClean="0">
+            <a:endParaRPr lang="en-US" sz="2000" dirty="0">
               <a:solidFill>
                 <a:srgbClr val="888888"/>
               </a:solidFill>
@@ -10458,14 +11530,6 @@
             </a:endParaRPr>
           </a:p>
           <a:p>
-            <a:endParaRPr lang="en-US" sz="2000" dirty="0" smtClean="0">
-              <a:latin typeface="Calibri"/>
-              <a:ea typeface="Calibri"/>
-              <a:cs typeface="Calibri"/>
-              <a:sym typeface="Calibri"/>
-            </a:endParaRPr>
-          </a:p>
-          <a:p>
             <a:endParaRPr lang="en-US" sz="2000" dirty="0">
               <a:latin typeface="Calibri"/>
               <a:ea typeface="Calibri"/>
@@ -10474,22 +11538,6 @@
             </a:endParaRPr>
           </a:p>
           <a:p>
-            <a:endParaRPr lang="en-US" sz="2000" dirty="0" smtClean="0">
-              <a:latin typeface="Calibri"/>
-              <a:ea typeface="Calibri"/>
-              <a:cs typeface="Calibri"/>
-              <a:sym typeface="Calibri"/>
-            </a:endParaRPr>
-          </a:p>
-          <a:p>
-            <a:endParaRPr lang="en-US" sz="2000" dirty="0" smtClean="0">
-              <a:latin typeface="Calibri"/>
-              <a:ea typeface="Calibri"/>
-              <a:cs typeface="Calibri"/>
-              <a:sym typeface="Calibri"/>
-            </a:endParaRPr>
-          </a:p>
-          <a:p>
             <a:endParaRPr lang="en-US" sz="2000" dirty="0">
               <a:latin typeface="Calibri"/>
               <a:ea typeface="Calibri"/>
@@ -10498,7 +11546,7 @@
             </a:endParaRPr>
           </a:p>
           <a:p>
-            <a:endParaRPr lang="en-US" sz="2000" dirty="0" smtClean="0">
+            <a:endParaRPr lang="en-US" sz="2000" dirty="0">
               <a:latin typeface="Calibri"/>
               <a:ea typeface="Calibri"/>
               <a:cs typeface="Calibri"/>
@@ -10506,7 +11554,31 @@
             </a:endParaRPr>
           </a:p>
           <a:p>
-            <a:endParaRPr lang="en-US" sz="2000" dirty="0" smtClean="0">
+            <a:endParaRPr lang="en-US" sz="2000" dirty="0">
+              <a:latin typeface="Calibri"/>
+              <a:ea typeface="Calibri"/>
+              <a:cs typeface="Calibri"/>
+              <a:sym typeface="Calibri"/>
+            </a:endParaRPr>
+          </a:p>
+          <a:p>
+            <a:endParaRPr lang="en-US" sz="2000" dirty="0">
+              <a:latin typeface="Calibri"/>
+              <a:ea typeface="Calibri"/>
+              <a:cs typeface="Calibri"/>
+              <a:sym typeface="Calibri"/>
+            </a:endParaRPr>
+          </a:p>
+          <a:p>
+            <a:endParaRPr lang="en-US" sz="2000" dirty="0">
+              <a:latin typeface="Calibri"/>
+              <a:ea typeface="Calibri"/>
+              <a:cs typeface="Calibri"/>
+              <a:sym typeface="Calibri"/>
+            </a:endParaRPr>
+          </a:p>
+          <a:p>
+            <a:endParaRPr lang="en-US" sz="2000" dirty="0">
               <a:latin typeface="Calibri"/>
               <a:ea typeface="Calibri"/>
               <a:cs typeface="Calibri"/>
@@ -10562,465 +11634,6 @@
   <p:clrMapOvr>
     <a:masterClrMapping/>
   </p:clrMapOvr>
-  <p:timing>
-    <p:tnLst>
-      <p:par>
-        <p:cTn id="1" dur="indefinite" restart="never" nodeType="tmRoot"/>
-      </p:par>
-    </p:tnLst>
-  </p:timing>
-</p:sld>
-</file>
-
-<file path=ppt/slides/slide7.xml><?xml version="1.0" encoding="utf-8"?>
-<p:sld xmlns:a="http://schemas.openxmlformats.org/drawingml/2006/main" xmlns:r="http://schemas.openxmlformats.org/officeDocument/2006/relationships" xmlns:p="http://schemas.openxmlformats.org/presentationml/2006/main">
-  <p:cSld>
-    <p:spTree>
-      <p:nvGrpSpPr>
-        <p:cNvPr id="1" name=""/>
-        <p:cNvGrpSpPr/>
-        <p:nvPr/>
-      </p:nvGrpSpPr>
-      <p:grpSpPr>
-        <a:xfrm>
-          <a:off x="0" y="0"/>
-          <a:ext cx="0" cy="0"/>
-          <a:chOff x="0" y="0"/>
-          <a:chExt cx="0" cy="0"/>
-        </a:xfrm>
-      </p:grpSpPr>
-      <p:sp>
-        <p:nvSpPr>
-          <p:cNvPr id="4" name="Title 3"/>
-          <p:cNvSpPr>
-            <a:spLocks noGrp="1"/>
-          </p:cNvSpPr>
-          <p:nvPr>
-            <p:ph type="title"/>
-          </p:nvPr>
-        </p:nvSpPr>
-        <p:spPr/>
-        <p:txBody>
-          <a:bodyPr>
-            <a:normAutofit/>
-          </a:bodyPr>
-          <a:lstStyle/>
-          <a:p>
-            <a:r>
-              <a:rPr lang="en-IN" dirty="0" smtClean="0"/>
-              <a:t>Jenkins</a:t>
-            </a:r>
-            <a:endParaRPr lang="en-IN" dirty="0"/>
-          </a:p>
-        </p:txBody>
-      </p:sp>
-      <p:sp>
-        <p:nvSpPr>
-          <p:cNvPr id="5" name="Content Placeholder 4"/>
-          <p:cNvSpPr>
-            <a:spLocks noGrp="1"/>
-          </p:cNvSpPr>
-          <p:nvPr>
-            <p:ph sz="quarter" idx="1"/>
-          </p:nvPr>
-        </p:nvSpPr>
-        <p:spPr/>
-        <p:txBody>
-          <a:bodyPr>
-            <a:normAutofit fontScale="47500" lnSpcReduction="20000"/>
-          </a:bodyPr>
-          <a:lstStyle/>
-          <a:p>
-            <a:r>
-              <a:rPr lang="en-US" sz="3200" b="1" dirty="0" smtClean="0">
-                <a:latin typeface="Calibri" pitchFamily="34" charset="0"/>
-                <a:cs typeface="Calibri" pitchFamily="34" charset="0"/>
-              </a:rPr>
-              <a:t>Continuous Integration with Jenkins</a:t>
-            </a:r>
-          </a:p>
-          <a:p>
-            <a:r>
-              <a:rPr lang="en-US" sz="3200" dirty="0" smtClean="0">
-                <a:latin typeface="Calibri" pitchFamily="34" charset="0"/>
-                <a:cs typeface="Calibri" pitchFamily="34" charset="0"/>
-              </a:rPr>
-              <a:t>Let's consider a scenario where the complete source code of the application was built and then deployed on test server for testing. It sounds like a perfect way to develop software, but this process has many problems.</a:t>
-            </a:r>
-          </a:p>
-          <a:p>
-            <a:r>
-              <a:rPr lang="en-US" sz="3200" dirty="0" smtClean="0">
-                <a:latin typeface="Calibri" pitchFamily="34" charset="0"/>
-                <a:cs typeface="Calibri" pitchFamily="34" charset="0"/>
-              </a:rPr>
-              <a:t>Developer teams have to wait till the complete software is developed for the test results.</a:t>
-            </a:r>
-          </a:p>
-          <a:p>
-            <a:r>
-              <a:rPr lang="en-US" sz="3200" dirty="0" smtClean="0">
-                <a:latin typeface="Calibri" pitchFamily="34" charset="0"/>
-                <a:cs typeface="Calibri" pitchFamily="34" charset="0"/>
-              </a:rPr>
-              <a:t>There is a high prospect that the test results might show multiple bugs. It was tough for developers to locate those bugs because they have to check the entire source code of the application.</a:t>
-            </a:r>
-          </a:p>
-          <a:p>
-            <a:r>
-              <a:rPr lang="en-US" sz="3200" dirty="0" smtClean="0">
-                <a:latin typeface="Calibri" pitchFamily="34" charset="0"/>
-                <a:cs typeface="Calibri" pitchFamily="34" charset="0"/>
-              </a:rPr>
-              <a:t>It slows the software delivery process.</a:t>
-            </a:r>
-          </a:p>
-          <a:p>
-            <a:r>
-              <a:rPr lang="en-US" sz="3200" dirty="0" smtClean="0">
-                <a:latin typeface="Calibri" pitchFamily="34" charset="0"/>
-                <a:cs typeface="Calibri" pitchFamily="34" charset="0"/>
-              </a:rPr>
-              <a:t>Continuous feedback pertaining to things like architectural or coding issues, build failures, test status and file release uploads was missing due to which the quality of software can go down.</a:t>
-            </a:r>
-          </a:p>
-          <a:p>
-            <a:r>
-              <a:rPr lang="en-US" sz="3200" dirty="0" smtClean="0">
-                <a:latin typeface="Calibri" pitchFamily="34" charset="0"/>
-                <a:cs typeface="Calibri" pitchFamily="34" charset="0"/>
-              </a:rPr>
-              <a:t>The whole process was manual which increases the threat of frequent failure.</a:t>
-            </a:r>
-          </a:p>
-          <a:p>
-            <a:r>
-              <a:rPr lang="en-US" sz="3200" dirty="0" smtClean="0">
-                <a:latin typeface="Calibri" pitchFamily="34" charset="0"/>
-                <a:cs typeface="Calibri" pitchFamily="34" charset="0"/>
-              </a:rPr>
-              <a:t>It is obvious from the above stated problems that not only the software delivery process became slow but the quality of software also went down. This leads to customer dissatisfaction.</a:t>
-            </a:r>
-          </a:p>
-          <a:p>
-            <a:r>
-              <a:rPr lang="en-US" sz="3200" dirty="0" smtClean="0">
-                <a:latin typeface="Calibri" pitchFamily="34" charset="0"/>
-                <a:cs typeface="Calibri" pitchFamily="34" charset="0"/>
-              </a:rPr>
-              <a:t>So to overcome such problem there was a need for a system to exist where developers can continuously trigger a build and test for every change made in the source code.</a:t>
-            </a:r>
-          </a:p>
-          <a:p>
-            <a:r>
-              <a:rPr lang="en-US" sz="3200" dirty="0" smtClean="0">
-                <a:latin typeface="Calibri" pitchFamily="34" charset="0"/>
-                <a:cs typeface="Calibri" pitchFamily="34" charset="0"/>
-              </a:rPr>
-              <a:t>This is what Continuous Integration (CI) is all about. Jenkins is the most mature Continuous Integration tool available so let us see how Continuous Integration with Jenkins overcame the above shortcomings.</a:t>
-            </a:r>
-          </a:p>
-          <a:p>
-            <a:pPr lvl="0"/>
-            <a:endParaRPr lang="en-IN" sz="2000" dirty="0"/>
-          </a:p>
-        </p:txBody>
-      </p:sp>
-    </p:spTree>
-  </p:cSld>
-  <p:clrMapOvr>
-    <a:masterClrMapping/>
-  </p:clrMapOvr>
-  <p:timing>
-    <p:tnLst>
-      <p:par>
-        <p:cTn id="1" dur="indefinite" restart="never" nodeType="tmRoot"/>
-      </p:par>
-    </p:tnLst>
-  </p:timing>
-</p:sld>
-</file>
-
-<file path=ppt/slides/slide8.xml><?xml version="1.0" encoding="utf-8"?>
-<p:sld xmlns:a="http://schemas.openxmlformats.org/drawingml/2006/main" xmlns:r="http://schemas.openxmlformats.org/officeDocument/2006/relationships" xmlns:p="http://schemas.openxmlformats.org/presentationml/2006/main">
-  <p:cSld>
-    <p:spTree>
-      <p:nvGrpSpPr>
-        <p:cNvPr id="1" name=""/>
-        <p:cNvGrpSpPr/>
-        <p:nvPr/>
-      </p:nvGrpSpPr>
-      <p:grpSpPr>
-        <a:xfrm>
-          <a:off x="0" y="0"/>
-          <a:ext cx="0" cy="0"/>
-          <a:chOff x="0" y="0"/>
-          <a:chExt cx="0" cy="0"/>
-        </a:xfrm>
-      </p:grpSpPr>
-      <p:sp>
-        <p:nvSpPr>
-          <p:cNvPr id="4" name="Title 3"/>
-          <p:cNvSpPr>
-            <a:spLocks noGrp="1"/>
-          </p:cNvSpPr>
-          <p:nvPr>
-            <p:ph type="title"/>
-          </p:nvPr>
-        </p:nvSpPr>
-        <p:spPr/>
-        <p:txBody>
-          <a:bodyPr>
-            <a:normAutofit/>
-          </a:bodyPr>
-          <a:lstStyle/>
-          <a:p>
-            <a:r>
-              <a:rPr lang="en-IN" dirty="0" smtClean="0"/>
-              <a:t>Jenkins Architecture</a:t>
-            </a:r>
-            <a:endParaRPr lang="en-IN" dirty="0"/>
-          </a:p>
-        </p:txBody>
-      </p:sp>
-      <p:sp>
-        <p:nvSpPr>
-          <p:cNvPr id="5" name="Content Placeholder 4"/>
-          <p:cNvSpPr>
-            <a:spLocks noGrp="1"/>
-          </p:cNvSpPr>
-          <p:nvPr>
-            <p:ph sz="quarter" idx="1"/>
-          </p:nvPr>
-        </p:nvSpPr>
-        <p:spPr/>
-        <p:txBody>
-          <a:bodyPr>
-            <a:normAutofit/>
-          </a:bodyPr>
-          <a:lstStyle/>
-          <a:p>
-            <a:r>
-              <a:rPr lang="en-US" sz="2000" b="1" dirty="0" smtClean="0">
-                <a:latin typeface="Calibri" pitchFamily="34" charset="0"/>
-                <a:cs typeface="Calibri" pitchFamily="34" charset="0"/>
-              </a:rPr>
-              <a:t>generic flow diagram of Continuous Integration with Jenkins:</a:t>
-            </a:r>
-          </a:p>
-          <a:p>
-            <a:endParaRPr lang="en-IN" sz="2000" dirty="0"/>
-          </a:p>
-        </p:txBody>
-      </p:sp>
-      <p:pic>
-        <p:nvPicPr>
-          <p:cNvPr id="1026" name="Picture 2" descr="C:\Users\SANTHOSH\Desktop\continuous-integration-with-jenkins.png"/>
-          <p:cNvPicPr>
-            <a:picLocks noChangeAspect="1" noChangeArrowheads="1"/>
-          </p:cNvPicPr>
-          <p:nvPr/>
-        </p:nvPicPr>
-        <p:blipFill>
-          <a:blip r:embed="rId3"/>
-          <a:srcRect/>
-          <a:stretch>
-            <a:fillRect/>
-          </a:stretch>
-        </p:blipFill>
-        <p:spPr bwMode="auto">
-          <a:xfrm>
-            <a:off x="685800" y="2590800"/>
-            <a:ext cx="7762876" cy="2962275"/>
-          </a:xfrm>
-          <a:prstGeom prst="rect">
-            <a:avLst/>
-          </a:prstGeom>
-          <a:noFill/>
-        </p:spPr>
-      </p:pic>
-      <p:sp>
-        <p:nvSpPr>
-          <p:cNvPr id="2" name="Rectangle 1"/>
-          <p:cNvSpPr/>
-          <p:nvPr/>
-        </p:nvSpPr>
-        <p:spPr>
-          <a:xfrm>
-            <a:off x="7467600" y="2590800"/>
-            <a:ext cx="981076" cy="381000"/>
-          </a:xfrm>
-          <a:prstGeom prst="rect">
-            <a:avLst/>
-          </a:prstGeom>
-          <a:solidFill>
-            <a:schemeClr val="bg1"/>
-          </a:solidFill>
-          <a:ln>
-            <a:solidFill>
-              <a:schemeClr val="bg1"/>
-            </a:solidFill>
-          </a:ln>
-        </p:spPr>
-        <p:style>
-          <a:lnRef idx="2">
-            <a:schemeClr val="accent1">
-              <a:shade val="50000"/>
-            </a:schemeClr>
-          </a:lnRef>
-          <a:fillRef idx="1">
-            <a:schemeClr val="accent1"/>
-          </a:fillRef>
-          <a:effectRef idx="0">
-            <a:schemeClr val="accent1"/>
-          </a:effectRef>
-          <a:fontRef idx="minor">
-            <a:schemeClr val="lt1"/>
-          </a:fontRef>
-        </p:style>
-        <p:txBody>
-          <a:bodyPr rtlCol="0" anchor="ctr"/>
-          <a:lstStyle/>
-          <a:p>
-            <a:pPr algn="ctr"/>
-            <a:endParaRPr lang="en-US"/>
-          </a:p>
-        </p:txBody>
-      </p:sp>
-    </p:spTree>
-  </p:cSld>
-  <p:clrMapOvr>
-    <a:masterClrMapping/>
-  </p:clrMapOvr>
-  <p:timing>
-    <p:tnLst>
-      <p:par>
-        <p:cTn id="1" dur="indefinite" restart="never" nodeType="tmRoot"/>
-      </p:par>
-    </p:tnLst>
-  </p:timing>
-</p:sld>
-</file>
-
-<file path=ppt/slides/slide9.xml><?xml version="1.0" encoding="utf-8"?>
-<p:sld xmlns:a="http://schemas.openxmlformats.org/drawingml/2006/main" xmlns:r="http://schemas.openxmlformats.org/officeDocument/2006/relationships" xmlns:p="http://schemas.openxmlformats.org/presentationml/2006/main">
-  <p:cSld>
-    <p:spTree>
-      <p:nvGrpSpPr>
-        <p:cNvPr id="1" name=""/>
-        <p:cNvGrpSpPr/>
-        <p:nvPr/>
-      </p:nvGrpSpPr>
-      <p:grpSpPr>
-        <a:xfrm>
-          <a:off x="0" y="0"/>
-          <a:ext cx="0" cy="0"/>
-          <a:chOff x="0" y="0"/>
-          <a:chExt cx="0" cy="0"/>
-        </a:xfrm>
-      </p:grpSpPr>
-      <p:sp>
-        <p:nvSpPr>
-          <p:cNvPr id="4" name="Title 3"/>
-          <p:cNvSpPr>
-            <a:spLocks noGrp="1"/>
-          </p:cNvSpPr>
-          <p:nvPr>
-            <p:ph type="title"/>
-          </p:nvPr>
-        </p:nvSpPr>
-        <p:spPr/>
-        <p:txBody>
-          <a:bodyPr>
-            <a:normAutofit/>
-          </a:bodyPr>
-          <a:lstStyle/>
-          <a:p>
-            <a:r>
-              <a:rPr lang="en-IN" dirty="0" smtClean="0"/>
-              <a:t>Jenkins</a:t>
-            </a:r>
-            <a:endParaRPr lang="en-IN" dirty="0"/>
-          </a:p>
-        </p:txBody>
-      </p:sp>
-      <p:sp>
-        <p:nvSpPr>
-          <p:cNvPr id="5" name="Content Placeholder 4"/>
-          <p:cNvSpPr>
-            <a:spLocks noGrp="1"/>
-          </p:cNvSpPr>
-          <p:nvPr>
-            <p:ph sz="quarter" idx="1"/>
-          </p:nvPr>
-        </p:nvSpPr>
-        <p:spPr/>
-        <p:txBody>
-          <a:bodyPr>
-            <a:normAutofit lnSpcReduction="10000"/>
-          </a:bodyPr>
-          <a:lstStyle/>
-          <a:p>
-            <a:r>
-              <a:rPr lang="en-US" sz="2000" b="1" dirty="0" smtClean="0"/>
-              <a:t>Let's see how Jenkins works</a:t>
-            </a:r>
-            <a:r>
-              <a:rPr lang="en-US" sz="2000" dirty="0" smtClean="0"/>
-              <a:t>. The above diagram is representing the following functions:</a:t>
-            </a:r>
-          </a:p>
-          <a:p>
-            <a:r>
-              <a:rPr lang="en-US" sz="2000" dirty="0" smtClean="0"/>
-              <a:t>First of all, a developer commits the code to the source code repository. Meanwhile, the Jenkins checks the repository at regular intervals for changes.</a:t>
-            </a:r>
-          </a:p>
-          <a:p>
-            <a:r>
-              <a:rPr lang="en-US" sz="2000" dirty="0" smtClean="0"/>
-              <a:t>Soon after a commit occurs, the Jenkins server finds the changes that have occurred in the source code repository. Jenkins will draw those changes and will start preparing a new build.</a:t>
-            </a:r>
-          </a:p>
-          <a:p>
-            <a:r>
-              <a:rPr lang="en-US" sz="2000" dirty="0" smtClean="0"/>
-              <a:t>If the build fails, then the concerned team will be notified.</a:t>
-            </a:r>
-          </a:p>
-          <a:p>
-            <a:r>
-              <a:rPr lang="en-US" sz="2000" dirty="0" smtClean="0"/>
-              <a:t>If built is successful, then Jenkins server deploys the built in the test server.</a:t>
-            </a:r>
-          </a:p>
-          <a:p>
-            <a:r>
-              <a:rPr lang="en-US" sz="2000" dirty="0" smtClean="0"/>
-              <a:t>After testing, Jenkins server generates a feedback and then notifies the developers about the build and test results.</a:t>
-            </a:r>
-          </a:p>
-          <a:p>
-            <a:r>
-              <a:rPr lang="en-US" sz="2000" dirty="0" smtClean="0"/>
-              <a:t>It will continue to verify the source code repository for changes made in the source code and the whole process keeps on repeating.</a:t>
-            </a:r>
-            <a:endParaRPr lang="en-US" sz="2000" dirty="0"/>
-          </a:p>
-        </p:txBody>
-      </p:sp>
-    </p:spTree>
-  </p:cSld>
-  <p:clrMapOvr>
-    <a:masterClrMapping/>
-  </p:clrMapOvr>
-  <p:timing>
-    <p:tnLst>
-      <p:par>
-        <p:cTn id="1" dur="indefinite" restart="never" nodeType="tmRoot"/>
-      </p:par>
-    </p:tnLst>
-  </p:timing>
 </p:sld>
 </file>
 
